--- a/[최종]2018-코드게이트-한우영.pptx
+++ b/[최종]2018-코드게이트-한우영.pptx
@@ -6,7 +6,7 @@
     <p:sldMasterId id="2147483661" r:id="rId2"/>
   </p:sldMasterIdLst>
   <p:notesMasterIdLst>
-    <p:notesMasterId r:id="rId38"/>
+    <p:notesMasterId r:id="rId34"/>
   </p:notesMasterIdLst>
   <p:sldIdLst>
     <p:sldId id="268" r:id="rId3"/>
@@ -18,32 +18,28 @@
     <p:sldId id="301" r:id="rId9"/>
     <p:sldId id="261" r:id="rId10"/>
     <p:sldId id="267" r:id="rId11"/>
-    <p:sldId id="295" r:id="rId12"/>
-    <p:sldId id="266" r:id="rId13"/>
-    <p:sldId id="293" r:id="rId14"/>
-    <p:sldId id="292" r:id="rId15"/>
-    <p:sldId id="299" r:id="rId16"/>
-    <p:sldId id="298" r:id="rId17"/>
-    <p:sldId id="281" r:id="rId18"/>
-    <p:sldId id="300" r:id="rId19"/>
-    <p:sldId id="287" r:id="rId20"/>
-    <p:sldId id="288" r:id="rId21"/>
-    <p:sldId id="271" r:id="rId22"/>
-    <p:sldId id="296" r:id="rId23"/>
-    <p:sldId id="272" r:id="rId24"/>
-    <p:sldId id="275" r:id="rId25"/>
-    <p:sldId id="276" r:id="rId26"/>
-    <p:sldId id="277" r:id="rId27"/>
-    <p:sldId id="294" r:id="rId28"/>
-    <p:sldId id="273" r:id="rId29"/>
-    <p:sldId id="297" r:id="rId30"/>
-    <p:sldId id="274" r:id="rId31"/>
-    <p:sldId id="283" r:id="rId32"/>
-    <p:sldId id="290" r:id="rId33"/>
-    <p:sldId id="285" r:id="rId34"/>
-    <p:sldId id="284" r:id="rId35"/>
-    <p:sldId id="286" r:id="rId36"/>
-    <p:sldId id="262" r:id="rId37"/>
+    <p:sldId id="266" r:id="rId12"/>
+    <p:sldId id="293" r:id="rId13"/>
+    <p:sldId id="292" r:id="rId14"/>
+    <p:sldId id="299" r:id="rId15"/>
+    <p:sldId id="298" r:id="rId16"/>
+    <p:sldId id="300" r:id="rId17"/>
+    <p:sldId id="287" r:id="rId18"/>
+    <p:sldId id="288" r:id="rId19"/>
+    <p:sldId id="271" r:id="rId20"/>
+    <p:sldId id="272" r:id="rId21"/>
+    <p:sldId id="275" r:id="rId22"/>
+    <p:sldId id="276" r:id="rId23"/>
+    <p:sldId id="277" r:id="rId24"/>
+    <p:sldId id="294" r:id="rId25"/>
+    <p:sldId id="273" r:id="rId26"/>
+    <p:sldId id="274" r:id="rId27"/>
+    <p:sldId id="283" r:id="rId28"/>
+    <p:sldId id="290" r:id="rId29"/>
+    <p:sldId id="285" r:id="rId30"/>
+    <p:sldId id="284" r:id="rId31"/>
+    <p:sldId id="286" r:id="rId32"/>
+    <p:sldId id="262" r:id="rId33"/>
   </p:sldIdLst>
   <p:sldSz cx="9144000" cy="5143500" type="screen16x9"/>
   <p:notesSz cx="6858000" cy="9144000"/>
@@ -156,25 +152,21 @@
             <p14:sldId id="301"/>
             <p14:sldId id="261"/>
             <p14:sldId id="267"/>
-            <p14:sldId id="295"/>
             <p14:sldId id="266"/>
             <p14:sldId id="293"/>
             <p14:sldId id="292"/>
             <p14:sldId id="299"/>
             <p14:sldId id="298"/>
-            <p14:sldId id="281"/>
             <p14:sldId id="300"/>
             <p14:sldId id="287"/>
             <p14:sldId id="288"/>
             <p14:sldId id="271"/>
-            <p14:sldId id="296"/>
             <p14:sldId id="272"/>
             <p14:sldId id="275"/>
             <p14:sldId id="276"/>
             <p14:sldId id="277"/>
             <p14:sldId id="294"/>
             <p14:sldId id="273"/>
-            <p14:sldId id="297"/>
             <p14:sldId id="274"/>
             <p14:sldId id="283"/>
             <p14:sldId id="290"/>
@@ -289,7 +281,7 @@
           <a:p>
             <a:fld id="{4E86876E-F278-45DC-9BF2-CD74F89C7198}" type="datetimeFigureOut">
               <a:rPr lang="ko-KR" altLang="en-US" smtClean="0"/>
-              <a:t>2018. 4. 5.</a:t>
+              <a:t>2018. 10. 16.</a:t>
             </a:fld>
             <a:endParaRPr lang="ko-KR" altLang="en-US"/>
           </a:p>
@@ -777,7 +769,7 @@
           <a:p>
             <a:fld id="{209EF972-5D76-4862-819F-AFDBF1F2FBF5}" type="slidenum">
               <a:rPr lang="ko-KR" altLang="en-US" smtClean="0"/>
-              <a:t>30</a:t>
+              <a:t>28</a:t>
             </a:fld>
             <a:endParaRPr lang="ko-KR" altLang="en-US"/>
           </a:p>
@@ -786,7 +778,7 @@
     </p:spTree>
     <p:extLst>
       <p:ext uri="{BB962C8B-B14F-4D97-AF65-F5344CB8AC3E}">
-        <p14:creationId xmlns:p14="http://schemas.microsoft.com/office/powerpoint/2010/main" val="2724696478"/>
+        <p14:creationId xmlns:p14="http://schemas.microsoft.com/office/powerpoint/2010/main" val="2414727844"/>
       </p:ext>
     </p:extLst>
   </p:cSld>
@@ -861,7 +853,7 @@
           <a:p>
             <a:fld id="{209EF972-5D76-4862-819F-AFDBF1F2FBF5}" type="slidenum">
               <a:rPr lang="ko-KR" altLang="en-US" smtClean="0"/>
-              <a:t>31</a:t>
+              <a:t>29</a:t>
             </a:fld>
             <a:endParaRPr lang="ko-KR" altLang="en-US"/>
           </a:p>
@@ -870,7 +862,7 @@
     </p:spTree>
     <p:extLst>
       <p:ext uri="{BB962C8B-B14F-4D97-AF65-F5344CB8AC3E}">
-        <p14:creationId xmlns:p14="http://schemas.microsoft.com/office/powerpoint/2010/main" val="1312182137"/>
+        <p14:creationId xmlns:p14="http://schemas.microsoft.com/office/powerpoint/2010/main" val="1327025826"/>
       </p:ext>
     </p:extLst>
   </p:cSld>
@@ -945,175 +937,7 @@
           <a:p>
             <a:fld id="{209EF972-5D76-4862-819F-AFDBF1F2FBF5}" type="slidenum">
               <a:rPr lang="ko-KR" altLang="en-US" smtClean="0"/>
-              <a:t>32</a:t>
-            </a:fld>
-            <a:endParaRPr lang="ko-KR" altLang="en-US"/>
-          </a:p>
-        </p:txBody>
-      </p:sp>
-    </p:spTree>
-    <p:extLst>
-      <p:ext uri="{BB962C8B-B14F-4D97-AF65-F5344CB8AC3E}">
-        <p14:creationId xmlns:p14="http://schemas.microsoft.com/office/powerpoint/2010/main" val="2414727844"/>
-      </p:ext>
-    </p:extLst>
-  </p:cSld>
-  <p:clrMapOvr>
-    <a:masterClrMapping/>
-  </p:clrMapOvr>
-</p:notes>
-</file>
-
-<file path=ppt/notesSlides/notesSlide13.xml><?xml version="1.0" encoding="utf-8"?>
-<p:notes xmlns:a="http://schemas.openxmlformats.org/drawingml/2006/main" xmlns:r="http://schemas.openxmlformats.org/officeDocument/2006/relationships" xmlns:p="http://schemas.openxmlformats.org/presentationml/2006/main">
-  <p:cSld>
-    <p:spTree>
-      <p:nvGrpSpPr>
-        <p:cNvPr id="1" name=""/>
-        <p:cNvGrpSpPr/>
-        <p:nvPr/>
-      </p:nvGrpSpPr>
-      <p:grpSpPr>
-        <a:xfrm>
-          <a:off x="0" y="0"/>
-          <a:ext cx="0" cy="0"/>
-          <a:chOff x="0" y="0"/>
-          <a:chExt cx="0" cy="0"/>
-        </a:xfrm>
-      </p:grpSpPr>
-      <p:sp>
-        <p:nvSpPr>
-          <p:cNvPr id="2" name="슬라이드 이미지 개체 틀 1"/>
-          <p:cNvSpPr>
-            <a:spLocks noGrp="1" noRot="1" noChangeAspect="1"/>
-          </p:cNvSpPr>
-          <p:nvPr>
-            <p:ph type="sldImg"/>
-          </p:nvPr>
-        </p:nvSpPr>
-        <p:spPr/>
-      </p:sp>
-      <p:sp>
-        <p:nvSpPr>
-          <p:cNvPr id="3" name="슬라이드 노트 개체 틀 2"/>
-          <p:cNvSpPr>
-            <a:spLocks noGrp="1"/>
-          </p:cNvSpPr>
-          <p:nvPr>
-            <p:ph type="body" idx="1"/>
-          </p:nvPr>
-        </p:nvSpPr>
-        <p:spPr/>
-        <p:txBody>
-          <a:bodyPr/>
-          <a:lstStyle/>
-          <a:p>
-            <a:endParaRPr lang="ko-KR" altLang="en-US" dirty="0"/>
-          </a:p>
-        </p:txBody>
-      </p:sp>
-      <p:sp>
-        <p:nvSpPr>
-          <p:cNvPr id="4" name="슬라이드 번호 개체 틀 3"/>
-          <p:cNvSpPr>
-            <a:spLocks noGrp="1"/>
-          </p:cNvSpPr>
-          <p:nvPr>
-            <p:ph type="sldNum" sz="quarter" idx="10"/>
-          </p:nvPr>
-        </p:nvSpPr>
-        <p:spPr/>
-        <p:txBody>
-          <a:bodyPr/>
-          <a:lstStyle/>
-          <a:p>
-            <a:fld id="{209EF972-5D76-4862-819F-AFDBF1F2FBF5}" type="slidenum">
-              <a:rPr lang="ko-KR" altLang="en-US" smtClean="0"/>
-              <a:t>33</a:t>
-            </a:fld>
-            <a:endParaRPr lang="ko-KR" altLang="en-US"/>
-          </a:p>
-        </p:txBody>
-      </p:sp>
-    </p:spTree>
-    <p:extLst>
-      <p:ext uri="{BB962C8B-B14F-4D97-AF65-F5344CB8AC3E}">
-        <p14:creationId xmlns:p14="http://schemas.microsoft.com/office/powerpoint/2010/main" val="1327025826"/>
-      </p:ext>
-    </p:extLst>
-  </p:cSld>
-  <p:clrMapOvr>
-    <a:masterClrMapping/>
-  </p:clrMapOvr>
-</p:notes>
-</file>
-
-<file path=ppt/notesSlides/notesSlide14.xml><?xml version="1.0" encoding="utf-8"?>
-<p:notes xmlns:a="http://schemas.openxmlformats.org/drawingml/2006/main" xmlns:r="http://schemas.openxmlformats.org/officeDocument/2006/relationships" xmlns:p="http://schemas.openxmlformats.org/presentationml/2006/main">
-  <p:cSld>
-    <p:spTree>
-      <p:nvGrpSpPr>
-        <p:cNvPr id="1" name=""/>
-        <p:cNvGrpSpPr/>
-        <p:nvPr/>
-      </p:nvGrpSpPr>
-      <p:grpSpPr>
-        <a:xfrm>
-          <a:off x="0" y="0"/>
-          <a:ext cx="0" cy="0"/>
-          <a:chOff x="0" y="0"/>
-          <a:chExt cx="0" cy="0"/>
-        </a:xfrm>
-      </p:grpSpPr>
-      <p:sp>
-        <p:nvSpPr>
-          <p:cNvPr id="2" name="슬라이드 이미지 개체 틀 1"/>
-          <p:cNvSpPr>
-            <a:spLocks noGrp="1" noRot="1" noChangeAspect="1"/>
-          </p:cNvSpPr>
-          <p:nvPr>
-            <p:ph type="sldImg"/>
-          </p:nvPr>
-        </p:nvSpPr>
-        <p:spPr/>
-      </p:sp>
-      <p:sp>
-        <p:nvSpPr>
-          <p:cNvPr id="3" name="슬라이드 노트 개체 틀 2"/>
-          <p:cNvSpPr>
-            <a:spLocks noGrp="1"/>
-          </p:cNvSpPr>
-          <p:nvPr>
-            <p:ph type="body" idx="1"/>
-          </p:nvPr>
-        </p:nvSpPr>
-        <p:spPr/>
-        <p:txBody>
-          <a:bodyPr/>
-          <a:lstStyle/>
-          <a:p>
-            <a:endParaRPr lang="ko-KR" altLang="en-US" dirty="0"/>
-          </a:p>
-        </p:txBody>
-      </p:sp>
-      <p:sp>
-        <p:nvSpPr>
-          <p:cNvPr id="4" name="슬라이드 번호 개체 틀 3"/>
-          <p:cNvSpPr>
-            <a:spLocks noGrp="1"/>
-          </p:cNvSpPr>
-          <p:nvPr>
-            <p:ph type="sldNum" sz="quarter" idx="10"/>
-          </p:nvPr>
-        </p:nvSpPr>
-        <p:spPr/>
-        <p:txBody>
-          <a:bodyPr/>
-          <a:lstStyle/>
-          <a:p>
-            <a:fld id="{209EF972-5D76-4862-819F-AFDBF1F2FBF5}" type="slidenum">
-              <a:rPr lang="ko-KR" altLang="en-US" smtClean="0"/>
-              <a:t>34</a:t>
+              <a:t>30</a:t>
             </a:fld>
             <a:endParaRPr lang="ko-KR" altLang="en-US"/>
           </a:p>
@@ -1391,7 +1215,7 @@
           <a:p>
             <a:fld id="{209EF972-5D76-4862-819F-AFDBF1F2FBF5}" type="slidenum">
               <a:rPr lang="ko-KR" altLang="en-US" smtClean="0"/>
-              <a:t>13</a:t>
+              <a:t>12</a:t>
             </a:fld>
             <a:endParaRPr lang="ko-KR" altLang="en-US"/>
           </a:p>
@@ -1475,7 +1299,7 @@
           <a:p>
             <a:fld id="{209EF972-5D76-4862-819F-AFDBF1F2FBF5}" type="slidenum">
               <a:rPr lang="ko-KR" altLang="en-US" smtClean="0"/>
-              <a:t>16</a:t>
+              <a:t>15</a:t>
             </a:fld>
             <a:endParaRPr lang="ko-KR" altLang="en-US"/>
           </a:p>
@@ -1484,7 +1308,7 @@
     </p:spTree>
     <p:extLst>
       <p:ext uri="{BB962C8B-B14F-4D97-AF65-F5344CB8AC3E}">
-        <p14:creationId xmlns:p14="http://schemas.microsoft.com/office/powerpoint/2010/main" val="11247778"/>
+        <p14:creationId xmlns:p14="http://schemas.microsoft.com/office/powerpoint/2010/main" val="287490249"/>
       </p:ext>
     </p:extLst>
   </p:cSld>
@@ -1559,7 +1383,7 @@
           <a:p>
             <a:fld id="{209EF972-5D76-4862-819F-AFDBF1F2FBF5}" type="slidenum">
               <a:rPr lang="ko-KR" altLang="en-US" smtClean="0"/>
-              <a:t>17</a:t>
+              <a:t>16</a:t>
             </a:fld>
             <a:endParaRPr lang="ko-KR" altLang="en-US"/>
           </a:p>
@@ -1568,7 +1392,7 @@
     </p:spTree>
     <p:extLst>
       <p:ext uri="{BB962C8B-B14F-4D97-AF65-F5344CB8AC3E}">
-        <p14:creationId xmlns:p14="http://schemas.microsoft.com/office/powerpoint/2010/main" val="287490249"/>
+        <p14:creationId xmlns:p14="http://schemas.microsoft.com/office/powerpoint/2010/main" val="827549242"/>
       </p:ext>
     </p:extLst>
   </p:cSld>
@@ -1622,6 +1446,83 @@
           <a:bodyPr/>
           <a:lstStyle/>
           <a:p>
+            <a:r>
+              <a:rPr lang="en-US" altLang="ko-KR" sz="1200" b="0" i="0" kern="1200" dirty="0">
+                <a:solidFill>
+                  <a:schemeClr val="tx1"/>
+                </a:solidFill>
+                <a:effectLst/>
+                <a:latin typeface="+mn-lt"/>
+                <a:ea typeface="+mn-ea"/>
+                <a:cs typeface="+mn-cs"/>
+              </a:rPr>
+              <a:t>0x00~0x03 4Bytes  CMMM" Signature </a:t>
+            </a:r>
+          </a:p>
+          <a:p>
+            <a:r>
+              <a:rPr lang="en-US" altLang="ko-KR" sz="1200" b="0" i="0" kern="1200" dirty="0">
+                <a:solidFill>
+                  <a:schemeClr val="tx1"/>
+                </a:solidFill>
+                <a:effectLst/>
+                <a:latin typeface="+mn-lt"/>
+                <a:ea typeface="+mn-ea"/>
+                <a:cs typeface="+mn-cs"/>
+              </a:rPr>
+              <a:t>0x04~0x07 4Bytes  Size of Thumbnail Entry </a:t>
+            </a:r>
+          </a:p>
+          <a:p>
+            <a:r>
+              <a:rPr lang="en-US" altLang="ko-KR" sz="1200" b="0" i="0" kern="1200" dirty="0">
+                <a:solidFill>
+                  <a:schemeClr val="tx1"/>
+                </a:solidFill>
+                <a:effectLst/>
+                <a:latin typeface="+mn-lt"/>
+                <a:ea typeface="+mn-ea"/>
+                <a:cs typeface="+mn-cs"/>
+              </a:rPr>
+              <a:t>0x08~0x0F 8Bytes  Unique ID </a:t>
+            </a:r>
+          </a:p>
+          <a:p>
+            <a:r>
+              <a:rPr lang="en-US" altLang="ko-KR" sz="1200" b="0" i="0" kern="1200" dirty="0">
+                <a:solidFill>
+                  <a:schemeClr val="tx1"/>
+                </a:solidFill>
+                <a:effectLst/>
+                <a:latin typeface="+mn-lt"/>
+                <a:ea typeface="+mn-ea"/>
+                <a:cs typeface="+mn-cs"/>
+              </a:rPr>
+              <a:t>0x30~0x4134Bytes File Name </a:t>
+            </a:r>
+          </a:p>
+          <a:p>
+            <a:r>
+              <a:rPr lang="en-US" altLang="ko-KR" sz="1200" b="0" i="0" kern="1200" dirty="0">
+                <a:solidFill>
+                  <a:schemeClr val="tx1"/>
+                </a:solidFill>
+                <a:effectLst/>
+                <a:latin typeface="+mn-lt"/>
+                <a:ea typeface="+mn-ea"/>
+                <a:cs typeface="+mn-cs"/>
+              </a:rPr>
+              <a:t>0x42 - Thumbnail Data </a:t>
+            </a:r>
+          </a:p>
+          <a:p>
+            <a:r>
+              <a:rPr lang="en-US" altLang="ko-KR" dirty="0"/>
+              <a:t/>
+            </a:r>
+            <a:br>
+              <a:rPr lang="en-US" altLang="ko-KR" dirty="0"/>
+            </a:br>
             <a:endParaRPr lang="ko-KR" altLang="en-US" dirty="0"/>
           </a:p>
         </p:txBody>
@@ -1643,7 +1544,7 @@
           <a:p>
             <a:fld id="{209EF972-5D76-4862-819F-AFDBF1F2FBF5}" type="slidenum">
               <a:rPr lang="ko-KR" altLang="en-US" smtClean="0"/>
-              <a:t>18</a:t>
+              <a:t>17</a:t>
             </a:fld>
             <a:endParaRPr lang="ko-KR" altLang="en-US"/>
           </a:p>
@@ -1652,7 +1553,7 @@
     </p:spTree>
     <p:extLst>
       <p:ext uri="{BB962C8B-B14F-4D97-AF65-F5344CB8AC3E}">
-        <p14:creationId xmlns:p14="http://schemas.microsoft.com/office/powerpoint/2010/main" val="827549242"/>
+        <p14:creationId xmlns:p14="http://schemas.microsoft.com/office/powerpoint/2010/main" val="1635078628"/>
       </p:ext>
     </p:extLst>
   </p:cSld>
@@ -1706,83 +1607,6 @@
           <a:bodyPr/>
           <a:lstStyle/>
           <a:p>
-            <a:r>
-              <a:rPr lang="en-US" altLang="ko-KR" sz="1200" b="0" i="0" kern="1200" dirty="0">
-                <a:solidFill>
-                  <a:schemeClr val="tx1"/>
-                </a:solidFill>
-                <a:effectLst/>
-                <a:latin typeface="+mn-lt"/>
-                <a:ea typeface="+mn-ea"/>
-                <a:cs typeface="+mn-cs"/>
-              </a:rPr>
-              <a:t>0x00~0x03 4Bytes  CMMM" Signature </a:t>
-            </a:r>
-          </a:p>
-          <a:p>
-            <a:r>
-              <a:rPr lang="en-US" altLang="ko-KR" sz="1200" b="0" i="0" kern="1200" dirty="0">
-                <a:solidFill>
-                  <a:schemeClr val="tx1"/>
-                </a:solidFill>
-                <a:effectLst/>
-                <a:latin typeface="+mn-lt"/>
-                <a:ea typeface="+mn-ea"/>
-                <a:cs typeface="+mn-cs"/>
-              </a:rPr>
-              <a:t>0x04~0x07 4Bytes  Size of Thumbnail Entry </a:t>
-            </a:r>
-          </a:p>
-          <a:p>
-            <a:r>
-              <a:rPr lang="en-US" altLang="ko-KR" sz="1200" b="0" i="0" kern="1200" dirty="0">
-                <a:solidFill>
-                  <a:schemeClr val="tx1"/>
-                </a:solidFill>
-                <a:effectLst/>
-                <a:latin typeface="+mn-lt"/>
-                <a:ea typeface="+mn-ea"/>
-                <a:cs typeface="+mn-cs"/>
-              </a:rPr>
-              <a:t>0x08~0x0F 8Bytes  Unique ID </a:t>
-            </a:r>
-          </a:p>
-          <a:p>
-            <a:r>
-              <a:rPr lang="en-US" altLang="ko-KR" sz="1200" b="0" i="0" kern="1200" dirty="0">
-                <a:solidFill>
-                  <a:schemeClr val="tx1"/>
-                </a:solidFill>
-                <a:effectLst/>
-                <a:latin typeface="+mn-lt"/>
-                <a:ea typeface="+mn-ea"/>
-                <a:cs typeface="+mn-cs"/>
-              </a:rPr>
-              <a:t>0x30~0x4134Bytes File Name </a:t>
-            </a:r>
-          </a:p>
-          <a:p>
-            <a:r>
-              <a:rPr lang="en-US" altLang="ko-KR" sz="1200" b="0" i="0" kern="1200" dirty="0">
-                <a:solidFill>
-                  <a:schemeClr val="tx1"/>
-                </a:solidFill>
-                <a:effectLst/>
-                <a:latin typeface="+mn-lt"/>
-                <a:ea typeface="+mn-ea"/>
-                <a:cs typeface="+mn-cs"/>
-              </a:rPr>
-              <a:t>0x42 - Thumbnail Data </a:t>
-            </a:r>
-          </a:p>
-          <a:p>
-            <a:r>
-              <a:rPr lang="en-US" altLang="ko-KR" dirty="0"/>
-              <a:t/>
-            </a:r>
-            <a:br>
-              <a:rPr lang="en-US" altLang="ko-KR" dirty="0"/>
-            </a:br>
             <a:endParaRPr lang="ko-KR" altLang="en-US" dirty="0"/>
           </a:p>
         </p:txBody>
@@ -1804,7 +1628,7 @@
           <a:p>
             <a:fld id="{209EF972-5D76-4862-819F-AFDBF1F2FBF5}" type="slidenum">
               <a:rPr lang="ko-KR" altLang="en-US" smtClean="0"/>
-              <a:t>19</a:t>
+              <a:t>26</a:t>
             </a:fld>
             <a:endParaRPr lang="ko-KR" altLang="en-US"/>
           </a:p>
@@ -1813,7 +1637,7 @@
     </p:spTree>
     <p:extLst>
       <p:ext uri="{BB962C8B-B14F-4D97-AF65-F5344CB8AC3E}">
-        <p14:creationId xmlns:p14="http://schemas.microsoft.com/office/powerpoint/2010/main" val="1635078628"/>
+        <p14:creationId xmlns:p14="http://schemas.microsoft.com/office/powerpoint/2010/main" val="2724696478"/>
       </p:ext>
     </p:extLst>
   </p:cSld>
@@ -1888,7 +1712,7 @@
           <a:p>
             <a:fld id="{209EF972-5D76-4862-819F-AFDBF1F2FBF5}" type="slidenum">
               <a:rPr lang="ko-KR" altLang="en-US" smtClean="0"/>
-              <a:t>28</a:t>
+              <a:t>27</a:t>
             </a:fld>
             <a:endParaRPr lang="ko-KR" altLang="en-US"/>
           </a:p>
@@ -1897,7 +1721,7 @@
     </p:spTree>
     <p:extLst>
       <p:ext uri="{BB962C8B-B14F-4D97-AF65-F5344CB8AC3E}">
-        <p14:creationId xmlns:p14="http://schemas.microsoft.com/office/powerpoint/2010/main" val="1046395806"/>
+        <p14:creationId xmlns:p14="http://schemas.microsoft.com/office/powerpoint/2010/main" val="1312182137"/>
       </p:ext>
     </p:extLst>
   </p:cSld>
@@ -2309,7 +2133,7 @@
           <a:p>
             <a:fld id="{63937D59-5EDB-4C39-B697-625748F703B6}" type="datetimeFigureOut">
               <a:rPr lang="en-US" smtClean="0"/>
-              <a:t>4/5/18</a:t>
+              <a:t>10/16/18</a:t>
             </a:fld>
             <a:endParaRPr lang="en-US"/>
           </a:p>
@@ -2426,7 +2250,7 @@
           <a:p>
             <a:fld id="{63937D59-5EDB-4C39-B697-625748F703B6}" type="datetimeFigureOut">
               <a:rPr lang="en-US" smtClean="0"/>
-              <a:t>4/5/18</a:t>
+              <a:t>10/16/18</a:t>
             </a:fld>
             <a:endParaRPr lang="en-US"/>
           </a:p>
@@ -2521,7 +2345,7 @@
           <a:p>
             <a:fld id="{63937D59-5EDB-4C39-B697-625748F703B6}" type="datetimeFigureOut">
               <a:rPr lang="en-US" smtClean="0"/>
-              <a:t>4/5/18</a:t>
+              <a:t>10/16/18</a:t>
             </a:fld>
             <a:endParaRPr lang="en-US"/>
           </a:p>
@@ -2796,7 +2620,7 @@
           <a:p>
             <a:fld id="{63937D59-5EDB-4C39-B697-625748F703B6}" type="datetimeFigureOut">
               <a:rPr lang="en-US" smtClean="0"/>
-              <a:t>4/5/18</a:t>
+              <a:t>10/16/18</a:t>
             </a:fld>
             <a:endParaRPr lang="en-US"/>
           </a:p>
@@ -3048,7 +2872,7 @@
           <a:p>
             <a:fld id="{63937D59-5EDB-4C39-B697-625748F703B6}" type="datetimeFigureOut">
               <a:rPr lang="en-US" smtClean="0"/>
-              <a:t>4/5/18</a:t>
+              <a:t>10/16/18</a:t>
             </a:fld>
             <a:endParaRPr lang="en-US"/>
           </a:p>
@@ -3216,7 +3040,7 @@
           <a:p>
             <a:fld id="{63937D59-5EDB-4C39-B697-625748F703B6}" type="datetimeFigureOut">
               <a:rPr lang="en-US" smtClean="0"/>
-              <a:t>4/5/18</a:t>
+              <a:t>10/16/18</a:t>
             </a:fld>
             <a:endParaRPr lang="en-US"/>
           </a:p>
@@ -3394,7 +3218,7 @@
           <a:p>
             <a:fld id="{63937D59-5EDB-4C39-B697-625748F703B6}" type="datetimeFigureOut">
               <a:rPr lang="en-US" smtClean="0"/>
-              <a:t>4/5/18</a:t>
+              <a:t>10/16/18</a:t>
             </a:fld>
             <a:endParaRPr lang="en-US"/>
           </a:p>
@@ -4772,7 +4596,7 @@
           <a:p>
             <a:fld id="{63937D59-5EDB-4C39-B697-625748F703B6}" type="datetimeFigureOut">
               <a:rPr lang="en-US" smtClean="0"/>
-              <a:t>4/5/18</a:t>
+              <a:t>10/16/18</a:t>
             </a:fld>
             <a:endParaRPr lang="en-US"/>
           </a:p>
@@ -4940,7 +4764,7 @@
           <a:p>
             <a:fld id="{63937D59-5EDB-4C39-B697-625748F703B6}" type="datetimeFigureOut">
               <a:rPr lang="en-US" smtClean="0"/>
-              <a:t>4/5/18</a:t>
+              <a:t>10/16/18</a:t>
             </a:fld>
             <a:endParaRPr lang="en-US"/>
           </a:p>
@@ -5185,7 +5009,7 @@
           <a:p>
             <a:fld id="{63937D59-5EDB-4C39-B697-625748F703B6}" type="datetimeFigureOut">
               <a:rPr lang="en-US" smtClean="0"/>
-              <a:t>4/5/18</a:t>
+              <a:t>10/16/18</a:t>
             </a:fld>
             <a:endParaRPr lang="en-US"/>
           </a:p>
@@ -5470,7 +5294,7 @@
           <a:p>
             <a:fld id="{63937D59-5EDB-4C39-B697-625748F703B6}" type="datetimeFigureOut">
               <a:rPr lang="en-US" smtClean="0"/>
-              <a:t>4/5/18</a:t>
+              <a:t>10/16/18</a:t>
             </a:fld>
             <a:endParaRPr lang="en-US"/>
           </a:p>
@@ -5974,7 +5798,7 @@
           <a:p>
             <a:fld id="{63937D59-5EDB-4C39-B697-625748F703B6}" type="datetimeFigureOut">
               <a:rPr lang="en-US" smtClean="0"/>
-              <a:t>4/5/18</a:t>
+              <a:t>10/16/18</a:t>
             </a:fld>
             <a:endParaRPr lang="en-US"/>
           </a:p>
@@ -6493,735 +6317,6 @@
           </a:p>
         </p:txBody>
       </p:sp>
-      <p:sp>
-        <p:nvSpPr>
-          <p:cNvPr id="48" name="직사각형 47">
-            <a:extLst>
-              <a:ext uri="{FF2B5EF4-FFF2-40B4-BE49-F238E27FC236}">
-                <a16:creationId xmlns:a16="http://schemas.microsoft.com/office/drawing/2014/main" xmlns="" id="{B4C4836A-945D-4FD2-89EB-A4DD8DF96E10}"/>
-              </a:ext>
-            </a:extLst>
-          </p:cNvPr>
-          <p:cNvSpPr/>
-          <p:nvPr/>
-        </p:nvSpPr>
-        <p:spPr>
-          <a:xfrm>
-            <a:off x="611560" y="369472"/>
-            <a:ext cx="3312368" cy="307777"/>
-          </a:xfrm>
-          <a:prstGeom prst="rect">
-            <a:avLst/>
-          </a:prstGeom>
-          <a:solidFill>
-            <a:schemeClr val="bg1"/>
-          </a:solidFill>
-          <a:ln>
-            <a:solidFill>
-              <a:schemeClr val="bg1"/>
-            </a:solidFill>
-          </a:ln>
-        </p:spPr>
-        <p:style>
-          <a:lnRef idx="2">
-            <a:schemeClr val="accent1">
-              <a:shade val="50000"/>
-            </a:schemeClr>
-          </a:lnRef>
-          <a:fillRef idx="1">
-            <a:schemeClr val="accent1"/>
-          </a:fillRef>
-          <a:effectRef idx="0">
-            <a:schemeClr val="accent1"/>
-          </a:effectRef>
-          <a:fontRef idx="minor">
-            <a:schemeClr val="lt1"/>
-          </a:fontRef>
-        </p:style>
-        <p:txBody>
-          <a:bodyPr rtlCol="0" anchor="ctr"/>
-          <a:lstStyle/>
-          <a:p>
-            <a:pPr algn="ctr"/>
-            <a:endParaRPr lang="ko-KR" altLang="en-US"/>
-          </a:p>
-        </p:txBody>
-      </p:sp>
-      <p:grpSp>
-        <p:nvGrpSpPr>
-          <p:cNvPr id="28" name="그룹 27">
-            <a:extLst>
-              <a:ext uri="{FF2B5EF4-FFF2-40B4-BE49-F238E27FC236}">
-                <a16:creationId xmlns:a16="http://schemas.microsoft.com/office/drawing/2014/main" xmlns="" id="{D00A11D3-D30E-49D6-B716-14CB440C7850}"/>
-              </a:ext>
-            </a:extLst>
-          </p:cNvPr>
-          <p:cNvGrpSpPr/>
-          <p:nvPr/>
-        </p:nvGrpSpPr>
-        <p:grpSpPr>
-          <a:xfrm>
-            <a:off x="674529" y="293089"/>
-            <a:ext cx="584109" cy="401369"/>
-            <a:chOff x="767992" y="293986"/>
-            <a:chExt cx="797039" cy="526105"/>
-          </a:xfrm>
-        </p:grpSpPr>
-        <p:sp>
-          <p:nvSpPr>
-            <p:cNvPr id="29" name="자유형 139">
-              <a:extLst>
-                <a:ext uri="{FF2B5EF4-FFF2-40B4-BE49-F238E27FC236}">
-                  <a16:creationId xmlns:a16="http://schemas.microsoft.com/office/drawing/2014/main" xmlns="" id="{83FF1C62-0D25-4F39-AB70-F9E2FB3579B8}"/>
-                </a:ext>
-              </a:extLst>
-            </p:cNvPr>
-            <p:cNvSpPr/>
-            <p:nvPr/>
-          </p:nvSpPr>
-          <p:spPr>
-            <a:xfrm>
-              <a:off x="767992" y="293986"/>
-              <a:ext cx="797039" cy="442723"/>
-            </a:xfrm>
-            <a:custGeom>
-              <a:avLst/>
-              <a:gdLst>
-                <a:gd name="connsiteX0" fmla="*/ 1906329 w 3145074"/>
-                <a:gd name="connsiteY0" fmla="*/ 0 h 1746961"/>
-                <a:gd name="connsiteX1" fmla="*/ 2543211 w 3145074"/>
-                <a:gd name="connsiteY1" fmla="*/ 519074 h 1746961"/>
-                <a:gd name="connsiteX2" fmla="*/ 2550041 w 3145074"/>
-                <a:gd name="connsiteY2" fmla="*/ 586822 h 1746961"/>
-                <a:gd name="connsiteX3" fmla="*/ 2626000 w 3145074"/>
-                <a:gd name="connsiteY3" fmla="*/ 594480 h 1746961"/>
-                <a:gd name="connsiteX4" fmla="*/ 3145074 w 3145074"/>
-                <a:gd name="connsiteY4" fmla="*/ 1231362 h 1746961"/>
-                <a:gd name="connsiteX5" fmla="*/ 2954667 w 3145074"/>
-                <a:gd name="connsiteY5" fmla="*/ 1691045 h 1746961"/>
-                <a:gd name="connsiteX6" fmla="*/ 2886897 w 3145074"/>
-                <a:gd name="connsiteY6" fmla="*/ 1746961 h 1746961"/>
-                <a:gd name="connsiteX7" fmla="*/ 328154 w 3145074"/>
-                <a:gd name="connsiteY7" fmla="*/ 1746961 h 1746961"/>
-                <a:gd name="connsiteX8" fmla="*/ 311080 w 3145074"/>
-                <a:gd name="connsiteY8" fmla="*/ 1741661 h 1746961"/>
-                <a:gd name="connsiteX9" fmla="*/ 0 w 3145074"/>
-                <a:gd name="connsiteY9" fmla="*/ 1272350 h 1746961"/>
-                <a:gd name="connsiteX10" fmla="*/ 406688 w 3145074"/>
-                <a:gd name="connsiteY10" fmla="*/ 773361 h 1746961"/>
-                <a:gd name="connsiteX11" fmla="*/ 471248 w 3145074"/>
-                <a:gd name="connsiteY11" fmla="*/ 766853 h 1746961"/>
-                <a:gd name="connsiteX12" fmla="*/ 478693 w 3145074"/>
-                <a:gd name="connsiteY12" fmla="*/ 742871 h 1746961"/>
-                <a:gd name="connsiteX13" fmla="*/ 1049392 w 3145074"/>
-                <a:gd name="connsiteY13" fmla="*/ 364586 h 1746961"/>
-                <a:gd name="connsiteX14" fmla="*/ 1290480 w 3145074"/>
-                <a:gd name="connsiteY14" fmla="*/ 413260 h 1746961"/>
-                <a:gd name="connsiteX15" fmla="*/ 1300590 w 3145074"/>
-                <a:gd name="connsiteY15" fmla="*/ 418747 h 1746961"/>
-                <a:gd name="connsiteX16" fmla="*/ 1307327 w 3145074"/>
-                <a:gd name="connsiteY16" fmla="*/ 397046 h 1746961"/>
-                <a:gd name="connsiteX17" fmla="*/ 1906329 w 3145074"/>
-                <a:gd name="connsiteY17" fmla="*/ 0 h 1746961"/>
-              </a:gdLst>
-              <a:ahLst/>
-              <a:cxnLst>
-                <a:cxn ang="0">
-                  <a:pos x="connsiteX0" y="connsiteY0"/>
-                </a:cxn>
-                <a:cxn ang="0">
-                  <a:pos x="connsiteX1" y="connsiteY1"/>
-                </a:cxn>
-                <a:cxn ang="0">
-                  <a:pos x="connsiteX2" y="connsiteY2"/>
-                </a:cxn>
-                <a:cxn ang="0">
-                  <a:pos x="connsiteX3" y="connsiteY3"/>
-                </a:cxn>
-                <a:cxn ang="0">
-                  <a:pos x="connsiteX4" y="connsiteY4"/>
-                </a:cxn>
-                <a:cxn ang="0">
-                  <a:pos x="connsiteX5" y="connsiteY5"/>
-                </a:cxn>
-                <a:cxn ang="0">
-                  <a:pos x="connsiteX6" y="connsiteY6"/>
-                </a:cxn>
-                <a:cxn ang="0">
-                  <a:pos x="connsiteX7" y="connsiteY7"/>
-                </a:cxn>
-                <a:cxn ang="0">
-                  <a:pos x="connsiteX8" y="connsiteY8"/>
-                </a:cxn>
-                <a:cxn ang="0">
-                  <a:pos x="connsiteX9" y="connsiteY9"/>
-                </a:cxn>
-                <a:cxn ang="0">
-                  <a:pos x="connsiteX10" y="connsiteY10"/>
-                </a:cxn>
-                <a:cxn ang="0">
-                  <a:pos x="connsiteX11" y="connsiteY11"/>
-                </a:cxn>
-                <a:cxn ang="0">
-                  <a:pos x="connsiteX12" y="connsiteY12"/>
-                </a:cxn>
-                <a:cxn ang="0">
-                  <a:pos x="connsiteX13" y="connsiteY13"/>
-                </a:cxn>
-                <a:cxn ang="0">
-                  <a:pos x="connsiteX14" y="connsiteY14"/>
-                </a:cxn>
-                <a:cxn ang="0">
-                  <a:pos x="connsiteX15" y="connsiteY15"/>
-                </a:cxn>
-                <a:cxn ang="0">
-                  <a:pos x="connsiteX16" y="connsiteY16"/>
-                </a:cxn>
-                <a:cxn ang="0">
-                  <a:pos x="connsiteX17" y="connsiteY17"/>
-                </a:cxn>
-              </a:cxnLst>
-              <a:rect l="l" t="t" r="r" b="b"/>
-              <a:pathLst>
-                <a:path w="3145074" h="1746961">
-                  <a:moveTo>
-                    <a:pt x="1906329" y="0"/>
-                  </a:moveTo>
-                  <a:cubicBezTo>
-                    <a:pt x="2220485" y="0"/>
-                    <a:pt x="2482593" y="222839"/>
-                    <a:pt x="2543211" y="519074"/>
-                  </a:cubicBezTo>
-                  <a:lnTo>
-                    <a:pt x="2550041" y="586822"/>
-                  </a:lnTo>
-                  <a:lnTo>
-                    <a:pt x="2626000" y="594480"/>
-                  </a:lnTo>
-                  <a:cubicBezTo>
-                    <a:pt x="2922235" y="655098"/>
-                    <a:pt x="3145074" y="917206"/>
-                    <a:pt x="3145074" y="1231362"/>
-                  </a:cubicBezTo>
-                  <a:cubicBezTo>
-                    <a:pt x="3145074" y="1410880"/>
-                    <a:pt x="3072310" y="1573402"/>
-                    <a:pt x="2954667" y="1691045"/>
-                  </a:cubicBezTo>
-                  <a:lnTo>
-                    <a:pt x="2886897" y="1746961"/>
-                  </a:lnTo>
-                  <a:lnTo>
-                    <a:pt x="328154" y="1746961"/>
-                  </a:lnTo>
-                  <a:lnTo>
-                    <a:pt x="311080" y="1741661"/>
-                  </a:lnTo>
-                  <a:cubicBezTo>
-                    <a:pt x="128272" y="1664339"/>
-                    <a:pt x="0" y="1483324"/>
-                    <a:pt x="0" y="1272350"/>
-                  </a:cubicBezTo>
-                  <a:cubicBezTo>
-                    <a:pt x="0" y="1026213"/>
-                    <a:pt x="174592" y="820855"/>
-                    <a:pt x="406688" y="773361"/>
-                  </a:cubicBezTo>
-                  <a:lnTo>
-                    <a:pt x="471248" y="766853"/>
-                  </a:lnTo>
-                  <a:lnTo>
-                    <a:pt x="478693" y="742871"/>
-                  </a:lnTo>
-                  <a:cubicBezTo>
-                    <a:pt x="572719" y="520569"/>
-                    <a:pt x="792840" y="364586"/>
-                    <a:pt x="1049392" y="364586"/>
-                  </a:cubicBezTo>
-                  <a:cubicBezTo>
-                    <a:pt x="1134910" y="364586"/>
-                    <a:pt x="1216379" y="381918"/>
-                    <a:pt x="1290480" y="413260"/>
-                  </a:cubicBezTo>
-                  <a:lnTo>
-                    <a:pt x="1300590" y="418747"/>
-                  </a:lnTo>
-                  <a:lnTo>
-                    <a:pt x="1307327" y="397046"/>
-                  </a:lnTo>
-                  <a:cubicBezTo>
-                    <a:pt x="1406016" y="163719"/>
-                    <a:pt x="1637053" y="0"/>
-                    <a:pt x="1906329" y="0"/>
-                  </a:cubicBezTo>
-                  <a:close/>
-                </a:path>
-              </a:pathLst>
-            </a:custGeom>
-            <a:solidFill>
-              <a:schemeClr val="accent3">
-                <a:lumMod val="60000"/>
-                <a:lumOff val="40000"/>
-              </a:schemeClr>
-            </a:solidFill>
-            <a:ln>
-              <a:noFill/>
-            </a:ln>
-          </p:spPr>
-          <p:style>
-            <a:lnRef idx="2">
-              <a:schemeClr val="accent1">
-                <a:shade val="50000"/>
-              </a:schemeClr>
-            </a:lnRef>
-            <a:fillRef idx="1">
-              <a:schemeClr val="accent1"/>
-            </a:fillRef>
-            <a:effectRef idx="0">
-              <a:schemeClr val="accent1"/>
-            </a:effectRef>
-            <a:fontRef idx="minor">
-              <a:schemeClr val="lt1"/>
-            </a:fontRef>
-          </p:style>
-          <p:txBody>
-            <a:bodyPr wrap="square" rtlCol="0" anchor="ctr">
-              <a:noAutofit/>
-            </a:bodyPr>
-            <a:lstStyle/>
-            <a:p>
-              <a:pPr algn="ctr"/>
-              <a:endParaRPr lang="ko-KR" altLang="en-US" dirty="0"/>
-            </a:p>
-          </p:txBody>
-        </p:sp>
-        <p:sp>
-          <p:nvSpPr>
-            <p:cNvPr id="30" name="TextBox 29">
-              <a:extLst>
-                <a:ext uri="{FF2B5EF4-FFF2-40B4-BE49-F238E27FC236}">
-                  <a16:creationId xmlns:a16="http://schemas.microsoft.com/office/drawing/2014/main" xmlns="" id="{EC8B7028-52D0-465E-AA4D-3B29A24FF4EE}"/>
-                </a:ext>
-              </a:extLst>
-            </p:cNvPr>
-            <p:cNvSpPr txBox="1"/>
-            <p:nvPr/>
-          </p:nvSpPr>
-          <p:spPr>
-            <a:xfrm>
-              <a:off x="967332" y="335979"/>
-              <a:ext cx="424786" cy="484112"/>
-            </a:xfrm>
-            <a:prstGeom prst="rect">
-              <a:avLst/>
-            </a:prstGeom>
-            <a:noFill/>
-            <a:scene3d>
-              <a:camera prst="obliqueTopLeft"/>
-              <a:lightRig rig="threePt" dir="t"/>
-            </a:scene3d>
-          </p:spPr>
-          <p:txBody>
-            <a:bodyPr wrap="none" rtlCol="0">
-              <a:spAutoFit/>
-            </a:bodyPr>
-            <a:lstStyle/>
-            <a:p>
-              <a:r>
-                <a:rPr lang="en-US" altLang="ko-KR" dirty="0">
-                  <a:solidFill>
-                    <a:schemeClr val="bg1"/>
-                  </a:solidFill>
-                  <a:latin typeface="210 콤퓨타세탁 L" panose="02020603020101020101" pitchFamily="18" charset="-127"/>
-                  <a:ea typeface="210 콤퓨타세탁 L" panose="02020603020101020101" pitchFamily="18" charset="-127"/>
-                </a:rPr>
-                <a:t>2</a:t>
-              </a:r>
-              <a:endParaRPr lang="ko-KR" altLang="en-US" dirty="0">
-                <a:solidFill>
-                  <a:schemeClr val="bg1"/>
-                </a:solidFill>
-                <a:latin typeface="210 콤퓨타세탁 L" panose="02020603020101020101" pitchFamily="18" charset="-127"/>
-                <a:ea typeface="210 콤퓨타세탁 L" panose="02020603020101020101" pitchFamily="18" charset="-127"/>
-              </a:endParaRPr>
-            </a:p>
-          </p:txBody>
-        </p:sp>
-      </p:grpSp>
-      <p:sp>
-        <p:nvSpPr>
-          <p:cNvPr id="27" name="TextBox 26">
-            <a:extLst>
-              <a:ext uri="{FF2B5EF4-FFF2-40B4-BE49-F238E27FC236}">
-                <a16:creationId xmlns:a16="http://schemas.microsoft.com/office/drawing/2014/main" xmlns="" id="{ED189A95-0E17-48CB-8C40-4D67106D4BE9}"/>
-              </a:ext>
-            </a:extLst>
-          </p:cNvPr>
-          <p:cNvSpPr txBox="1"/>
-          <p:nvPr/>
-        </p:nvSpPr>
-        <p:spPr>
-          <a:xfrm>
-            <a:off x="1258637" y="325125"/>
-            <a:ext cx="2541401" cy="307777"/>
-          </a:xfrm>
-          <a:prstGeom prst="rect">
-            <a:avLst/>
-          </a:prstGeom>
-          <a:noFill/>
-          <a:scene3d>
-            <a:camera prst="obliqueTopLeft"/>
-            <a:lightRig rig="threePt" dir="t"/>
-          </a:scene3d>
-        </p:spPr>
-        <p:txBody>
-          <a:bodyPr wrap="square" rtlCol="0">
-            <a:spAutoFit/>
-          </a:bodyPr>
-          <a:lstStyle/>
-          <a:p>
-            <a:r>
-              <a:rPr lang="en-US" altLang="ko-KR" sz="1400" dirty="0">
-                <a:solidFill>
-                  <a:srgbClr val="565658"/>
-                </a:solidFill>
-                <a:latin typeface="210 콤퓨타세탁 L" panose="02020603020101020101" pitchFamily="18" charset="-127"/>
-                <a:ea typeface="210 콤퓨타세탁 L" panose="02020603020101020101" pitchFamily="18" charset="-127"/>
-              </a:rPr>
-              <a:t>How the disk store data?</a:t>
-            </a:r>
-            <a:endParaRPr lang="ko-KR" altLang="en-US" sz="1400" dirty="0">
-              <a:solidFill>
-                <a:srgbClr val="565658"/>
-              </a:solidFill>
-              <a:latin typeface="210 콤퓨타세탁 L" panose="02020603020101020101" pitchFamily="18" charset="-127"/>
-              <a:ea typeface="210 콤퓨타세탁 L" panose="02020603020101020101" pitchFamily="18" charset="-127"/>
-            </a:endParaRPr>
-          </a:p>
-        </p:txBody>
-      </p:sp>
-      <p:sp>
-        <p:nvSpPr>
-          <p:cNvPr id="3" name="TextBox 2">
-            <a:extLst>
-              <a:ext uri="{FF2B5EF4-FFF2-40B4-BE49-F238E27FC236}">
-                <a16:creationId xmlns:a16="http://schemas.microsoft.com/office/drawing/2014/main" xmlns="" id="{82BA3D8F-0A8E-4FF7-B54C-4EBEE727EF65}"/>
-              </a:ext>
-            </a:extLst>
-          </p:cNvPr>
-          <p:cNvSpPr txBox="1"/>
-          <p:nvPr/>
-        </p:nvSpPr>
-        <p:spPr>
-          <a:xfrm>
-            <a:off x="1115616" y="1419622"/>
-            <a:ext cx="11002249" cy="1938992"/>
-          </a:xfrm>
-          <a:prstGeom prst="rect">
-            <a:avLst/>
-          </a:prstGeom>
-          <a:noFill/>
-        </p:spPr>
-        <p:txBody>
-          <a:bodyPr wrap="square" rtlCol="0">
-            <a:spAutoFit/>
-          </a:bodyPr>
-          <a:lstStyle/>
-          <a:p>
-            <a:r>
-              <a:rPr lang="ko-KR" altLang="en-US" sz="2400" dirty="0">
-                <a:latin typeface="나눔바른고딕" panose="020B0603020101020101" pitchFamily="50" charset="-127"/>
-                <a:ea typeface="나눔바른고딕" panose="020B0603020101020101" pitchFamily="50" charset="-127"/>
-              </a:rPr>
-              <a:t>은밀한</a:t>
-            </a:r>
-            <a:r>
-              <a:rPr lang="en-US" altLang="ko-KR" sz="2400" dirty="0">
-                <a:latin typeface="나눔바른고딕" panose="020B0603020101020101" pitchFamily="50" charset="-127"/>
-                <a:ea typeface="나눔바른고딕" panose="020B0603020101020101" pitchFamily="50" charset="-127"/>
-              </a:rPr>
-              <a:t>_</a:t>
-            </a:r>
-            <a:r>
-              <a:rPr lang="ko-KR" altLang="en-US" sz="2400" dirty="0">
-                <a:latin typeface="나눔바른고딕" panose="020B0603020101020101" pitchFamily="50" charset="-127"/>
-                <a:ea typeface="나눔바른고딕" panose="020B0603020101020101" pitchFamily="50" charset="-127"/>
-              </a:rPr>
-              <a:t>동영상</a:t>
-            </a:r>
-            <a:r>
-              <a:rPr lang="en-US" altLang="ko-KR" sz="2400" dirty="0">
-                <a:latin typeface="나눔바른고딕" panose="020B0603020101020101" pitchFamily="50" charset="-127"/>
-                <a:ea typeface="나눔바른고딕" panose="020B0603020101020101" pitchFamily="50" charset="-127"/>
-              </a:rPr>
-              <a:t>.mp4 </a:t>
-            </a:r>
-            <a:r>
-              <a:rPr lang="ko-KR" altLang="en-US" sz="2400" dirty="0">
-                <a:latin typeface="나눔바른고딕" panose="020B0603020101020101" pitchFamily="50" charset="-127"/>
-                <a:ea typeface="나눔바른고딕" panose="020B0603020101020101" pitchFamily="50" charset="-127"/>
-              </a:rPr>
-              <a:t>를 잘 감상하였다</a:t>
-            </a:r>
-            <a:r>
-              <a:rPr lang="en-US" altLang="ko-KR" sz="2400" dirty="0">
-                <a:latin typeface="나눔바른고딕" panose="020B0603020101020101" pitchFamily="50" charset="-127"/>
-                <a:ea typeface="나눔바른고딕" panose="020B0603020101020101" pitchFamily="50" charset="-127"/>
-              </a:rPr>
-              <a:t>!</a:t>
-            </a:r>
-          </a:p>
-          <a:p>
-            <a:r>
-              <a:rPr lang="ko-KR" altLang="en-US" sz="2400" dirty="0">
-                <a:latin typeface="나눔바른고딕" panose="020B0603020101020101" pitchFamily="50" charset="-127"/>
-                <a:ea typeface="나눔바른고딕" panose="020B0603020101020101" pitchFamily="50" charset="-127"/>
-              </a:rPr>
-              <a:t>가족 공용 컴퓨터라 부모님이 이 자료를</a:t>
-            </a:r>
-            <a:endParaRPr lang="en-US" altLang="ko-KR" sz="2400" dirty="0">
-              <a:latin typeface="나눔바른고딕" panose="020B0603020101020101" pitchFamily="50" charset="-127"/>
-              <a:ea typeface="나눔바른고딕" panose="020B0603020101020101" pitchFamily="50" charset="-127"/>
-            </a:endParaRPr>
-          </a:p>
-          <a:p>
-            <a:r>
-              <a:rPr lang="ko-KR" altLang="en-US" sz="2400" dirty="0" err="1">
-                <a:latin typeface="나눔바른고딕" panose="020B0603020101020101" pitchFamily="50" charset="-127"/>
-                <a:ea typeface="나눔바른고딕" panose="020B0603020101020101" pitchFamily="50" charset="-127"/>
-              </a:rPr>
-              <a:t>찾으실게</a:t>
-            </a:r>
-            <a:r>
-              <a:rPr lang="ko-KR" altLang="en-US" sz="2400" dirty="0">
-                <a:latin typeface="나눔바른고딕" panose="020B0603020101020101" pitchFamily="50" charset="-127"/>
-                <a:ea typeface="나눔바른고딕" panose="020B0603020101020101" pitchFamily="50" charset="-127"/>
-              </a:rPr>
-              <a:t> 분명하기에 영상을 지우고</a:t>
-            </a:r>
-            <a:r>
-              <a:rPr lang="en-US" altLang="ko-KR" sz="2400" dirty="0">
-                <a:latin typeface="나눔바른고딕" panose="020B0603020101020101" pitchFamily="50" charset="-127"/>
-                <a:ea typeface="나눔바른고딕" panose="020B0603020101020101" pitchFamily="50" charset="-127"/>
-              </a:rPr>
-              <a:t>,</a:t>
-            </a:r>
-          </a:p>
-          <a:p>
-            <a:r>
-              <a:rPr lang="ko-KR" altLang="en-US" sz="2400" dirty="0">
-                <a:latin typeface="나눔바른고딕" panose="020B0603020101020101" pitchFamily="50" charset="-127"/>
-                <a:ea typeface="나눔바른고딕" panose="020B0603020101020101" pitchFamily="50" charset="-127"/>
-              </a:rPr>
-              <a:t>인간극장</a:t>
-            </a:r>
-            <a:r>
-              <a:rPr lang="en-US" altLang="ko-KR" sz="2400" dirty="0">
-                <a:latin typeface="나눔바른고딕" panose="020B0603020101020101" pitchFamily="50" charset="-127"/>
-                <a:ea typeface="나눔바른고딕" panose="020B0603020101020101" pitchFamily="50" charset="-127"/>
-              </a:rPr>
-              <a:t>.mp4 </a:t>
-            </a:r>
-            <a:r>
-              <a:rPr lang="ko-KR" altLang="en-US" sz="2400" dirty="0">
-                <a:latin typeface="나눔바른고딕" panose="020B0603020101020101" pitchFamily="50" charset="-127"/>
-                <a:ea typeface="나눔바른고딕" panose="020B0603020101020101" pitchFamily="50" charset="-127"/>
-              </a:rPr>
-              <a:t>를 넣어두었다</a:t>
-            </a:r>
-            <a:r>
-              <a:rPr lang="en-US" altLang="ko-KR" sz="2400" dirty="0">
-                <a:latin typeface="나눔바른고딕" panose="020B0603020101020101" pitchFamily="50" charset="-127"/>
-                <a:ea typeface="나눔바른고딕" panose="020B0603020101020101" pitchFamily="50" charset="-127"/>
-              </a:rPr>
-              <a:t>!</a:t>
-            </a:r>
-          </a:p>
-          <a:p>
-            <a:r>
-              <a:rPr lang="ko-KR" altLang="en-US" sz="2400" dirty="0">
-                <a:latin typeface="나눔바른고딕" panose="020B0603020101020101" pitchFamily="50" charset="-127"/>
-                <a:ea typeface="나눔바른고딕" panose="020B0603020101020101" pitchFamily="50" charset="-127"/>
-              </a:rPr>
-              <a:t>근데</a:t>
-            </a:r>
-            <a:r>
-              <a:rPr lang="en-US" altLang="ko-KR" sz="2400" dirty="0">
-                <a:latin typeface="나눔바른고딕" panose="020B0603020101020101" pitchFamily="50" charset="-127"/>
-                <a:ea typeface="나눔바른고딕" panose="020B0603020101020101" pitchFamily="50" charset="-127"/>
-              </a:rPr>
-              <a:t>..</a:t>
-            </a:r>
-            <a:r>
-              <a:rPr lang="ko-KR" altLang="en-US" sz="2400" dirty="0">
-                <a:latin typeface="나눔바른고딕" panose="020B0603020101020101" pitchFamily="50" charset="-127"/>
-                <a:ea typeface="나눔바른고딕" panose="020B0603020101020101" pitchFamily="50" charset="-127"/>
-              </a:rPr>
-              <a:t>어떻게 오늘도 부모님은 저 자료를 </a:t>
-            </a:r>
-            <a:r>
-              <a:rPr lang="ko-KR" altLang="en-US" sz="2400" dirty="0" err="1">
-                <a:latin typeface="나눔바른고딕" panose="020B0603020101020101" pitchFamily="50" charset="-127"/>
-                <a:ea typeface="나눔바른고딕" panose="020B0603020101020101" pitchFamily="50" charset="-127"/>
-              </a:rPr>
-              <a:t>찾으신걸까</a:t>
-            </a:r>
-            <a:r>
-              <a:rPr lang="en-US" altLang="ko-KR" sz="2400" dirty="0">
-                <a:latin typeface="나눔바른고딕" panose="020B0603020101020101" pitchFamily="50" charset="-127"/>
-                <a:ea typeface="나눔바른고딕" panose="020B0603020101020101" pitchFamily="50" charset="-127"/>
-              </a:rPr>
-              <a:t>?</a:t>
-            </a:r>
-            <a:endParaRPr lang="ko-KR" altLang="en-US" sz="2400" dirty="0">
-              <a:latin typeface="나눔바른고딕" panose="020B0603020101020101" pitchFamily="50" charset="-127"/>
-              <a:ea typeface="나눔바른고딕" panose="020B0603020101020101" pitchFamily="50" charset="-127"/>
-            </a:endParaRPr>
-          </a:p>
-        </p:txBody>
-      </p:sp>
-      <p:pic>
-        <p:nvPicPr>
-          <p:cNvPr id="2052" name="Picture 4" descr="인간극장에 대한 이미지 검색결과">
-            <a:extLst>
-              <a:ext uri="{FF2B5EF4-FFF2-40B4-BE49-F238E27FC236}">
-                <a16:creationId xmlns:a16="http://schemas.microsoft.com/office/drawing/2014/main" xmlns="" id="{82D26EE3-2E6D-4077-A936-2B0823629891}"/>
-              </a:ext>
-            </a:extLst>
-          </p:cNvPr>
-          <p:cNvPicPr>
-            <a:picLocks noChangeAspect="1" noChangeArrowheads="1"/>
-          </p:cNvPicPr>
-          <p:nvPr/>
-        </p:nvPicPr>
-        <p:blipFill>
-          <a:blip r:embed="rId2">
-            <a:extLst>
-              <a:ext uri="{28A0092B-C50C-407E-A947-70E740481C1C}">
-                <a14:useLocalDpi xmlns:a14="http://schemas.microsoft.com/office/drawing/2010/main" val="0"/>
-              </a:ext>
-            </a:extLst>
-          </a:blip>
-          <a:srcRect/>
-          <a:stretch>
-            <a:fillRect/>
-          </a:stretch>
-        </p:blipFill>
-        <p:spPr bwMode="auto">
-          <a:xfrm rot="20484893">
-            <a:off x="7244455" y="3671912"/>
-            <a:ext cx="2093979" cy="1570484"/>
-          </a:xfrm>
-          <a:prstGeom prst="rect">
-            <a:avLst/>
-          </a:prstGeom>
-          <a:noFill/>
-          <a:extLst>
-            <a:ext uri="{909E8E84-426E-40DD-AFC4-6F175D3DCCD1}">
-              <a14:hiddenFill xmlns:a14="http://schemas.microsoft.com/office/drawing/2010/main">
-                <a:solidFill>
-                  <a:srgbClr val="FFFFFF"/>
-                </a:solidFill>
-              </a14:hiddenFill>
-            </a:ext>
-          </a:extLst>
-        </p:spPr>
-      </p:pic>
-    </p:spTree>
-    <p:extLst>
-      <p:ext uri="{BB962C8B-B14F-4D97-AF65-F5344CB8AC3E}">
-        <p14:creationId xmlns:p14="http://schemas.microsoft.com/office/powerpoint/2010/main" val="1200470001"/>
-      </p:ext>
-    </p:extLst>
-  </p:cSld>
-  <p:clrMapOvr>
-    <a:masterClrMapping/>
-  </p:clrMapOvr>
-  <p:transition spd="slow">
-    <p:push dir="u"/>
-  </p:transition>
-  <p:timing>
-    <p:tnLst>
-      <p:par>
-        <p:cTn id="1" dur="indefinite" restart="never" nodeType="tmRoot"/>
-      </p:par>
-    </p:tnLst>
-  </p:timing>
-</p:sld>
-</file>
-
-<file path=ppt/slides/slide11.xml><?xml version="1.0" encoding="utf-8"?>
-<p:sld xmlns:a="http://schemas.openxmlformats.org/drawingml/2006/main" xmlns:r="http://schemas.openxmlformats.org/officeDocument/2006/relationships" xmlns:p="http://schemas.openxmlformats.org/presentationml/2006/main">
-  <p:cSld>
-    <p:spTree>
-      <p:nvGrpSpPr>
-        <p:cNvPr id="1" name=""/>
-        <p:cNvGrpSpPr/>
-        <p:nvPr/>
-      </p:nvGrpSpPr>
-      <p:grpSpPr>
-        <a:xfrm>
-          <a:off x="0" y="0"/>
-          <a:ext cx="0" cy="0"/>
-          <a:chOff x="0" y="0"/>
-          <a:chExt cx="0" cy="0"/>
-        </a:xfrm>
-      </p:grpSpPr>
-      <p:sp>
-        <p:nvSpPr>
-          <p:cNvPr id="19" name="직사각형 18">
-            <a:extLst>
-              <a:ext uri="{FF2B5EF4-FFF2-40B4-BE49-F238E27FC236}">
-                <a16:creationId xmlns:a16="http://schemas.microsoft.com/office/drawing/2014/main" xmlns="" id="{18F23432-9C65-41A4-A80F-36BDC8CE29D3}"/>
-              </a:ext>
-            </a:extLst>
-          </p:cNvPr>
-          <p:cNvSpPr/>
-          <p:nvPr/>
-        </p:nvSpPr>
-        <p:spPr>
-          <a:xfrm>
-            <a:off x="426152" y="448236"/>
-            <a:ext cx="8291696" cy="4247028"/>
-          </a:xfrm>
-          <a:prstGeom prst="rect">
-            <a:avLst/>
-          </a:prstGeom>
-          <a:noFill/>
-          <a:ln w="25400">
-            <a:solidFill>
-              <a:schemeClr val="bg1">
-                <a:lumMod val="65000"/>
-              </a:schemeClr>
-            </a:solidFill>
-          </a:ln>
-          <a:effectLst/>
-        </p:spPr>
-        <p:style>
-          <a:lnRef idx="2">
-            <a:schemeClr val="accent1">
-              <a:shade val="50000"/>
-            </a:schemeClr>
-          </a:lnRef>
-          <a:fillRef idx="1">
-            <a:schemeClr val="accent1"/>
-          </a:fillRef>
-          <a:effectRef idx="0">
-            <a:schemeClr val="accent1"/>
-          </a:effectRef>
-          <a:fontRef idx="minor">
-            <a:schemeClr val="lt1"/>
-          </a:fontRef>
-        </p:style>
-        <p:txBody>
-          <a:bodyPr rtlCol="0" anchor="ctr"/>
-          <a:lstStyle/>
-          <a:p>
-            <a:pPr algn="ctr"/>
-            <a:endParaRPr lang="ko-KR" altLang="en-US"/>
-          </a:p>
-        </p:txBody>
-      </p:sp>
       <p:pic>
         <p:nvPicPr>
           <p:cNvPr id="2051" name="Picture 3" descr="관련 이미지">
@@ -7902,7 +6997,7 @@
 </p:sld>
 </file>
 
-<file path=ppt/slides/slide12.xml><?xml version="1.0" encoding="utf-8"?>
+<file path=ppt/slides/slide11.xml><?xml version="1.0" encoding="utf-8"?>
 <p:sld xmlns:a="http://schemas.openxmlformats.org/drawingml/2006/main" xmlns:r="http://schemas.openxmlformats.org/officeDocument/2006/relationships" xmlns:p="http://schemas.openxmlformats.org/presentationml/2006/main">
   <p:cSld>
     <p:spTree>
@@ -10397,7 +9492,7 @@
 </p:sld>
 </file>
 
-<file path=ppt/slides/slide13.xml><?xml version="1.0" encoding="utf-8"?>
+<file path=ppt/slides/slide12.xml><?xml version="1.0" encoding="utf-8"?>
 <p:sld xmlns:a="http://schemas.openxmlformats.org/drawingml/2006/main" xmlns:r="http://schemas.openxmlformats.org/officeDocument/2006/relationships" xmlns:p="http://schemas.openxmlformats.org/presentationml/2006/main">
   <p:cSld>
     <p:spTree>
@@ -12680,7 +11775,7 @@
 </p:sld>
 </file>
 
-<file path=ppt/slides/slide14.xml><?xml version="1.0" encoding="utf-8"?>
+<file path=ppt/slides/slide13.xml><?xml version="1.0" encoding="utf-8"?>
 <p:sld xmlns:a="http://schemas.openxmlformats.org/drawingml/2006/main" xmlns:r="http://schemas.openxmlformats.org/officeDocument/2006/relationships" xmlns:p="http://schemas.openxmlformats.org/presentationml/2006/main">
   <p:cSld>
     <p:spTree>
@@ -13302,7 +12397,7 @@
 </p:sld>
 </file>
 
-<file path=ppt/slides/slide15.xml><?xml version="1.0" encoding="utf-8"?>
+<file path=ppt/slides/slide14.xml><?xml version="1.0" encoding="utf-8"?>
 <p:sld xmlns:a="http://schemas.openxmlformats.org/drawingml/2006/main" xmlns:r="http://schemas.openxmlformats.org/officeDocument/2006/relationships" xmlns:p="http://schemas.openxmlformats.org/presentationml/2006/main">
   <p:cSld>
     <p:spTree>
@@ -13515,7 +12610,7 @@
 </p:sld>
 </file>
 
-<file path=ppt/slides/slide16.xml><?xml version="1.0" encoding="utf-8"?>
+<file path=ppt/slides/slide15.xml><?xml version="1.0" encoding="utf-8"?>
 <p:sld xmlns:a="http://schemas.openxmlformats.org/drawingml/2006/main" xmlns:r="http://schemas.openxmlformats.org/officeDocument/2006/relationships" xmlns:p="http://schemas.openxmlformats.org/presentationml/2006/main">
   <p:cSld>
     <p:spTree>
@@ -14041,399 +13136,93 @@
           </a:extLst>
         </p:spPr>
       </p:pic>
-      <p:sp>
-        <p:nvSpPr>
-          <p:cNvPr id="2" name="TextBox 1">
-            <a:extLst>
-              <a:ext uri="{FF2B5EF4-FFF2-40B4-BE49-F238E27FC236}">
-                <a16:creationId xmlns:a16="http://schemas.microsoft.com/office/drawing/2014/main" xmlns="" id="{71204403-AEBB-4A46-8DF3-3057382BA0A8}"/>
-              </a:ext>
-            </a:extLst>
-          </p:cNvPr>
-          <p:cNvSpPr txBox="1"/>
+      <p:pic>
+        <p:nvPicPr>
+          <p:cNvPr id="3" name="Picture 2"/>
+          <p:cNvPicPr>
+            <a:picLocks noChangeAspect="1"/>
+          </p:cNvPicPr>
           <p:nvPr/>
-        </p:nvSpPr>
+        </p:nvPicPr>
+        <p:blipFill>
+          <a:blip r:embed="rId4"/>
+          <a:stretch>
+            <a:fillRect/>
+          </a:stretch>
+        </p:blipFill>
         <p:spPr>
-          <a:xfrm>
-            <a:off x="1475656" y="1347614"/>
-            <a:ext cx="6829530" cy="2031325"/>
+          <a:xfrm rot="21224743">
+            <a:off x="755024" y="1078480"/>
+            <a:ext cx="2863607" cy="1634231"/>
           </a:xfrm>
           <a:prstGeom prst="rect">
             <a:avLst/>
           </a:prstGeom>
-          <a:noFill/>
         </p:spPr>
-        <p:txBody>
-          <a:bodyPr wrap="square" rtlCol="0">
-            <a:spAutoFit/>
-          </a:bodyPr>
-          <a:lstStyle/>
-          <a:p>
-            <a:pPr marL="285750" indent="-285750">
-              <a:buFont typeface="Arial" panose="020B0604020202020204" pitchFamily="34" charset="0"/>
-              <a:buChar char="•"/>
-            </a:pPr>
-            <a:r>
-              <a:rPr lang="en-US" altLang="ko-KR" dirty="0"/>
-              <a:t>PC</a:t>
-            </a:r>
-            <a:r>
-              <a:rPr lang="ko-KR" altLang="en-US" dirty="0"/>
-              <a:t>에서 사진이나 영상을 열어본 </a:t>
-            </a:r>
-            <a:r>
-              <a:rPr lang="ko-KR" altLang="en-US" dirty="0" err="1"/>
-              <a:t>적이없다</a:t>
-            </a:r>
-            <a:endParaRPr lang="en-US" altLang="ko-KR" dirty="0"/>
-          </a:p>
-          <a:p>
-            <a:pPr marL="285750" indent="-285750">
-              <a:buFont typeface="Arial" panose="020B0604020202020204" pitchFamily="34" charset="0"/>
-              <a:buChar char="•"/>
-            </a:pPr>
-            <a:endParaRPr lang="en-US" altLang="ko-KR" dirty="0"/>
-          </a:p>
-          <a:p>
-            <a:pPr marL="285750" indent="-285750">
-              <a:buFont typeface="Arial" panose="020B0604020202020204" pitchFamily="34" charset="0"/>
-              <a:buChar char="•"/>
-            </a:pPr>
-            <a:r>
-              <a:rPr lang="ko-KR" altLang="en-US" dirty="0"/>
-              <a:t>썸네일 저장을 막기위해 모든 파일에 </a:t>
-            </a:r>
-            <a:r>
-              <a:rPr lang="en-US" altLang="ko-KR" dirty="0"/>
-              <a:t>EFS</a:t>
-            </a:r>
-            <a:r>
-              <a:rPr lang="ko-KR" altLang="en-US" dirty="0"/>
-              <a:t>암호화를 한다</a:t>
-            </a:r>
-            <a:r>
-              <a:rPr lang="en-US" altLang="ko-KR" dirty="0"/>
-              <a:t>.</a:t>
-            </a:r>
-          </a:p>
-          <a:p>
-            <a:pPr marL="285750" indent="-285750">
-              <a:buFont typeface="Arial" panose="020B0604020202020204" pitchFamily="34" charset="0"/>
-              <a:buChar char="•"/>
-            </a:pPr>
-            <a:endParaRPr lang="en-US" altLang="ko-KR" dirty="0"/>
-          </a:p>
-          <a:p>
-            <a:pPr marL="285750" indent="-285750">
-              <a:buFont typeface="Arial" panose="020B0604020202020204" pitchFamily="34" charset="0"/>
-              <a:buChar char="•"/>
-            </a:pPr>
-            <a:r>
-              <a:rPr lang="ko-KR" altLang="en-US" dirty="0"/>
-              <a:t>썸네일을 주기적으로 삭제한다</a:t>
-            </a:r>
-            <a:endParaRPr lang="en-US" altLang="ko-KR" dirty="0"/>
-          </a:p>
-          <a:p>
-            <a:pPr marL="285750" indent="-285750">
-              <a:buFont typeface="Arial" panose="020B0604020202020204" pitchFamily="34" charset="0"/>
-              <a:buChar char="•"/>
-            </a:pPr>
-            <a:endParaRPr lang="en-US" altLang="ko-KR" dirty="0"/>
-          </a:p>
-          <a:p>
-            <a:pPr marL="285750" indent="-285750">
-              <a:buFont typeface="Arial" panose="020B0604020202020204" pitchFamily="34" charset="0"/>
-              <a:buChar char="•"/>
-            </a:pPr>
-            <a:r>
-              <a:rPr lang="ko-KR" altLang="en-US" dirty="0"/>
-              <a:t>썸네일을 비활성화하였다</a:t>
-            </a:r>
-          </a:p>
-        </p:txBody>
-      </p:sp>
+      </p:pic>
+      <p:pic>
+        <p:nvPicPr>
+          <p:cNvPr id="6" name="Picture 5"/>
+          <p:cNvPicPr>
+            <a:picLocks noChangeAspect="1"/>
+          </p:cNvPicPr>
+          <p:nvPr/>
+        </p:nvPicPr>
+        <p:blipFill>
+          <a:blip r:embed="rId5"/>
+          <a:stretch>
+            <a:fillRect/>
+          </a:stretch>
+        </p:blipFill>
+        <p:spPr>
+          <a:xfrm rot="835241">
+            <a:off x="3789989" y="1068672"/>
+            <a:ext cx="3566066" cy="1259391"/>
+          </a:xfrm>
+          <a:prstGeom prst="rect">
+            <a:avLst/>
+          </a:prstGeom>
+        </p:spPr>
+      </p:pic>
+      <p:pic>
+        <p:nvPicPr>
+          <p:cNvPr id="7" name="Picture 6"/>
+          <p:cNvPicPr>
+            <a:picLocks noChangeAspect="1"/>
+          </p:cNvPicPr>
+          <p:nvPr/>
+        </p:nvPicPr>
+        <p:blipFill>
+          <a:blip r:embed="rId6"/>
+          <a:stretch>
+            <a:fillRect/>
+          </a:stretch>
+        </p:blipFill>
+        <p:spPr>
+          <a:xfrm>
+            <a:off x="1445452" y="3219822"/>
+            <a:ext cx="5371085" cy="876655"/>
+          </a:xfrm>
+          <a:prstGeom prst="rect">
+            <a:avLst/>
+          </a:prstGeom>
+          <a:ln>
+            <a:solidFill>
+              <a:schemeClr val="accent1"/>
+            </a:solidFill>
+          </a:ln>
+        </p:spPr>
+      </p:pic>
       <p:sp>
         <p:nvSpPr>
-          <p:cNvPr id="5" name="폭발: 8pt 4">
-            <a:extLst>
-              <a:ext uri="{FF2B5EF4-FFF2-40B4-BE49-F238E27FC236}">
-                <a16:creationId xmlns:a16="http://schemas.microsoft.com/office/drawing/2014/main" xmlns="" id="{37420B21-D643-410E-98B9-3E4652F70E61}"/>
-              </a:ext>
-            </a:extLst>
-          </p:cNvPr>
-          <p:cNvSpPr/>
-          <p:nvPr/>
-        </p:nvSpPr>
-        <p:spPr>
-          <a:xfrm rot="21030493">
-            <a:off x="1026885" y="376060"/>
-            <a:ext cx="7102728" cy="4176464"/>
-          </a:xfrm>
-          <a:prstGeom prst="irregularSeal1">
-            <a:avLst/>
-          </a:prstGeom>
-          <a:solidFill>
-            <a:srgbClr val="FF0000"/>
-          </a:solidFill>
-        </p:spPr>
-        <p:style>
-          <a:lnRef idx="2">
-            <a:schemeClr val="accent2">
-              <a:shade val="50000"/>
-            </a:schemeClr>
-          </a:lnRef>
-          <a:fillRef idx="1">
-            <a:schemeClr val="accent2"/>
-          </a:fillRef>
-          <a:effectRef idx="0">
-            <a:schemeClr val="accent2"/>
-          </a:effectRef>
-          <a:fontRef idx="minor">
-            <a:schemeClr val="lt1"/>
-          </a:fontRef>
-        </p:style>
-        <p:txBody>
-          <a:bodyPr rtlCol="0" anchor="ctr"/>
-          <a:lstStyle/>
-          <a:p>
-            <a:pPr algn="ctr"/>
-            <a:r>
-              <a:rPr lang="en-US" altLang="ko-KR" sz="3200" dirty="0" err="1"/>
-              <a:t>Thumbcache_XX.db</a:t>
-            </a:r>
-            <a:endParaRPr lang="ko-KR" altLang="en-US" sz="3200" dirty="0"/>
-          </a:p>
-        </p:txBody>
-      </p:sp>
-    </p:spTree>
-    <p:extLst>
-      <p:ext uri="{BB962C8B-B14F-4D97-AF65-F5344CB8AC3E}">
-        <p14:creationId xmlns:p14="http://schemas.microsoft.com/office/powerpoint/2010/main" val="2751646438"/>
-      </p:ext>
-    </p:extLst>
-  </p:cSld>
-  <p:clrMapOvr>
-    <a:masterClrMapping/>
-  </p:clrMapOvr>
-  <p:transition spd="slow">
-    <p:push dir="u"/>
-  </p:transition>
-  <p:timing>
-    <p:tnLst>
-      <p:par>
-        <p:cTn id="1" dur="indefinite" restart="never" nodeType="tmRoot">
-          <p:childTnLst>
-            <p:seq concurrent="1" nextAc="seek">
-              <p:cTn id="2" dur="indefinite" nodeType="mainSeq">
-                <p:childTnLst>
-                  <p:par>
-                    <p:cTn id="3" fill="hold">
-                      <p:stCondLst>
-                        <p:cond delay="indefinite"/>
-                      </p:stCondLst>
-                      <p:childTnLst>
-                        <p:par>
-                          <p:cTn id="4" fill="hold">
-                            <p:stCondLst>
-                              <p:cond delay="0"/>
-                            </p:stCondLst>
-                            <p:childTnLst>
-                              <p:par>
-                                <p:cTn id="5" presetID="23" presetClass="entr" presetSubtype="16" fill="hold" grpId="0" nodeType="clickEffect">
-                                  <p:stCondLst>
-                                    <p:cond delay="0"/>
-                                  </p:stCondLst>
-                                  <p:childTnLst>
-                                    <p:set>
-                                      <p:cBhvr>
-                                        <p:cTn id="6" dur="1" fill="hold">
-                                          <p:stCondLst>
-                                            <p:cond delay="0"/>
-                                          </p:stCondLst>
-                                        </p:cTn>
-                                        <p:tgtEl>
-                                          <p:spTgt spid="5"/>
-                                        </p:tgtEl>
-                                        <p:attrNameLst>
-                                          <p:attrName>style.visibility</p:attrName>
-                                        </p:attrNameLst>
-                                      </p:cBhvr>
-                                      <p:to>
-                                        <p:strVal val="visible"/>
-                                      </p:to>
-                                    </p:set>
-                                    <p:anim calcmode="lin" valueType="num">
-                                      <p:cBhvr>
-                                        <p:cTn id="7" dur="500" fill="hold"/>
-                                        <p:tgtEl>
-                                          <p:spTgt spid="5"/>
-                                        </p:tgtEl>
-                                        <p:attrNameLst>
-                                          <p:attrName>ppt_w</p:attrName>
-                                        </p:attrNameLst>
-                                      </p:cBhvr>
-                                      <p:tavLst>
-                                        <p:tav tm="0">
-                                          <p:val>
-                                            <p:fltVal val="0"/>
-                                          </p:val>
-                                        </p:tav>
-                                        <p:tav tm="100000">
-                                          <p:val>
-                                            <p:strVal val="#ppt_w"/>
-                                          </p:val>
-                                        </p:tav>
-                                      </p:tavLst>
-                                    </p:anim>
-                                    <p:anim calcmode="lin" valueType="num">
-                                      <p:cBhvr>
-                                        <p:cTn id="8" dur="500" fill="hold"/>
-                                        <p:tgtEl>
-                                          <p:spTgt spid="5"/>
-                                        </p:tgtEl>
-                                        <p:attrNameLst>
-                                          <p:attrName>ppt_h</p:attrName>
-                                        </p:attrNameLst>
-                                      </p:cBhvr>
-                                      <p:tavLst>
-                                        <p:tav tm="0">
-                                          <p:val>
-                                            <p:fltVal val="0"/>
-                                          </p:val>
-                                        </p:tav>
-                                        <p:tav tm="100000">
-                                          <p:val>
-                                            <p:strVal val="#ppt_h"/>
-                                          </p:val>
-                                        </p:tav>
-                                      </p:tavLst>
-                                    </p:anim>
-                                  </p:childTnLst>
-                                </p:cTn>
-                              </p:par>
-                            </p:childTnLst>
-                          </p:cTn>
-                        </p:par>
-                      </p:childTnLst>
-                    </p:cTn>
-                  </p:par>
-                </p:childTnLst>
-              </p:cTn>
-              <p:prevCondLst>
-                <p:cond evt="onPrev" delay="0">
-                  <p:tgtEl>
-                    <p:sldTgt/>
-                  </p:tgtEl>
-                </p:cond>
-              </p:prevCondLst>
-              <p:nextCondLst>
-                <p:cond evt="onNext" delay="0">
-                  <p:tgtEl>
-                    <p:sldTgt/>
-                  </p:tgtEl>
-                </p:cond>
-              </p:nextCondLst>
-            </p:seq>
-          </p:childTnLst>
-        </p:cTn>
-      </p:par>
-    </p:tnLst>
-    <p:bldLst>
-      <p:bldP spid="5" grpId="0" animBg="1"/>
-    </p:bldLst>
-  </p:timing>
-</p:sld>
-</file>
-
-<file path=ppt/slides/slide17.xml><?xml version="1.0" encoding="utf-8"?>
-<p:sld xmlns:a="http://schemas.openxmlformats.org/drawingml/2006/main" xmlns:r="http://schemas.openxmlformats.org/officeDocument/2006/relationships" xmlns:p="http://schemas.openxmlformats.org/presentationml/2006/main">
-  <p:cSld>
-    <p:spTree>
-      <p:nvGrpSpPr>
-        <p:cNvPr id="1" name=""/>
-        <p:cNvGrpSpPr/>
-        <p:nvPr/>
-      </p:nvGrpSpPr>
-      <p:grpSpPr>
-        <a:xfrm>
-          <a:off x="0" y="0"/>
-          <a:ext cx="0" cy="0"/>
-          <a:chOff x="0" y="0"/>
-          <a:chExt cx="0" cy="0"/>
-        </a:xfrm>
-      </p:grpSpPr>
-      <p:sp>
-        <p:nvSpPr>
-          <p:cNvPr id="19" name="직사각형 18">
-            <a:extLst>
-              <a:ext uri="{FF2B5EF4-FFF2-40B4-BE49-F238E27FC236}">
-                <a16:creationId xmlns:a16="http://schemas.microsoft.com/office/drawing/2014/main" xmlns="" id="{18F23432-9C65-41A4-A80F-36BDC8CE29D3}"/>
-              </a:ext>
-            </a:extLst>
-          </p:cNvPr>
+          <p:cNvPr id="8" name="Rectangle 7"/>
           <p:cNvSpPr/>
           <p:nvPr/>
         </p:nvSpPr>
         <p:spPr>
           <a:xfrm>
-            <a:off x="426152" y="448236"/>
-            <a:ext cx="8291696" cy="4247028"/>
-          </a:xfrm>
-          <a:prstGeom prst="rect">
-            <a:avLst/>
-          </a:prstGeom>
-          <a:noFill/>
-          <a:ln w="25400">
-            <a:solidFill>
-              <a:schemeClr val="bg1">
-                <a:lumMod val="65000"/>
-              </a:schemeClr>
-            </a:solidFill>
-          </a:ln>
-          <a:effectLst/>
-        </p:spPr>
-        <p:style>
-          <a:lnRef idx="2">
-            <a:schemeClr val="accent1">
-              <a:shade val="50000"/>
-            </a:schemeClr>
-          </a:lnRef>
-          <a:fillRef idx="1">
-            <a:schemeClr val="accent1"/>
-          </a:fillRef>
-          <a:effectRef idx="0">
-            <a:schemeClr val="accent1"/>
-          </a:effectRef>
-          <a:fontRef idx="minor">
-            <a:schemeClr val="lt1"/>
-          </a:fontRef>
-        </p:style>
-        <p:txBody>
-          <a:bodyPr rtlCol="0" anchor="ctr"/>
-          <a:lstStyle/>
-          <a:p>
-            <a:pPr algn="ctr"/>
-            <a:endParaRPr lang="ko-KR" altLang="en-US"/>
-          </a:p>
-        </p:txBody>
-      </p:sp>
-      <p:sp>
-        <p:nvSpPr>
-          <p:cNvPr id="48" name="직사각형 47">
-            <a:extLst>
-              <a:ext uri="{FF2B5EF4-FFF2-40B4-BE49-F238E27FC236}">
-                <a16:creationId xmlns:a16="http://schemas.microsoft.com/office/drawing/2014/main" xmlns="" id="{B4C4836A-945D-4FD2-89EB-A4DD8DF96E10}"/>
-              </a:ext>
-            </a:extLst>
-          </p:cNvPr>
-          <p:cNvSpPr/>
-          <p:nvPr/>
-        </p:nvSpPr>
-        <p:spPr>
-          <a:xfrm>
-            <a:off x="611560" y="369472"/>
-            <a:ext cx="3600400" cy="307777"/>
+            <a:off x="4434851" y="3719832"/>
+            <a:ext cx="2381686" cy="285405"/>
           </a:xfrm>
           <a:prstGeom prst="rect">
             <a:avLst/>
@@ -14468,531 +13257,6 @@
           <a:lstStyle/>
           <a:p>
             <a:pPr algn="ctr"/>
-            <a:endParaRPr lang="ko-KR" altLang="en-US"/>
-          </a:p>
-        </p:txBody>
-      </p:sp>
-      <p:grpSp>
-        <p:nvGrpSpPr>
-          <p:cNvPr id="28" name="그룹 27">
-            <a:extLst>
-              <a:ext uri="{FF2B5EF4-FFF2-40B4-BE49-F238E27FC236}">
-                <a16:creationId xmlns:a16="http://schemas.microsoft.com/office/drawing/2014/main" xmlns="" id="{D00A11D3-D30E-49D6-B716-14CB440C7850}"/>
-              </a:ext>
-            </a:extLst>
-          </p:cNvPr>
-          <p:cNvGrpSpPr/>
-          <p:nvPr/>
-        </p:nvGrpSpPr>
-        <p:grpSpPr>
-          <a:xfrm>
-            <a:off x="674529" y="293088"/>
-            <a:ext cx="584109" cy="406454"/>
-            <a:chOff x="767992" y="293986"/>
-            <a:chExt cx="797039" cy="532771"/>
-          </a:xfrm>
-        </p:grpSpPr>
-        <p:sp>
-          <p:nvSpPr>
-            <p:cNvPr id="29" name="자유형 139">
-              <a:extLst>
-                <a:ext uri="{FF2B5EF4-FFF2-40B4-BE49-F238E27FC236}">
-                  <a16:creationId xmlns:a16="http://schemas.microsoft.com/office/drawing/2014/main" xmlns="" id="{83FF1C62-0D25-4F39-AB70-F9E2FB3579B8}"/>
-                </a:ext>
-              </a:extLst>
-            </p:cNvPr>
-            <p:cNvSpPr/>
-            <p:nvPr/>
-          </p:nvSpPr>
-          <p:spPr>
-            <a:xfrm>
-              <a:off x="767992" y="293986"/>
-              <a:ext cx="797039" cy="442723"/>
-            </a:xfrm>
-            <a:custGeom>
-              <a:avLst/>
-              <a:gdLst>
-                <a:gd name="connsiteX0" fmla="*/ 1906329 w 3145074"/>
-                <a:gd name="connsiteY0" fmla="*/ 0 h 1746961"/>
-                <a:gd name="connsiteX1" fmla="*/ 2543211 w 3145074"/>
-                <a:gd name="connsiteY1" fmla="*/ 519074 h 1746961"/>
-                <a:gd name="connsiteX2" fmla="*/ 2550041 w 3145074"/>
-                <a:gd name="connsiteY2" fmla="*/ 586822 h 1746961"/>
-                <a:gd name="connsiteX3" fmla="*/ 2626000 w 3145074"/>
-                <a:gd name="connsiteY3" fmla="*/ 594480 h 1746961"/>
-                <a:gd name="connsiteX4" fmla="*/ 3145074 w 3145074"/>
-                <a:gd name="connsiteY4" fmla="*/ 1231362 h 1746961"/>
-                <a:gd name="connsiteX5" fmla="*/ 2954667 w 3145074"/>
-                <a:gd name="connsiteY5" fmla="*/ 1691045 h 1746961"/>
-                <a:gd name="connsiteX6" fmla="*/ 2886897 w 3145074"/>
-                <a:gd name="connsiteY6" fmla="*/ 1746961 h 1746961"/>
-                <a:gd name="connsiteX7" fmla="*/ 328154 w 3145074"/>
-                <a:gd name="connsiteY7" fmla="*/ 1746961 h 1746961"/>
-                <a:gd name="connsiteX8" fmla="*/ 311080 w 3145074"/>
-                <a:gd name="connsiteY8" fmla="*/ 1741661 h 1746961"/>
-                <a:gd name="connsiteX9" fmla="*/ 0 w 3145074"/>
-                <a:gd name="connsiteY9" fmla="*/ 1272350 h 1746961"/>
-                <a:gd name="connsiteX10" fmla="*/ 406688 w 3145074"/>
-                <a:gd name="connsiteY10" fmla="*/ 773361 h 1746961"/>
-                <a:gd name="connsiteX11" fmla="*/ 471248 w 3145074"/>
-                <a:gd name="connsiteY11" fmla="*/ 766853 h 1746961"/>
-                <a:gd name="connsiteX12" fmla="*/ 478693 w 3145074"/>
-                <a:gd name="connsiteY12" fmla="*/ 742871 h 1746961"/>
-                <a:gd name="connsiteX13" fmla="*/ 1049392 w 3145074"/>
-                <a:gd name="connsiteY13" fmla="*/ 364586 h 1746961"/>
-                <a:gd name="connsiteX14" fmla="*/ 1290480 w 3145074"/>
-                <a:gd name="connsiteY14" fmla="*/ 413260 h 1746961"/>
-                <a:gd name="connsiteX15" fmla="*/ 1300590 w 3145074"/>
-                <a:gd name="connsiteY15" fmla="*/ 418747 h 1746961"/>
-                <a:gd name="connsiteX16" fmla="*/ 1307327 w 3145074"/>
-                <a:gd name="connsiteY16" fmla="*/ 397046 h 1746961"/>
-                <a:gd name="connsiteX17" fmla="*/ 1906329 w 3145074"/>
-                <a:gd name="connsiteY17" fmla="*/ 0 h 1746961"/>
-              </a:gdLst>
-              <a:ahLst/>
-              <a:cxnLst>
-                <a:cxn ang="0">
-                  <a:pos x="connsiteX0" y="connsiteY0"/>
-                </a:cxn>
-                <a:cxn ang="0">
-                  <a:pos x="connsiteX1" y="connsiteY1"/>
-                </a:cxn>
-                <a:cxn ang="0">
-                  <a:pos x="connsiteX2" y="connsiteY2"/>
-                </a:cxn>
-                <a:cxn ang="0">
-                  <a:pos x="connsiteX3" y="connsiteY3"/>
-                </a:cxn>
-                <a:cxn ang="0">
-                  <a:pos x="connsiteX4" y="connsiteY4"/>
-                </a:cxn>
-                <a:cxn ang="0">
-                  <a:pos x="connsiteX5" y="connsiteY5"/>
-                </a:cxn>
-                <a:cxn ang="0">
-                  <a:pos x="connsiteX6" y="connsiteY6"/>
-                </a:cxn>
-                <a:cxn ang="0">
-                  <a:pos x="connsiteX7" y="connsiteY7"/>
-                </a:cxn>
-                <a:cxn ang="0">
-                  <a:pos x="connsiteX8" y="connsiteY8"/>
-                </a:cxn>
-                <a:cxn ang="0">
-                  <a:pos x="connsiteX9" y="connsiteY9"/>
-                </a:cxn>
-                <a:cxn ang="0">
-                  <a:pos x="connsiteX10" y="connsiteY10"/>
-                </a:cxn>
-                <a:cxn ang="0">
-                  <a:pos x="connsiteX11" y="connsiteY11"/>
-                </a:cxn>
-                <a:cxn ang="0">
-                  <a:pos x="connsiteX12" y="connsiteY12"/>
-                </a:cxn>
-                <a:cxn ang="0">
-                  <a:pos x="connsiteX13" y="connsiteY13"/>
-                </a:cxn>
-                <a:cxn ang="0">
-                  <a:pos x="connsiteX14" y="connsiteY14"/>
-                </a:cxn>
-                <a:cxn ang="0">
-                  <a:pos x="connsiteX15" y="connsiteY15"/>
-                </a:cxn>
-                <a:cxn ang="0">
-                  <a:pos x="connsiteX16" y="connsiteY16"/>
-                </a:cxn>
-                <a:cxn ang="0">
-                  <a:pos x="connsiteX17" y="connsiteY17"/>
-                </a:cxn>
-              </a:cxnLst>
-              <a:rect l="l" t="t" r="r" b="b"/>
-              <a:pathLst>
-                <a:path w="3145074" h="1746961">
-                  <a:moveTo>
-                    <a:pt x="1906329" y="0"/>
-                  </a:moveTo>
-                  <a:cubicBezTo>
-                    <a:pt x="2220485" y="0"/>
-                    <a:pt x="2482593" y="222839"/>
-                    <a:pt x="2543211" y="519074"/>
-                  </a:cubicBezTo>
-                  <a:lnTo>
-                    <a:pt x="2550041" y="586822"/>
-                  </a:lnTo>
-                  <a:lnTo>
-                    <a:pt x="2626000" y="594480"/>
-                  </a:lnTo>
-                  <a:cubicBezTo>
-                    <a:pt x="2922235" y="655098"/>
-                    <a:pt x="3145074" y="917206"/>
-                    <a:pt x="3145074" y="1231362"/>
-                  </a:cubicBezTo>
-                  <a:cubicBezTo>
-                    <a:pt x="3145074" y="1410880"/>
-                    <a:pt x="3072310" y="1573402"/>
-                    <a:pt x="2954667" y="1691045"/>
-                  </a:cubicBezTo>
-                  <a:lnTo>
-                    <a:pt x="2886897" y="1746961"/>
-                  </a:lnTo>
-                  <a:lnTo>
-                    <a:pt x="328154" y="1746961"/>
-                  </a:lnTo>
-                  <a:lnTo>
-                    <a:pt x="311080" y="1741661"/>
-                  </a:lnTo>
-                  <a:cubicBezTo>
-                    <a:pt x="128272" y="1664339"/>
-                    <a:pt x="0" y="1483324"/>
-                    <a:pt x="0" y="1272350"/>
-                  </a:cubicBezTo>
-                  <a:cubicBezTo>
-                    <a:pt x="0" y="1026213"/>
-                    <a:pt x="174592" y="820855"/>
-                    <a:pt x="406688" y="773361"/>
-                  </a:cubicBezTo>
-                  <a:lnTo>
-                    <a:pt x="471248" y="766853"/>
-                  </a:lnTo>
-                  <a:lnTo>
-                    <a:pt x="478693" y="742871"/>
-                  </a:lnTo>
-                  <a:cubicBezTo>
-                    <a:pt x="572719" y="520569"/>
-                    <a:pt x="792840" y="364586"/>
-                    <a:pt x="1049392" y="364586"/>
-                  </a:cubicBezTo>
-                  <a:cubicBezTo>
-                    <a:pt x="1134910" y="364586"/>
-                    <a:pt x="1216379" y="381918"/>
-                    <a:pt x="1290480" y="413260"/>
-                  </a:cubicBezTo>
-                  <a:lnTo>
-                    <a:pt x="1300590" y="418747"/>
-                  </a:lnTo>
-                  <a:lnTo>
-                    <a:pt x="1307327" y="397046"/>
-                  </a:lnTo>
-                  <a:cubicBezTo>
-                    <a:pt x="1406016" y="163719"/>
-                    <a:pt x="1637053" y="0"/>
-                    <a:pt x="1906329" y="0"/>
-                  </a:cubicBezTo>
-                  <a:close/>
-                </a:path>
-              </a:pathLst>
-            </a:custGeom>
-            <a:solidFill>
-              <a:schemeClr val="accent3">
-                <a:lumMod val="60000"/>
-                <a:lumOff val="40000"/>
-              </a:schemeClr>
-            </a:solidFill>
-            <a:ln>
-              <a:noFill/>
-            </a:ln>
-          </p:spPr>
-          <p:style>
-            <a:lnRef idx="2">
-              <a:schemeClr val="accent1">
-                <a:shade val="50000"/>
-              </a:schemeClr>
-            </a:lnRef>
-            <a:fillRef idx="1">
-              <a:schemeClr val="accent1"/>
-            </a:fillRef>
-            <a:effectRef idx="0">
-              <a:schemeClr val="accent1"/>
-            </a:effectRef>
-            <a:fontRef idx="minor">
-              <a:schemeClr val="lt1"/>
-            </a:fontRef>
-          </p:style>
-          <p:txBody>
-            <a:bodyPr wrap="square" rtlCol="0" anchor="ctr">
-              <a:noAutofit/>
-            </a:bodyPr>
-            <a:lstStyle/>
-            <a:p>
-              <a:pPr algn="ctr"/>
-              <a:endParaRPr lang="ko-KR" altLang="en-US" dirty="0"/>
-            </a:p>
-          </p:txBody>
-        </p:sp>
-        <p:sp>
-          <p:nvSpPr>
-            <p:cNvPr id="30" name="TextBox 29">
-              <a:extLst>
-                <a:ext uri="{FF2B5EF4-FFF2-40B4-BE49-F238E27FC236}">
-                  <a16:creationId xmlns:a16="http://schemas.microsoft.com/office/drawing/2014/main" xmlns="" id="{EC8B7028-52D0-465E-AA4D-3B29A24FF4EE}"/>
-                </a:ext>
-              </a:extLst>
-            </p:cNvPr>
-            <p:cNvSpPr txBox="1"/>
-            <p:nvPr/>
-          </p:nvSpPr>
-          <p:spPr>
-            <a:xfrm>
-              <a:off x="976841" y="342645"/>
-              <a:ext cx="424786" cy="484112"/>
-            </a:xfrm>
-            <a:prstGeom prst="rect">
-              <a:avLst/>
-            </a:prstGeom>
-            <a:noFill/>
-            <a:scene3d>
-              <a:camera prst="obliqueTopLeft"/>
-              <a:lightRig rig="threePt" dir="t"/>
-            </a:scene3d>
-          </p:spPr>
-          <p:txBody>
-            <a:bodyPr wrap="none" rtlCol="0">
-              <a:spAutoFit/>
-            </a:bodyPr>
-            <a:lstStyle/>
-            <a:p>
-              <a:r>
-                <a:rPr lang="en-US" altLang="ko-KR" dirty="0">
-                  <a:solidFill>
-                    <a:schemeClr val="bg1"/>
-                  </a:solidFill>
-                  <a:latin typeface="210 콤퓨타세탁 L" panose="02020603020101020101" pitchFamily="18" charset="-127"/>
-                  <a:ea typeface="210 콤퓨타세탁 L" panose="02020603020101020101" pitchFamily="18" charset="-127"/>
-                </a:rPr>
-                <a:t>2</a:t>
-              </a:r>
-              <a:endParaRPr lang="ko-KR" altLang="en-US" dirty="0">
-                <a:solidFill>
-                  <a:schemeClr val="bg1"/>
-                </a:solidFill>
-                <a:latin typeface="210 콤퓨타세탁 L" panose="02020603020101020101" pitchFamily="18" charset="-127"/>
-                <a:ea typeface="210 콤퓨타세탁 L" panose="02020603020101020101" pitchFamily="18" charset="-127"/>
-              </a:endParaRPr>
-            </a:p>
-          </p:txBody>
-        </p:sp>
-      </p:grpSp>
-      <p:sp>
-        <p:nvSpPr>
-          <p:cNvPr id="27" name="TextBox 26">
-            <a:extLst>
-              <a:ext uri="{FF2B5EF4-FFF2-40B4-BE49-F238E27FC236}">
-                <a16:creationId xmlns:a16="http://schemas.microsoft.com/office/drawing/2014/main" xmlns="" id="{ED189A95-0E17-48CB-8C40-4D67106D4BE9}"/>
-              </a:ext>
-            </a:extLst>
-          </p:cNvPr>
-          <p:cNvSpPr txBox="1"/>
-          <p:nvPr/>
-        </p:nvSpPr>
-        <p:spPr>
-          <a:xfrm>
-            <a:off x="1258638" y="325125"/>
-            <a:ext cx="3097338" cy="307777"/>
-          </a:xfrm>
-          <a:prstGeom prst="rect">
-            <a:avLst/>
-          </a:prstGeom>
-          <a:noFill/>
-          <a:scene3d>
-            <a:camera prst="obliqueTopLeft"/>
-            <a:lightRig rig="threePt" dir="t"/>
-          </a:scene3d>
-        </p:spPr>
-        <p:txBody>
-          <a:bodyPr wrap="square" rtlCol="0">
-            <a:spAutoFit/>
-          </a:bodyPr>
-          <a:lstStyle/>
-          <a:p>
-            <a:r>
-              <a:rPr lang="en-US" altLang="ko-KR" sz="1400" dirty="0">
-                <a:solidFill>
-                  <a:srgbClr val="565658"/>
-                </a:solidFill>
-                <a:latin typeface="210 콤퓨타세탁 L" panose="02020603020101020101" pitchFamily="18" charset="-127"/>
-                <a:ea typeface="210 콤퓨타세탁 L" panose="02020603020101020101" pitchFamily="18" charset="-127"/>
-              </a:rPr>
-              <a:t>You Are Thumbnail is hacked!</a:t>
-            </a:r>
-            <a:endParaRPr lang="ko-KR" altLang="en-US" sz="1400" dirty="0">
-              <a:solidFill>
-                <a:srgbClr val="565658"/>
-              </a:solidFill>
-              <a:latin typeface="210 콤퓨타세탁 L" panose="02020603020101020101" pitchFamily="18" charset="-127"/>
-              <a:ea typeface="210 콤퓨타세탁 L" panose="02020603020101020101" pitchFamily="18" charset="-127"/>
-            </a:endParaRPr>
-          </a:p>
-        </p:txBody>
-      </p:sp>
-      <p:pic>
-        <p:nvPicPr>
-          <p:cNvPr id="2051" name="Picture 3" descr="관련 이미지">
-            <a:extLst>
-              <a:ext uri="{FF2B5EF4-FFF2-40B4-BE49-F238E27FC236}">
-                <a16:creationId xmlns:a16="http://schemas.microsoft.com/office/drawing/2014/main" xmlns="" id="{58D76F40-CA1B-47B7-A095-1C8CD92E963C}"/>
-              </a:ext>
-            </a:extLst>
-          </p:cNvPr>
-          <p:cNvPicPr>
-            <a:picLocks noChangeAspect="1" noChangeArrowheads="1"/>
-          </p:cNvPicPr>
-          <p:nvPr/>
-        </p:nvPicPr>
-        <p:blipFill>
-          <a:blip r:embed="rId3" cstate="print">
-            <a:extLst>
-              <a:ext uri="{28A0092B-C50C-407E-A947-70E740481C1C}">
-                <a14:useLocalDpi xmlns:a14="http://schemas.microsoft.com/office/drawing/2010/main" val="0"/>
-              </a:ext>
-            </a:extLst>
-          </a:blip>
-          <a:srcRect/>
-          <a:stretch>
-            <a:fillRect/>
-          </a:stretch>
-        </p:blipFill>
-        <p:spPr bwMode="auto">
-          <a:xfrm rot="20343032">
-            <a:off x="7378947" y="3886382"/>
-            <a:ext cx="1928015" cy="1154399"/>
-          </a:xfrm>
-          <a:prstGeom prst="rect">
-            <a:avLst/>
-          </a:prstGeom>
-          <a:noFill/>
-          <a:extLst>
-            <a:ext uri="{909E8E84-426E-40DD-AFC4-6F175D3DCCD1}">
-              <a14:hiddenFill xmlns:a14="http://schemas.microsoft.com/office/drawing/2010/main">
-                <a:solidFill>
-                  <a:srgbClr val="FFFFFF"/>
-                </a:solidFill>
-              </a14:hiddenFill>
-            </a:ext>
-          </a:extLst>
-        </p:spPr>
-      </p:pic>
-      <p:pic>
-        <p:nvPicPr>
-          <p:cNvPr id="3" name="Picture 2"/>
-          <p:cNvPicPr>
-            <a:picLocks noChangeAspect="1"/>
-          </p:cNvPicPr>
-          <p:nvPr/>
-        </p:nvPicPr>
-        <p:blipFill>
-          <a:blip r:embed="rId4"/>
-          <a:stretch>
-            <a:fillRect/>
-          </a:stretch>
-        </p:blipFill>
-        <p:spPr>
-          <a:xfrm rot="21224743">
-            <a:off x="755024" y="1078480"/>
-            <a:ext cx="2863607" cy="1634231"/>
-          </a:xfrm>
-          <a:prstGeom prst="rect">
-            <a:avLst/>
-          </a:prstGeom>
-        </p:spPr>
-      </p:pic>
-      <p:pic>
-        <p:nvPicPr>
-          <p:cNvPr id="6" name="Picture 5"/>
-          <p:cNvPicPr>
-            <a:picLocks noChangeAspect="1"/>
-          </p:cNvPicPr>
-          <p:nvPr/>
-        </p:nvPicPr>
-        <p:blipFill>
-          <a:blip r:embed="rId5"/>
-          <a:stretch>
-            <a:fillRect/>
-          </a:stretch>
-        </p:blipFill>
-        <p:spPr>
-          <a:xfrm rot="835241">
-            <a:off x="3789989" y="1068672"/>
-            <a:ext cx="3566066" cy="1259391"/>
-          </a:xfrm>
-          <a:prstGeom prst="rect">
-            <a:avLst/>
-          </a:prstGeom>
-        </p:spPr>
-      </p:pic>
-      <p:pic>
-        <p:nvPicPr>
-          <p:cNvPr id="7" name="Picture 6"/>
-          <p:cNvPicPr>
-            <a:picLocks noChangeAspect="1"/>
-          </p:cNvPicPr>
-          <p:nvPr/>
-        </p:nvPicPr>
-        <p:blipFill>
-          <a:blip r:embed="rId6"/>
-          <a:stretch>
-            <a:fillRect/>
-          </a:stretch>
-        </p:blipFill>
-        <p:spPr>
-          <a:xfrm>
-            <a:off x="1445452" y="3219822"/>
-            <a:ext cx="5371085" cy="876655"/>
-          </a:xfrm>
-          <a:prstGeom prst="rect">
-            <a:avLst/>
-          </a:prstGeom>
-          <a:ln>
-            <a:solidFill>
-              <a:schemeClr val="accent1"/>
-            </a:solidFill>
-          </a:ln>
-        </p:spPr>
-      </p:pic>
-      <p:sp>
-        <p:nvSpPr>
-          <p:cNvPr id="8" name="Rectangle 7"/>
-          <p:cNvSpPr/>
-          <p:nvPr/>
-        </p:nvSpPr>
-        <p:spPr>
-          <a:xfrm>
-            <a:off x="4434851" y="3719832"/>
-            <a:ext cx="2381686" cy="285405"/>
-          </a:xfrm>
-          <a:prstGeom prst="rect">
-            <a:avLst/>
-          </a:prstGeom>
-          <a:solidFill>
-            <a:schemeClr val="bg1"/>
-          </a:solidFill>
-          <a:ln>
-            <a:solidFill>
-              <a:schemeClr val="bg1"/>
-            </a:solidFill>
-          </a:ln>
-        </p:spPr>
-        <p:style>
-          <a:lnRef idx="2">
-            <a:schemeClr val="accent1">
-              <a:shade val="50000"/>
-            </a:schemeClr>
-          </a:lnRef>
-          <a:fillRef idx="1">
-            <a:schemeClr val="accent1"/>
-          </a:fillRef>
-          <a:effectRef idx="0">
-            <a:schemeClr val="accent1"/>
-          </a:effectRef>
-          <a:fontRef idx="minor">
-            <a:schemeClr val="lt1"/>
-          </a:fontRef>
-        </p:style>
-        <p:txBody>
-          <a:bodyPr rtlCol="0" anchor="ctr"/>
-          <a:lstStyle/>
-          <a:p>
-            <a:pPr algn="ctr"/>
             <a:endParaRPr lang="en-US"/>
           </a:p>
         </p:txBody>
@@ -15092,7 +13356,7 @@
 </p:sld>
 </file>
 
-<file path=ppt/slides/slide18.xml><?xml version="1.0" encoding="utf-8"?>
+<file path=ppt/slides/slide16.xml><?xml version="1.0" encoding="utf-8"?>
 <p:sld xmlns:a="http://schemas.openxmlformats.org/drawingml/2006/main" xmlns:r="http://schemas.openxmlformats.org/officeDocument/2006/relationships" xmlns:p="http://schemas.openxmlformats.org/presentationml/2006/main">
   <p:cSld>
     <p:spTree>
@@ -16022,7 +14286,7 @@
 </p:sld>
 </file>
 
-<file path=ppt/slides/slide19.xml><?xml version="1.0" encoding="utf-8"?>
+<file path=ppt/slides/slide17.xml><?xml version="1.0" encoding="utf-8"?>
 <p:sld xmlns:a="http://schemas.openxmlformats.org/drawingml/2006/main" xmlns:r="http://schemas.openxmlformats.org/officeDocument/2006/relationships" xmlns:p="http://schemas.openxmlformats.org/presentationml/2006/main">
   <p:cSld>
     <p:spTree>
@@ -17024,272 +15288,7 @@
 </p:sld>
 </file>
 
-<file path=ppt/slides/slide2.xml><?xml version="1.0" encoding="utf-8"?>
-<p:sld xmlns:a="http://schemas.openxmlformats.org/drawingml/2006/main" xmlns:r="http://schemas.openxmlformats.org/officeDocument/2006/relationships" xmlns:p="http://schemas.openxmlformats.org/presentationml/2006/main">
-  <p:cSld>
-    <p:spTree>
-      <p:nvGrpSpPr>
-        <p:cNvPr id="1" name=""/>
-        <p:cNvGrpSpPr/>
-        <p:nvPr/>
-      </p:nvGrpSpPr>
-      <p:grpSpPr>
-        <a:xfrm>
-          <a:off x="0" y="0"/>
-          <a:ext cx="0" cy="0"/>
-          <a:chOff x="0" y="0"/>
-          <a:chExt cx="0" cy="0"/>
-        </a:xfrm>
-      </p:grpSpPr>
-      <p:sp>
-        <p:nvSpPr>
-          <p:cNvPr id="15" name="TextBox 14">
-            <a:extLst>
-              <a:ext uri="{FF2B5EF4-FFF2-40B4-BE49-F238E27FC236}">
-                <a16:creationId xmlns:a16="http://schemas.microsoft.com/office/drawing/2014/main" xmlns="" id="{866EBAB6-DF32-49A6-802E-798AB8E30EA6}"/>
-              </a:ext>
-            </a:extLst>
-          </p:cNvPr>
-          <p:cNvSpPr txBox="1"/>
-          <p:nvPr/>
-        </p:nvSpPr>
-        <p:spPr>
-          <a:xfrm>
-            <a:off x="3563888" y="3060133"/>
-            <a:ext cx="4788024" cy="369332"/>
-          </a:xfrm>
-          <a:prstGeom prst="rect">
-            <a:avLst/>
-          </a:prstGeom>
-          <a:noFill/>
-        </p:spPr>
-        <p:txBody>
-          <a:bodyPr wrap="square">
-            <a:spAutoFit/>
-          </a:bodyPr>
-          <a:lstStyle/>
-          <a:p>
-            <a:pPr fontAlgn="auto">
-              <a:spcBef>
-                <a:spcPts val="0"/>
-              </a:spcBef>
-              <a:spcAft>
-                <a:spcPts val="0"/>
-              </a:spcAft>
-              <a:defRPr/>
-            </a:pPr>
-            <a:r>
-              <a:rPr kumimoji="0" lang="ko-KR" altLang="en-US" b="1" dirty="0" err="1">
-                <a:solidFill>
-                  <a:schemeClr val="tx1">
-                    <a:lumMod val="75000"/>
-                    <a:lumOff val="25000"/>
-                  </a:schemeClr>
-                </a:solidFill>
-                <a:latin typeface="Arial" pitchFamily="34" charset="0"/>
-                <a:cs typeface="Arial" pitchFamily="34" charset="0"/>
-              </a:rPr>
-              <a:t>한우영</a:t>
-            </a:r>
-            <a:endParaRPr kumimoji="0" lang="en-US" altLang="ko-KR" b="1" dirty="0">
-              <a:solidFill>
-                <a:schemeClr val="tx1">
-                  <a:lumMod val="75000"/>
-                  <a:lumOff val="25000"/>
-                </a:schemeClr>
-              </a:solidFill>
-              <a:latin typeface="Arial" pitchFamily="34" charset="0"/>
-              <a:cs typeface="Arial" pitchFamily="34" charset="0"/>
-            </a:endParaRPr>
-          </a:p>
-        </p:txBody>
-      </p:sp>
-      <p:sp>
-        <p:nvSpPr>
-          <p:cNvPr id="16" name="TextBox 1">
-            <a:extLst>
-              <a:ext uri="{FF2B5EF4-FFF2-40B4-BE49-F238E27FC236}">
-                <a16:creationId xmlns:a16="http://schemas.microsoft.com/office/drawing/2014/main" xmlns="" id="{54591631-63D7-4C9B-8ADA-36A4697B5584}"/>
-              </a:ext>
-            </a:extLst>
-          </p:cNvPr>
-          <p:cNvSpPr txBox="1">
-            <a:spLocks noChangeArrowheads="1"/>
-          </p:cNvSpPr>
-          <p:nvPr/>
-        </p:nvSpPr>
-        <p:spPr bwMode="auto">
-          <a:xfrm>
-            <a:off x="3563888" y="1859804"/>
-            <a:ext cx="4788024" cy="1200329"/>
-          </a:xfrm>
-          <a:prstGeom prst="rect">
-            <a:avLst/>
-          </a:prstGeom>
-          <a:noFill/>
-          <a:ln w="9525">
-            <a:noFill/>
-            <a:miter lim="800000"/>
-            <a:headEnd/>
-            <a:tailEnd/>
-          </a:ln>
-        </p:spPr>
-        <p:txBody>
-          <a:bodyPr wrap="square">
-            <a:spAutoFit/>
-          </a:bodyPr>
-          <a:lstStyle/>
-          <a:p>
-            <a:r>
-              <a:rPr lang="ko-KR" altLang="en-US" sz="3600" b="1" dirty="0">
-                <a:solidFill>
-                  <a:schemeClr val="tx1">
-                    <a:lumMod val="75000"/>
-                    <a:lumOff val="25000"/>
-                  </a:schemeClr>
-                </a:solidFill>
-                <a:latin typeface="Arial" pitchFamily="34" charset="0"/>
-                <a:ea typeface="맑은 고딕" pitchFamily="50" charset="-127"/>
-                <a:cs typeface="Arial" pitchFamily="34" charset="0"/>
-              </a:rPr>
-              <a:t>나의 흔적 숨기기</a:t>
-            </a:r>
-            <a:r>
-              <a:rPr lang="en-US" altLang="ko-KR" sz="3600" b="1" dirty="0">
-                <a:solidFill>
-                  <a:schemeClr val="tx1">
-                    <a:lumMod val="75000"/>
-                    <a:lumOff val="25000"/>
-                  </a:schemeClr>
-                </a:solidFill>
-                <a:latin typeface="Arial" pitchFamily="34" charset="0"/>
-                <a:ea typeface="맑은 고딕" pitchFamily="50" charset="-127"/>
-                <a:cs typeface="Arial" pitchFamily="34" charset="0"/>
-              </a:rPr>
-              <a:t>,</a:t>
-            </a:r>
-          </a:p>
-          <a:p>
-            <a:r>
-              <a:rPr lang="en-US" altLang="ko-KR" sz="3600" b="1" dirty="0">
-                <a:solidFill>
-                  <a:schemeClr val="tx1">
-                    <a:lumMod val="75000"/>
-                    <a:lumOff val="25000"/>
-                  </a:schemeClr>
-                </a:solidFill>
-                <a:latin typeface="Arial" pitchFamily="34" charset="0"/>
-                <a:ea typeface="맑은 고딕" pitchFamily="50" charset="-127"/>
-                <a:cs typeface="Arial" pitchFamily="34" charset="0"/>
-              </a:rPr>
-              <a:t>	 </a:t>
-            </a:r>
-            <a:r>
-              <a:rPr lang="ko-KR" altLang="en-US" sz="3600" b="1" dirty="0">
-                <a:solidFill>
-                  <a:schemeClr val="tx1">
-                    <a:lumMod val="75000"/>
-                    <a:lumOff val="25000"/>
-                  </a:schemeClr>
-                </a:solidFill>
-                <a:latin typeface="Arial" pitchFamily="34" charset="0"/>
-                <a:ea typeface="맑은 고딕" pitchFamily="50" charset="-127"/>
-                <a:cs typeface="Arial" pitchFamily="34" charset="0"/>
-              </a:rPr>
-              <a:t>너의 흔적 찾기</a:t>
-            </a:r>
-            <a:endParaRPr lang="en-US" altLang="ko-KR" sz="3600" b="1" dirty="0">
-              <a:solidFill>
-                <a:schemeClr val="tx1">
-                  <a:lumMod val="75000"/>
-                  <a:lumOff val="25000"/>
-                </a:schemeClr>
-              </a:solidFill>
-              <a:latin typeface="Arial" pitchFamily="34" charset="0"/>
-              <a:ea typeface="맑은 고딕" pitchFamily="50" charset="-127"/>
-              <a:cs typeface="Arial" pitchFamily="34" charset="0"/>
-            </a:endParaRPr>
-          </a:p>
-        </p:txBody>
-      </p:sp>
-      <p:sp>
-        <p:nvSpPr>
-          <p:cNvPr id="17" name="Rectangle 1">
-            <a:extLst>
-              <a:ext uri="{FF2B5EF4-FFF2-40B4-BE49-F238E27FC236}">
-                <a16:creationId xmlns:a16="http://schemas.microsoft.com/office/drawing/2014/main" xmlns="" id="{88ADEE7B-AB18-46F2-ABE2-F68C4F29073A}"/>
-              </a:ext>
-            </a:extLst>
-          </p:cNvPr>
-          <p:cNvSpPr/>
-          <p:nvPr/>
-        </p:nvSpPr>
-        <p:spPr>
-          <a:xfrm>
-            <a:off x="3167336" y="2009830"/>
-            <a:ext cx="144016" cy="1450997"/>
-          </a:xfrm>
-          <a:prstGeom prst="rect">
-            <a:avLst/>
-          </a:prstGeom>
-          <a:solidFill>
-            <a:schemeClr val="bg1">
-              <a:lumMod val="85000"/>
-            </a:schemeClr>
-          </a:solidFill>
-          <a:ln>
-            <a:noFill/>
-          </a:ln>
-        </p:spPr>
-        <p:style>
-          <a:lnRef idx="2">
-            <a:schemeClr val="accent1">
-              <a:shade val="50000"/>
-            </a:schemeClr>
-          </a:lnRef>
-          <a:fillRef idx="1">
-            <a:schemeClr val="accent1"/>
-          </a:fillRef>
-          <a:effectRef idx="0">
-            <a:schemeClr val="accent1"/>
-          </a:effectRef>
-          <a:fontRef idx="minor">
-            <a:schemeClr val="lt1"/>
-          </a:fontRef>
-        </p:style>
-        <p:txBody>
-          <a:bodyPr rtlCol="0" anchor="ctr"/>
-          <a:lstStyle/>
-          <a:p>
-            <a:pPr algn="ctr"/>
-            <a:endParaRPr lang="ko-KR" altLang="en-US"/>
-          </a:p>
-        </p:txBody>
-      </p:sp>
-    </p:spTree>
-    <p:extLst>
-      <p:ext uri="{BB962C8B-B14F-4D97-AF65-F5344CB8AC3E}">
-        <p14:creationId xmlns:p14="http://schemas.microsoft.com/office/powerpoint/2010/main" val="303447833"/>
-      </p:ext>
-    </p:extLst>
-  </p:cSld>
-  <p:clrMapOvr>
-    <a:masterClrMapping/>
-  </p:clrMapOvr>
-  <p:transition spd="slow">
-    <p:push dir="u"/>
-  </p:transition>
-  <p:timing>
-    <p:tnLst>
-      <p:par>
-        <p:cTn id="1" dur="indefinite" restart="never" nodeType="tmRoot"/>
-      </p:par>
-    </p:tnLst>
-  </p:timing>
-</p:sld>
-</file>
-
-<file path=ppt/slides/slide20.xml><?xml version="1.0" encoding="utf-8"?>
+<file path=ppt/slides/slide18.xml><?xml version="1.0" encoding="utf-8"?>
 <p:sld xmlns:a="http://schemas.openxmlformats.org/drawingml/2006/main" xmlns:r="http://schemas.openxmlformats.org/officeDocument/2006/relationships" xmlns:p="http://schemas.openxmlformats.org/presentationml/2006/main">
   <p:cSld>
     <p:spTree>
@@ -17489,634 +15488,7 @@
 </p:sld>
 </file>
 
-<file path=ppt/slides/slide21.xml><?xml version="1.0" encoding="utf-8"?>
-<p:sld xmlns:a="http://schemas.openxmlformats.org/drawingml/2006/main" xmlns:r="http://schemas.openxmlformats.org/officeDocument/2006/relationships" xmlns:p="http://schemas.openxmlformats.org/presentationml/2006/main">
-  <p:cSld>
-    <p:spTree>
-      <p:nvGrpSpPr>
-        <p:cNvPr id="1" name=""/>
-        <p:cNvGrpSpPr/>
-        <p:nvPr/>
-      </p:nvGrpSpPr>
-      <p:grpSpPr>
-        <a:xfrm>
-          <a:off x="0" y="0"/>
-          <a:ext cx="0" cy="0"/>
-          <a:chOff x="0" y="0"/>
-          <a:chExt cx="0" cy="0"/>
-        </a:xfrm>
-      </p:grpSpPr>
-      <p:sp>
-        <p:nvSpPr>
-          <p:cNvPr id="19" name="직사각형 18">
-            <a:extLst>
-              <a:ext uri="{FF2B5EF4-FFF2-40B4-BE49-F238E27FC236}">
-                <a16:creationId xmlns:a16="http://schemas.microsoft.com/office/drawing/2014/main" xmlns="" id="{18F23432-9C65-41A4-A80F-36BDC8CE29D3}"/>
-              </a:ext>
-            </a:extLst>
-          </p:cNvPr>
-          <p:cNvSpPr/>
-          <p:nvPr/>
-        </p:nvSpPr>
-        <p:spPr>
-          <a:xfrm>
-            <a:off x="426152" y="448236"/>
-            <a:ext cx="8291696" cy="4247028"/>
-          </a:xfrm>
-          <a:prstGeom prst="rect">
-            <a:avLst/>
-          </a:prstGeom>
-          <a:noFill/>
-          <a:ln w="25400">
-            <a:solidFill>
-              <a:schemeClr val="bg1">
-                <a:lumMod val="65000"/>
-              </a:schemeClr>
-            </a:solidFill>
-          </a:ln>
-          <a:effectLst/>
-        </p:spPr>
-        <p:style>
-          <a:lnRef idx="2">
-            <a:schemeClr val="accent1">
-              <a:shade val="50000"/>
-            </a:schemeClr>
-          </a:lnRef>
-          <a:fillRef idx="1">
-            <a:schemeClr val="accent1"/>
-          </a:fillRef>
-          <a:effectRef idx="0">
-            <a:schemeClr val="accent1"/>
-          </a:effectRef>
-          <a:fontRef idx="minor">
-            <a:schemeClr val="lt1"/>
-          </a:fontRef>
-        </p:style>
-        <p:txBody>
-          <a:bodyPr rtlCol="0" anchor="ctr"/>
-          <a:lstStyle/>
-          <a:p>
-            <a:pPr algn="ctr"/>
-            <a:endParaRPr lang="ko-KR" altLang="en-US"/>
-          </a:p>
-        </p:txBody>
-      </p:sp>
-      <p:pic>
-        <p:nvPicPr>
-          <p:cNvPr id="2051" name="Picture 3" descr="관련 이미지">
-            <a:extLst>
-              <a:ext uri="{FF2B5EF4-FFF2-40B4-BE49-F238E27FC236}">
-                <a16:creationId xmlns:a16="http://schemas.microsoft.com/office/drawing/2014/main" xmlns="" id="{58D76F40-CA1B-47B7-A095-1C8CD92E963C}"/>
-              </a:ext>
-            </a:extLst>
-          </p:cNvPr>
-          <p:cNvPicPr>
-            <a:picLocks noChangeAspect="1" noChangeArrowheads="1"/>
-          </p:cNvPicPr>
-          <p:nvPr/>
-        </p:nvPicPr>
-        <p:blipFill>
-          <a:blip r:embed="rId2" cstate="print">
-            <a:extLst>
-              <a:ext uri="{28A0092B-C50C-407E-A947-70E740481C1C}">
-                <a14:useLocalDpi xmlns:a14="http://schemas.microsoft.com/office/drawing/2010/main" val="0"/>
-              </a:ext>
-            </a:extLst>
-          </a:blip>
-          <a:srcRect/>
-          <a:stretch>
-            <a:fillRect/>
-          </a:stretch>
-        </p:blipFill>
-        <p:spPr bwMode="auto">
-          <a:xfrm rot="20343032">
-            <a:off x="7378947" y="3886382"/>
-            <a:ext cx="1928015" cy="1154399"/>
-          </a:xfrm>
-          <a:prstGeom prst="rect">
-            <a:avLst/>
-          </a:prstGeom>
-          <a:noFill/>
-          <a:extLst>
-            <a:ext uri="{909E8E84-426E-40DD-AFC4-6F175D3DCCD1}">
-              <a14:hiddenFill xmlns:a14="http://schemas.microsoft.com/office/drawing/2010/main">
-                <a:solidFill>
-                  <a:srgbClr val="FFFFFF"/>
-                </a:solidFill>
-              </a14:hiddenFill>
-            </a:ext>
-          </a:extLst>
-        </p:spPr>
-      </p:pic>
-      <p:sp>
-        <p:nvSpPr>
-          <p:cNvPr id="3" name="TextBox 2">
-            <a:extLst>
-              <a:ext uri="{FF2B5EF4-FFF2-40B4-BE49-F238E27FC236}">
-                <a16:creationId xmlns:a16="http://schemas.microsoft.com/office/drawing/2014/main" xmlns="" id="{82BA3D8F-0A8E-4FF7-B54C-4EBEE727EF65}"/>
-              </a:ext>
-            </a:extLst>
-          </p:cNvPr>
-          <p:cNvSpPr txBox="1"/>
-          <p:nvPr/>
-        </p:nvSpPr>
-        <p:spPr>
-          <a:xfrm>
-            <a:off x="1122236" y="1855021"/>
-            <a:ext cx="7416823" cy="1569660"/>
-          </a:xfrm>
-          <a:prstGeom prst="rect">
-            <a:avLst/>
-          </a:prstGeom>
-          <a:noFill/>
-        </p:spPr>
-        <p:txBody>
-          <a:bodyPr wrap="square" rtlCol="0">
-            <a:spAutoFit/>
-          </a:bodyPr>
-          <a:lstStyle/>
-          <a:p>
-            <a:r>
-              <a:rPr lang="ko-KR" altLang="en-US" sz="2400" dirty="0"/>
-              <a:t>이번에는</a:t>
-            </a:r>
-            <a:r>
-              <a:rPr lang="en-US" altLang="ko-KR" sz="2400" dirty="0"/>
-              <a:t>..</a:t>
-            </a:r>
-            <a:r>
-              <a:rPr lang="ko-KR" altLang="en-US" sz="2400" dirty="0"/>
-              <a:t>치밀하게</a:t>
-            </a:r>
-            <a:r>
-              <a:rPr lang="en-US" altLang="ko-KR" sz="2400" dirty="0"/>
-              <a:t>..USB</a:t>
-            </a:r>
-            <a:r>
-              <a:rPr lang="ko-KR" altLang="en-US" sz="2400" dirty="0"/>
-              <a:t>에 모든 영상을 다 담아서 재생하고</a:t>
-            </a:r>
-            <a:r>
-              <a:rPr lang="en-US" altLang="ko-KR" sz="2400" dirty="0"/>
-              <a:t>,</a:t>
-            </a:r>
-            <a:r>
-              <a:rPr lang="ko-KR" altLang="en-US" sz="2400" dirty="0"/>
-              <a:t>썸네일까지 다 지웠는데</a:t>
-            </a:r>
-            <a:r>
-              <a:rPr lang="en-US" altLang="ko-KR" sz="2400" dirty="0"/>
-              <a:t>..?! </a:t>
-            </a:r>
-            <a:r>
-              <a:rPr lang="ko-KR" altLang="en-US" sz="2400" dirty="0"/>
-              <a:t>도대체 어떻게 부모님은 내가 연결한 </a:t>
-            </a:r>
-            <a:r>
-              <a:rPr lang="en-US" altLang="ko-KR" sz="2400" dirty="0"/>
-              <a:t>USB </a:t>
-            </a:r>
-            <a:r>
-              <a:rPr lang="ko-KR" altLang="en-US" sz="2400" dirty="0"/>
-              <a:t>종류까지 </a:t>
-            </a:r>
-            <a:r>
-              <a:rPr lang="ko-KR" altLang="en-US" sz="2400" dirty="0" err="1"/>
-              <a:t>아시는걸까</a:t>
-            </a:r>
-            <a:r>
-              <a:rPr lang="en-US" altLang="ko-KR" sz="2400" dirty="0"/>
-              <a:t>?</a:t>
-            </a:r>
-          </a:p>
-          <a:p>
-            <a:endParaRPr lang="ko-KR" altLang="en-US" sz="2400" dirty="0"/>
-          </a:p>
-        </p:txBody>
-      </p:sp>
-      <p:sp>
-        <p:nvSpPr>
-          <p:cNvPr id="10" name="직사각형 9">
-            <a:extLst>
-              <a:ext uri="{FF2B5EF4-FFF2-40B4-BE49-F238E27FC236}">
-                <a16:creationId xmlns:a16="http://schemas.microsoft.com/office/drawing/2014/main" xmlns="" id="{15C40673-1F99-4199-B34F-3D778CFBD025}"/>
-              </a:ext>
-            </a:extLst>
-          </p:cNvPr>
-          <p:cNvSpPr/>
-          <p:nvPr/>
-        </p:nvSpPr>
-        <p:spPr>
-          <a:xfrm>
-            <a:off x="611560" y="369472"/>
-            <a:ext cx="2736304" cy="307777"/>
-          </a:xfrm>
-          <a:prstGeom prst="rect">
-            <a:avLst/>
-          </a:prstGeom>
-          <a:solidFill>
-            <a:schemeClr val="bg1"/>
-          </a:solidFill>
-          <a:ln>
-            <a:solidFill>
-              <a:schemeClr val="bg1"/>
-            </a:solidFill>
-          </a:ln>
-        </p:spPr>
-        <p:style>
-          <a:lnRef idx="2">
-            <a:schemeClr val="accent1">
-              <a:shade val="50000"/>
-            </a:schemeClr>
-          </a:lnRef>
-          <a:fillRef idx="1">
-            <a:schemeClr val="accent1"/>
-          </a:fillRef>
-          <a:effectRef idx="0">
-            <a:schemeClr val="accent1"/>
-          </a:effectRef>
-          <a:fontRef idx="minor">
-            <a:schemeClr val="lt1"/>
-          </a:fontRef>
-        </p:style>
-        <p:txBody>
-          <a:bodyPr rtlCol="0" anchor="ctr"/>
-          <a:lstStyle/>
-          <a:p>
-            <a:pPr algn="ctr"/>
-            <a:endParaRPr lang="ko-KR" altLang="en-US"/>
-          </a:p>
-        </p:txBody>
-      </p:sp>
-      <p:grpSp>
-        <p:nvGrpSpPr>
-          <p:cNvPr id="11" name="그룹 10">
-            <a:extLst>
-              <a:ext uri="{FF2B5EF4-FFF2-40B4-BE49-F238E27FC236}">
-                <a16:creationId xmlns:a16="http://schemas.microsoft.com/office/drawing/2014/main" xmlns="" id="{CD255973-644F-4985-AE54-B56AF4072C73}"/>
-              </a:ext>
-            </a:extLst>
-          </p:cNvPr>
-          <p:cNvGrpSpPr/>
-          <p:nvPr/>
-        </p:nvGrpSpPr>
-        <p:grpSpPr>
-          <a:xfrm>
-            <a:off x="674529" y="293088"/>
-            <a:ext cx="584109" cy="372260"/>
-            <a:chOff x="767992" y="293986"/>
-            <a:chExt cx="797039" cy="487950"/>
-          </a:xfrm>
-        </p:grpSpPr>
-        <p:sp>
-          <p:nvSpPr>
-            <p:cNvPr id="12" name="자유형 139">
-              <a:extLst>
-                <a:ext uri="{FF2B5EF4-FFF2-40B4-BE49-F238E27FC236}">
-                  <a16:creationId xmlns:a16="http://schemas.microsoft.com/office/drawing/2014/main" xmlns="" id="{0C5A7172-1621-46F3-8B5B-896DB66F9772}"/>
-                </a:ext>
-              </a:extLst>
-            </p:cNvPr>
-            <p:cNvSpPr/>
-            <p:nvPr/>
-          </p:nvSpPr>
-          <p:spPr>
-            <a:xfrm>
-              <a:off x="767992" y="293986"/>
-              <a:ext cx="797039" cy="442723"/>
-            </a:xfrm>
-            <a:custGeom>
-              <a:avLst/>
-              <a:gdLst>
-                <a:gd name="connsiteX0" fmla="*/ 1906329 w 3145074"/>
-                <a:gd name="connsiteY0" fmla="*/ 0 h 1746961"/>
-                <a:gd name="connsiteX1" fmla="*/ 2543211 w 3145074"/>
-                <a:gd name="connsiteY1" fmla="*/ 519074 h 1746961"/>
-                <a:gd name="connsiteX2" fmla="*/ 2550041 w 3145074"/>
-                <a:gd name="connsiteY2" fmla="*/ 586822 h 1746961"/>
-                <a:gd name="connsiteX3" fmla="*/ 2626000 w 3145074"/>
-                <a:gd name="connsiteY3" fmla="*/ 594480 h 1746961"/>
-                <a:gd name="connsiteX4" fmla="*/ 3145074 w 3145074"/>
-                <a:gd name="connsiteY4" fmla="*/ 1231362 h 1746961"/>
-                <a:gd name="connsiteX5" fmla="*/ 2954667 w 3145074"/>
-                <a:gd name="connsiteY5" fmla="*/ 1691045 h 1746961"/>
-                <a:gd name="connsiteX6" fmla="*/ 2886897 w 3145074"/>
-                <a:gd name="connsiteY6" fmla="*/ 1746961 h 1746961"/>
-                <a:gd name="connsiteX7" fmla="*/ 328154 w 3145074"/>
-                <a:gd name="connsiteY7" fmla="*/ 1746961 h 1746961"/>
-                <a:gd name="connsiteX8" fmla="*/ 311080 w 3145074"/>
-                <a:gd name="connsiteY8" fmla="*/ 1741661 h 1746961"/>
-                <a:gd name="connsiteX9" fmla="*/ 0 w 3145074"/>
-                <a:gd name="connsiteY9" fmla="*/ 1272350 h 1746961"/>
-                <a:gd name="connsiteX10" fmla="*/ 406688 w 3145074"/>
-                <a:gd name="connsiteY10" fmla="*/ 773361 h 1746961"/>
-                <a:gd name="connsiteX11" fmla="*/ 471248 w 3145074"/>
-                <a:gd name="connsiteY11" fmla="*/ 766853 h 1746961"/>
-                <a:gd name="connsiteX12" fmla="*/ 478693 w 3145074"/>
-                <a:gd name="connsiteY12" fmla="*/ 742871 h 1746961"/>
-                <a:gd name="connsiteX13" fmla="*/ 1049392 w 3145074"/>
-                <a:gd name="connsiteY13" fmla="*/ 364586 h 1746961"/>
-                <a:gd name="connsiteX14" fmla="*/ 1290480 w 3145074"/>
-                <a:gd name="connsiteY14" fmla="*/ 413260 h 1746961"/>
-                <a:gd name="connsiteX15" fmla="*/ 1300590 w 3145074"/>
-                <a:gd name="connsiteY15" fmla="*/ 418747 h 1746961"/>
-                <a:gd name="connsiteX16" fmla="*/ 1307327 w 3145074"/>
-                <a:gd name="connsiteY16" fmla="*/ 397046 h 1746961"/>
-                <a:gd name="connsiteX17" fmla="*/ 1906329 w 3145074"/>
-                <a:gd name="connsiteY17" fmla="*/ 0 h 1746961"/>
-              </a:gdLst>
-              <a:ahLst/>
-              <a:cxnLst>
-                <a:cxn ang="0">
-                  <a:pos x="connsiteX0" y="connsiteY0"/>
-                </a:cxn>
-                <a:cxn ang="0">
-                  <a:pos x="connsiteX1" y="connsiteY1"/>
-                </a:cxn>
-                <a:cxn ang="0">
-                  <a:pos x="connsiteX2" y="connsiteY2"/>
-                </a:cxn>
-                <a:cxn ang="0">
-                  <a:pos x="connsiteX3" y="connsiteY3"/>
-                </a:cxn>
-                <a:cxn ang="0">
-                  <a:pos x="connsiteX4" y="connsiteY4"/>
-                </a:cxn>
-                <a:cxn ang="0">
-                  <a:pos x="connsiteX5" y="connsiteY5"/>
-                </a:cxn>
-                <a:cxn ang="0">
-                  <a:pos x="connsiteX6" y="connsiteY6"/>
-                </a:cxn>
-                <a:cxn ang="0">
-                  <a:pos x="connsiteX7" y="connsiteY7"/>
-                </a:cxn>
-                <a:cxn ang="0">
-                  <a:pos x="connsiteX8" y="connsiteY8"/>
-                </a:cxn>
-                <a:cxn ang="0">
-                  <a:pos x="connsiteX9" y="connsiteY9"/>
-                </a:cxn>
-                <a:cxn ang="0">
-                  <a:pos x="connsiteX10" y="connsiteY10"/>
-                </a:cxn>
-                <a:cxn ang="0">
-                  <a:pos x="connsiteX11" y="connsiteY11"/>
-                </a:cxn>
-                <a:cxn ang="0">
-                  <a:pos x="connsiteX12" y="connsiteY12"/>
-                </a:cxn>
-                <a:cxn ang="0">
-                  <a:pos x="connsiteX13" y="connsiteY13"/>
-                </a:cxn>
-                <a:cxn ang="0">
-                  <a:pos x="connsiteX14" y="connsiteY14"/>
-                </a:cxn>
-                <a:cxn ang="0">
-                  <a:pos x="connsiteX15" y="connsiteY15"/>
-                </a:cxn>
-                <a:cxn ang="0">
-                  <a:pos x="connsiteX16" y="connsiteY16"/>
-                </a:cxn>
-                <a:cxn ang="0">
-                  <a:pos x="connsiteX17" y="connsiteY17"/>
-                </a:cxn>
-              </a:cxnLst>
-              <a:rect l="l" t="t" r="r" b="b"/>
-              <a:pathLst>
-                <a:path w="3145074" h="1746961">
-                  <a:moveTo>
-                    <a:pt x="1906329" y="0"/>
-                  </a:moveTo>
-                  <a:cubicBezTo>
-                    <a:pt x="2220485" y="0"/>
-                    <a:pt x="2482593" y="222839"/>
-                    <a:pt x="2543211" y="519074"/>
-                  </a:cubicBezTo>
-                  <a:lnTo>
-                    <a:pt x="2550041" y="586822"/>
-                  </a:lnTo>
-                  <a:lnTo>
-                    <a:pt x="2626000" y="594480"/>
-                  </a:lnTo>
-                  <a:cubicBezTo>
-                    <a:pt x="2922235" y="655098"/>
-                    <a:pt x="3145074" y="917206"/>
-                    <a:pt x="3145074" y="1231362"/>
-                  </a:cubicBezTo>
-                  <a:cubicBezTo>
-                    <a:pt x="3145074" y="1410880"/>
-                    <a:pt x="3072310" y="1573402"/>
-                    <a:pt x="2954667" y="1691045"/>
-                  </a:cubicBezTo>
-                  <a:lnTo>
-                    <a:pt x="2886897" y="1746961"/>
-                  </a:lnTo>
-                  <a:lnTo>
-                    <a:pt x="328154" y="1746961"/>
-                  </a:lnTo>
-                  <a:lnTo>
-                    <a:pt x="311080" y="1741661"/>
-                  </a:lnTo>
-                  <a:cubicBezTo>
-                    <a:pt x="128272" y="1664339"/>
-                    <a:pt x="0" y="1483324"/>
-                    <a:pt x="0" y="1272350"/>
-                  </a:cubicBezTo>
-                  <a:cubicBezTo>
-                    <a:pt x="0" y="1026213"/>
-                    <a:pt x="174592" y="820855"/>
-                    <a:pt x="406688" y="773361"/>
-                  </a:cubicBezTo>
-                  <a:lnTo>
-                    <a:pt x="471248" y="766853"/>
-                  </a:lnTo>
-                  <a:lnTo>
-                    <a:pt x="478693" y="742871"/>
-                  </a:lnTo>
-                  <a:cubicBezTo>
-                    <a:pt x="572719" y="520569"/>
-                    <a:pt x="792840" y="364586"/>
-                    <a:pt x="1049392" y="364586"/>
-                  </a:cubicBezTo>
-                  <a:cubicBezTo>
-                    <a:pt x="1134910" y="364586"/>
-                    <a:pt x="1216379" y="381918"/>
-                    <a:pt x="1290480" y="413260"/>
-                  </a:cubicBezTo>
-                  <a:lnTo>
-                    <a:pt x="1300590" y="418747"/>
-                  </a:lnTo>
-                  <a:lnTo>
-                    <a:pt x="1307327" y="397046"/>
-                  </a:lnTo>
-                  <a:cubicBezTo>
-                    <a:pt x="1406016" y="163719"/>
-                    <a:pt x="1637053" y="0"/>
-                    <a:pt x="1906329" y="0"/>
-                  </a:cubicBezTo>
-                  <a:close/>
-                </a:path>
-              </a:pathLst>
-            </a:custGeom>
-            <a:ln/>
-          </p:spPr>
-          <p:style>
-            <a:lnRef idx="2">
-              <a:schemeClr val="accent5">
-                <a:shade val="50000"/>
-              </a:schemeClr>
-            </a:lnRef>
-            <a:fillRef idx="1">
-              <a:schemeClr val="accent5"/>
-            </a:fillRef>
-            <a:effectRef idx="0">
-              <a:schemeClr val="accent5"/>
-            </a:effectRef>
-            <a:fontRef idx="minor">
-              <a:schemeClr val="lt1"/>
-            </a:fontRef>
-          </p:style>
-          <p:txBody>
-            <a:bodyPr wrap="square" rtlCol="0" anchor="ctr">
-              <a:noAutofit/>
-            </a:bodyPr>
-            <a:lstStyle/>
-            <a:p>
-              <a:pPr algn="ctr"/>
-              <a:endParaRPr lang="ko-KR" altLang="en-US" dirty="0"/>
-            </a:p>
-          </p:txBody>
-        </p:sp>
-        <p:sp>
-          <p:nvSpPr>
-            <p:cNvPr id="13" name="TextBox 12">
-              <a:extLst>
-                <a:ext uri="{FF2B5EF4-FFF2-40B4-BE49-F238E27FC236}">
-                  <a16:creationId xmlns:a16="http://schemas.microsoft.com/office/drawing/2014/main" xmlns="" id="{09D80806-0892-4CBB-833A-9F244948D1C1}"/>
-                </a:ext>
-              </a:extLst>
-            </p:cNvPr>
-            <p:cNvSpPr txBox="1"/>
-            <p:nvPr/>
-          </p:nvSpPr>
-          <p:spPr>
-            <a:xfrm>
-              <a:off x="954119" y="297824"/>
-              <a:ext cx="424786" cy="484112"/>
-            </a:xfrm>
-            <a:prstGeom prst="rect">
-              <a:avLst/>
-            </a:prstGeom>
-            <a:noFill/>
-            <a:scene3d>
-              <a:camera prst="obliqueTopLeft"/>
-              <a:lightRig rig="threePt" dir="t"/>
-            </a:scene3d>
-          </p:spPr>
-          <p:txBody>
-            <a:bodyPr wrap="none" rtlCol="0">
-              <a:spAutoFit/>
-            </a:bodyPr>
-            <a:lstStyle/>
-            <a:p>
-              <a:r>
-                <a:rPr lang="en-US" altLang="ko-KR" dirty="0">
-                  <a:solidFill>
-                    <a:schemeClr val="bg1"/>
-                  </a:solidFill>
-                  <a:latin typeface="210 콤퓨타세탁 L" panose="02020603020101020101" pitchFamily="18" charset="-127"/>
-                  <a:ea typeface="210 콤퓨타세탁 L" panose="02020603020101020101" pitchFamily="18" charset="-127"/>
-                </a:rPr>
-                <a:t>3</a:t>
-              </a:r>
-              <a:endParaRPr lang="ko-KR" altLang="en-US" dirty="0">
-                <a:solidFill>
-                  <a:schemeClr val="bg1"/>
-                </a:solidFill>
-                <a:latin typeface="210 콤퓨타세탁 L" panose="02020603020101020101" pitchFamily="18" charset="-127"/>
-                <a:ea typeface="210 콤퓨타세탁 L" panose="02020603020101020101" pitchFamily="18" charset="-127"/>
-              </a:endParaRPr>
-            </a:p>
-          </p:txBody>
-        </p:sp>
-      </p:grpSp>
-      <p:sp>
-        <p:nvSpPr>
-          <p:cNvPr id="14" name="TextBox 13">
-            <a:extLst>
-              <a:ext uri="{FF2B5EF4-FFF2-40B4-BE49-F238E27FC236}">
-                <a16:creationId xmlns:a16="http://schemas.microsoft.com/office/drawing/2014/main" xmlns="" id="{BFC3CC99-192B-4EA9-AFF2-E7E1AF51FB02}"/>
-              </a:ext>
-            </a:extLst>
-          </p:cNvPr>
-          <p:cNvSpPr txBox="1"/>
-          <p:nvPr/>
-        </p:nvSpPr>
-        <p:spPr>
-          <a:xfrm>
-            <a:off x="1258638" y="325125"/>
-            <a:ext cx="2305250" cy="307777"/>
-          </a:xfrm>
-          <a:prstGeom prst="rect">
-            <a:avLst/>
-          </a:prstGeom>
-          <a:noFill/>
-          <a:scene3d>
-            <a:camera prst="obliqueTopLeft"/>
-            <a:lightRig rig="threePt" dir="t"/>
-          </a:scene3d>
-        </p:spPr>
-        <p:txBody>
-          <a:bodyPr wrap="square" rtlCol="0">
-            <a:spAutoFit/>
-          </a:bodyPr>
-          <a:lstStyle/>
-          <a:p>
-            <a:r>
-              <a:rPr lang="en-US" altLang="ko-KR" sz="1400" dirty="0">
-                <a:solidFill>
-                  <a:srgbClr val="565658"/>
-                </a:solidFill>
-                <a:latin typeface="210 콤퓨타세탁 L" panose="02020603020101020101" pitchFamily="18" charset="-127"/>
-                <a:ea typeface="210 콤퓨타세탁 L" panose="02020603020101020101" pitchFamily="18" charset="-127"/>
-              </a:rPr>
-              <a:t>What is Registry?</a:t>
-            </a:r>
-            <a:endParaRPr lang="ko-KR" altLang="en-US" sz="1400" dirty="0">
-              <a:solidFill>
-                <a:srgbClr val="565658"/>
-              </a:solidFill>
-              <a:latin typeface="210 콤퓨타세탁 L" panose="02020603020101020101" pitchFamily="18" charset="-127"/>
-              <a:ea typeface="210 콤퓨타세탁 L" panose="02020603020101020101" pitchFamily="18" charset="-127"/>
-            </a:endParaRPr>
-          </a:p>
-        </p:txBody>
-      </p:sp>
-    </p:spTree>
-    <p:extLst>
-      <p:ext uri="{BB962C8B-B14F-4D97-AF65-F5344CB8AC3E}">
-        <p14:creationId xmlns:p14="http://schemas.microsoft.com/office/powerpoint/2010/main" val="1801944593"/>
-      </p:ext>
-    </p:extLst>
-  </p:cSld>
-  <p:clrMapOvr>
-    <a:masterClrMapping/>
-  </p:clrMapOvr>
-  <p:transition spd="slow">
-    <p:push dir="u"/>
-  </p:transition>
-  <p:timing>
-    <p:tnLst>
-      <p:par>
-        <p:cTn id="1" dur="indefinite" restart="never" nodeType="tmRoot"/>
-      </p:par>
-    </p:tnLst>
-  </p:timing>
-</p:sld>
-</file>
-
-<file path=ppt/slides/slide22.xml><?xml version="1.0" encoding="utf-8"?>
+<file path=ppt/slides/slide19.xml><?xml version="1.0" encoding="utf-8"?>
 <p:sld xmlns:a="http://schemas.openxmlformats.org/drawingml/2006/main" xmlns:r="http://schemas.openxmlformats.org/officeDocument/2006/relationships" xmlns:p="http://schemas.openxmlformats.org/presentationml/2006/main">
   <p:cSld>
     <p:spTree>
@@ -18895,7 +16267,272 @@
 </p:sld>
 </file>
 
-<file path=ppt/slides/slide23.xml><?xml version="1.0" encoding="utf-8"?>
+<file path=ppt/slides/slide2.xml><?xml version="1.0" encoding="utf-8"?>
+<p:sld xmlns:a="http://schemas.openxmlformats.org/drawingml/2006/main" xmlns:r="http://schemas.openxmlformats.org/officeDocument/2006/relationships" xmlns:p="http://schemas.openxmlformats.org/presentationml/2006/main">
+  <p:cSld>
+    <p:spTree>
+      <p:nvGrpSpPr>
+        <p:cNvPr id="1" name=""/>
+        <p:cNvGrpSpPr/>
+        <p:nvPr/>
+      </p:nvGrpSpPr>
+      <p:grpSpPr>
+        <a:xfrm>
+          <a:off x="0" y="0"/>
+          <a:ext cx="0" cy="0"/>
+          <a:chOff x="0" y="0"/>
+          <a:chExt cx="0" cy="0"/>
+        </a:xfrm>
+      </p:grpSpPr>
+      <p:sp>
+        <p:nvSpPr>
+          <p:cNvPr id="15" name="TextBox 14">
+            <a:extLst>
+              <a:ext uri="{FF2B5EF4-FFF2-40B4-BE49-F238E27FC236}">
+                <a16:creationId xmlns:a16="http://schemas.microsoft.com/office/drawing/2014/main" xmlns="" id="{866EBAB6-DF32-49A6-802E-798AB8E30EA6}"/>
+              </a:ext>
+            </a:extLst>
+          </p:cNvPr>
+          <p:cNvSpPr txBox="1"/>
+          <p:nvPr/>
+        </p:nvSpPr>
+        <p:spPr>
+          <a:xfrm>
+            <a:off x="3563888" y="3060133"/>
+            <a:ext cx="4788024" cy="369332"/>
+          </a:xfrm>
+          <a:prstGeom prst="rect">
+            <a:avLst/>
+          </a:prstGeom>
+          <a:noFill/>
+        </p:spPr>
+        <p:txBody>
+          <a:bodyPr wrap="square">
+            <a:spAutoFit/>
+          </a:bodyPr>
+          <a:lstStyle/>
+          <a:p>
+            <a:pPr fontAlgn="auto">
+              <a:spcBef>
+                <a:spcPts val="0"/>
+              </a:spcBef>
+              <a:spcAft>
+                <a:spcPts val="0"/>
+              </a:spcAft>
+              <a:defRPr/>
+            </a:pPr>
+            <a:r>
+              <a:rPr kumimoji="0" lang="ko-KR" altLang="en-US" b="1" dirty="0" err="1">
+                <a:solidFill>
+                  <a:schemeClr val="tx1">
+                    <a:lumMod val="75000"/>
+                    <a:lumOff val="25000"/>
+                  </a:schemeClr>
+                </a:solidFill>
+                <a:latin typeface="Arial" pitchFamily="34" charset="0"/>
+                <a:cs typeface="Arial" pitchFamily="34" charset="0"/>
+              </a:rPr>
+              <a:t>한우영</a:t>
+            </a:r>
+            <a:endParaRPr kumimoji="0" lang="en-US" altLang="ko-KR" b="1" dirty="0">
+              <a:solidFill>
+                <a:schemeClr val="tx1">
+                  <a:lumMod val="75000"/>
+                  <a:lumOff val="25000"/>
+                </a:schemeClr>
+              </a:solidFill>
+              <a:latin typeface="Arial" pitchFamily="34" charset="0"/>
+              <a:cs typeface="Arial" pitchFamily="34" charset="0"/>
+            </a:endParaRPr>
+          </a:p>
+        </p:txBody>
+      </p:sp>
+      <p:sp>
+        <p:nvSpPr>
+          <p:cNvPr id="16" name="TextBox 1">
+            <a:extLst>
+              <a:ext uri="{FF2B5EF4-FFF2-40B4-BE49-F238E27FC236}">
+                <a16:creationId xmlns:a16="http://schemas.microsoft.com/office/drawing/2014/main" xmlns="" id="{54591631-63D7-4C9B-8ADA-36A4697B5584}"/>
+              </a:ext>
+            </a:extLst>
+          </p:cNvPr>
+          <p:cNvSpPr txBox="1">
+            <a:spLocks noChangeArrowheads="1"/>
+          </p:cNvSpPr>
+          <p:nvPr/>
+        </p:nvSpPr>
+        <p:spPr bwMode="auto">
+          <a:xfrm>
+            <a:off x="3563888" y="1859804"/>
+            <a:ext cx="4788024" cy="1200329"/>
+          </a:xfrm>
+          <a:prstGeom prst="rect">
+            <a:avLst/>
+          </a:prstGeom>
+          <a:noFill/>
+          <a:ln w="9525">
+            <a:noFill/>
+            <a:miter lim="800000"/>
+            <a:headEnd/>
+            <a:tailEnd/>
+          </a:ln>
+        </p:spPr>
+        <p:txBody>
+          <a:bodyPr wrap="square">
+            <a:spAutoFit/>
+          </a:bodyPr>
+          <a:lstStyle/>
+          <a:p>
+            <a:r>
+              <a:rPr lang="ko-KR" altLang="en-US" sz="3600" b="1" dirty="0">
+                <a:solidFill>
+                  <a:schemeClr val="tx1">
+                    <a:lumMod val="75000"/>
+                    <a:lumOff val="25000"/>
+                  </a:schemeClr>
+                </a:solidFill>
+                <a:latin typeface="Arial" pitchFamily="34" charset="0"/>
+                <a:ea typeface="맑은 고딕" pitchFamily="50" charset="-127"/>
+                <a:cs typeface="Arial" pitchFamily="34" charset="0"/>
+              </a:rPr>
+              <a:t>나의 흔적 숨기기</a:t>
+            </a:r>
+            <a:r>
+              <a:rPr lang="en-US" altLang="ko-KR" sz="3600" b="1" dirty="0">
+                <a:solidFill>
+                  <a:schemeClr val="tx1">
+                    <a:lumMod val="75000"/>
+                    <a:lumOff val="25000"/>
+                  </a:schemeClr>
+                </a:solidFill>
+                <a:latin typeface="Arial" pitchFamily="34" charset="0"/>
+                <a:ea typeface="맑은 고딕" pitchFamily="50" charset="-127"/>
+                <a:cs typeface="Arial" pitchFamily="34" charset="0"/>
+              </a:rPr>
+              <a:t>,</a:t>
+            </a:r>
+          </a:p>
+          <a:p>
+            <a:r>
+              <a:rPr lang="en-US" altLang="ko-KR" sz="3600" b="1" dirty="0">
+                <a:solidFill>
+                  <a:schemeClr val="tx1">
+                    <a:lumMod val="75000"/>
+                    <a:lumOff val="25000"/>
+                  </a:schemeClr>
+                </a:solidFill>
+                <a:latin typeface="Arial" pitchFamily="34" charset="0"/>
+                <a:ea typeface="맑은 고딕" pitchFamily="50" charset="-127"/>
+                <a:cs typeface="Arial" pitchFamily="34" charset="0"/>
+              </a:rPr>
+              <a:t>	 </a:t>
+            </a:r>
+            <a:r>
+              <a:rPr lang="ko-KR" altLang="en-US" sz="3600" b="1" dirty="0">
+                <a:solidFill>
+                  <a:schemeClr val="tx1">
+                    <a:lumMod val="75000"/>
+                    <a:lumOff val="25000"/>
+                  </a:schemeClr>
+                </a:solidFill>
+                <a:latin typeface="Arial" pitchFamily="34" charset="0"/>
+                <a:ea typeface="맑은 고딕" pitchFamily="50" charset="-127"/>
+                <a:cs typeface="Arial" pitchFamily="34" charset="0"/>
+              </a:rPr>
+              <a:t>너의 흔적 찾기</a:t>
+            </a:r>
+            <a:endParaRPr lang="en-US" altLang="ko-KR" sz="3600" b="1" dirty="0">
+              <a:solidFill>
+                <a:schemeClr val="tx1">
+                  <a:lumMod val="75000"/>
+                  <a:lumOff val="25000"/>
+                </a:schemeClr>
+              </a:solidFill>
+              <a:latin typeface="Arial" pitchFamily="34" charset="0"/>
+              <a:ea typeface="맑은 고딕" pitchFamily="50" charset="-127"/>
+              <a:cs typeface="Arial" pitchFamily="34" charset="0"/>
+            </a:endParaRPr>
+          </a:p>
+        </p:txBody>
+      </p:sp>
+      <p:sp>
+        <p:nvSpPr>
+          <p:cNvPr id="17" name="Rectangle 1">
+            <a:extLst>
+              <a:ext uri="{FF2B5EF4-FFF2-40B4-BE49-F238E27FC236}">
+                <a16:creationId xmlns:a16="http://schemas.microsoft.com/office/drawing/2014/main" xmlns="" id="{88ADEE7B-AB18-46F2-ABE2-F68C4F29073A}"/>
+              </a:ext>
+            </a:extLst>
+          </p:cNvPr>
+          <p:cNvSpPr/>
+          <p:nvPr/>
+        </p:nvSpPr>
+        <p:spPr>
+          <a:xfrm>
+            <a:off x="3167336" y="2009830"/>
+            <a:ext cx="144016" cy="1450997"/>
+          </a:xfrm>
+          <a:prstGeom prst="rect">
+            <a:avLst/>
+          </a:prstGeom>
+          <a:solidFill>
+            <a:schemeClr val="bg1">
+              <a:lumMod val="85000"/>
+            </a:schemeClr>
+          </a:solidFill>
+          <a:ln>
+            <a:noFill/>
+          </a:ln>
+        </p:spPr>
+        <p:style>
+          <a:lnRef idx="2">
+            <a:schemeClr val="accent1">
+              <a:shade val="50000"/>
+            </a:schemeClr>
+          </a:lnRef>
+          <a:fillRef idx="1">
+            <a:schemeClr val="accent1"/>
+          </a:fillRef>
+          <a:effectRef idx="0">
+            <a:schemeClr val="accent1"/>
+          </a:effectRef>
+          <a:fontRef idx="minor">
+            <a:schemeClr val="lt1"/>
+          </a:fontRef>
+        </p:style>
+        <p:txBody>
+          <a:bodyPr rtlCol="0" anchor="ctr"/>
+          <a:lstStyle/>
+          <a:p>
+            <a:pPr algn="ctr"/>
+            <a:endParaRPr lang="ko-KR" altLang="en-US"/>
+          </a:p>
+        </p:txBody>
+      </p:sp>
+    </p:spTree>
+    <p:extLst>
+      <p:ext uri="{BB962C8B-B14F-4D97-AF65-F5344CB8AC3E}">
+        <p14:creationId xmlns:p14="http://schemas.microsoft.com/office/powerpoint/2010/main" val="303447833"/>
+      </p:ext>
+    </p:extLst>
+  </p:cSld>
+  <p:clrMapOvr>
+    <a:masterClrMapping/>
+  </p:clrMapOvr>
+  <p:transition spd="slow">
+    <p:push dir="u"/>
+  </p:transition>
+  <p:timing>
+    <p:tnLst>
+      <p:par>
+        <p:cTn id="1" dur="indefinite" restart="never" nodeType="tmRoot"/>
+      </p:par>
+    </p:tnLst>
+  </p:timing>
+</p:sld>
+</file>
+
+<file path=ppt/slides/slide20.xml><?xml version="1.0" encoding="utf-8"?>
 <p:sld xmlns:a="http://schemas.openxmlformats.org/drawingml/2006/main" xmlns:r="http://schemas.openxmlformats.org/officeDocument/2006/relationships" xmlns:p="http://schemas.openxmlformats.org/presentationml/2006/main">
   <p:cSld>
     <p:spTree>
@@ -19845,7 +17482,7 @@
 </p:sld>
 </file>
 
-<file path=ppt/slides/slide24.xml><?xml version="1.0" encoding="utf-8"?>
+<file path=ppt/slides/slide21.xml><?xml version="1.0" encoding="utf-8"?>
 <p:sld xmlns:a="http://schemas.openxmlformats.org/drawingml/2006/main" xmlns:r="http://schemas.openxmlformats.org/officeDocument/2006/relationships" xmlns:p="http://schemas.openxmlformats.org/presentationml/2006/main">
   <p:cSld>
     <p:spTree>
@@ -20914,7 +18551,7 @@
 </p:sld>
 </file>
 
-<file path=ppt/slides/slide25.xml><?xml version="1.0" encoding="utf-8"?>
+<file path=ppt/slides/slide22.xml><?xml version="1.0" encoding="utf-8"?>
 <p:sld xmlns:a="http://schemas.openxmlformats.org/drawingml/2006/main" xmlns:r="http://schemas.openxmlformats.org/officeDocument/2006/relationships" xmlns:p="http://schemas.openxmlformats.org/presentationml/2006/main">
   <p:cSld>
     <p:spTree>
@@ -22166,7 +19803,7 @@
 </p:sld>
 </file>
 
-<file path=ppt/slides/slide26.xml><?xml version="1.0" encoding="utf-8"?>
+<file path=ppt/slides/slide23.xml><?xml version="1.0" encoding="utf-8"?>
 <p:sld xmlns:a="http://schemas.openxmlformats.org/drawingml/2006/main" xmlns:r="http://schemas.openxmlformats.org/officeDocument/2006/relationships" xmlns:p="http://schemas.openxmlformats.org/presentationml/2006/main">
   <p:cSld>
     <p:spTree>
@@ -23260,7 +20897,7 @@
 </p:sld>
 </file>
 
-<file path=ppt/slides/slide27.xml><?xml version="1.0" encoding="utf-8"?>
+<file path=ppt/slides/slide24.xml><?xml version="1.0" encoding="utf-8"?>
 <p:sld xmlns:a="http://schemas.openxmlformats.org/drawingml/2006/main" xmlns:r="http://schemas.openxmlformats.org/officeDocument/2006/relationships" xmlns:p="http://schemas.openxmlformats.org/presentationml/2006/main">
   <p:cSld>
     <p:spTree>
@@ -23421,931 +21058,7 @@
 </p:sld>
 </file>
 
-<file path=ppt/slides/slide28.xml><?xml version="1.0" encoding="utf-8"?>
-<p:sld xmlns:a="http://schemas.openxmlformats.org/drawingml/2006/main" xmlns:r="http://schemas.openxmlformats.org/officeDocument/2006/relationships" xmlns:p="http://schemas.openxmlformats.org/presentationml/2006/main">
-  <p:cSld>
-    <p:spTree>
-      <p:nvGrpSpPr>
-        <p:cNvPr id="1" name=""/>
-        <p:cNvGrpSpPr/>
-        <p:nvPr/>
-      </p:nvGrpSpPr>
-      <p:grpSpPr>
-        <a:xfrm>
-          <a:off x="0" y="0"/>
-          <a:ext cx="0" cy="0"/>
-          <a:chOff x="0" y="0"/>
-          <a:chExt cx="0" cy="0"/>
-        </a:xfrm>
-      </p:grpSpPr>
-      <p:sp>
-        <p:nvSpPr>
-          <p:cNvPr id="19" name="직사각형 18">
-            <a:extLst>
-              <a:ext uri="{FF2B5EF4-FFF2-40B4-BE49-F238E27FC236}">
-                <a16:creationId xmlns:a16="http://schemas.microsoft.com/office/drawing/2014/main" xmlns="" id="{18F23432-9C65-41A4-A80F-36BDC8CE29D3}"/>
-              </a:ext>
-            </a:extLst>
-          </p:cNvPr>
-          <p:cNvSpPr/>
-          <p:nvPr/>
-        </p:nvSpPr>
-        <p:spPr>
-          <a:xfrm>
-            <a:off x="426152" y="448236"/>
-            <a:ext cx="8291696" cy="4247028"/>
-          </a:xfrm>
-          <a:prstGeom prst="rect">
-            <a:avLst/>
-          </a:prstGeom>
-          <a:noFill/>
-          <a:ln w="25400">
-            <a:solidFill>
-              <a:schemeClr val="bg1">
-                <a:lumMod val="65000"/>
-              </a:schemeClr>
-            </a:solidFill>
-          </a:ln>
-          <a:effectLst/>
-        </p:spPr>
-        <p:style>
-          <a:lnRef idx="2">
-            <a:schemeClr val="accent1">
-              <a:shade val="50000"/>
-            </a:schemeClr>
-          </a:lnRef>
-          <a:fillRef idx="1">
-            <a:schemeClr val="accent1"/>
-          </a:fillRef>
-          <a:effectRef idx="0">
-            <a:schemeClr val="accent1"/>
-          </a:effectRef>
-          <a:fontRef idx="minor">
-            <a:schemeClr val="lt1"/>
-          </a:fontRef>
-        </p:style>
-        <p:txBody>
-          <a:bodyPr rtlCol="0" anchor="ctr"/>
-          <a:lstStyle/>
-          <a:p>
-            <a:pPr algn="ctr"/>
-            <a:endParaRPr lang="ko-KR" altLang="en-US"/>
-          </a:p>
-        </p:txBody>
-      </p:sp>
-      <p:sp>
-        <p:nvSpPr>
-          <p:cNvPr id="3" name="TextBox 2">
-            <a:extLst>
-              <a:ext uri="{FF2B5EF4-FFF2-40B4-BE49-F238E27FC236}">
-                <a16:creationId xmlns:a16="http://schemas.microsoft.com/office/drawing/2014/main" xmlns="" id="{82BA3D8F-0A8E-4FF7-B54C-4EBEE727EF65}"/>
-              </a:ext>
-            </a:extLst>
-          </p:cNvPr>
-          <p:cNvSpPr txBox="1"/>
-          <p:nvPr/>
-        </p:nvSpPr>
-        <p:spPr>
-          <a:xfrm>
-            <a:off x="539552" y="1203598"/>
-            <a:ext cx="11002249" cy="2308324"/>
-          </a:xfrm>
-          <a:prstGeom prst="rect">
-            <a:avLst/>
-          </a:prstGeom>
-          <a:noFill/>
-        </p:spPr>
-        <p:txBody>
-          <a:bodyPr wrap="square" rtlCol="0">
-            <a:spAutoFit/>
-          </a:bodyPr>
-          <a:lstStyle/>
-          <a:p>
-            <a:r>
-              <a:rPr lang="ko-KR" altLang="en-US" sz="2400" dirty="0">
-                <a:latin typeface="나눔바른고딕" panose="020B0603020101020101" pitchFamily="50" charset="-127"/>
-                <a:ea typeface="나눔바른고딕" panose="020B0603020101020101" pitchFamily="50" charset="-127"/>
-              </a:rPr>
-              <a:t>부모님께서는 나보고 게임을 너무 많이 한다고</a:t>
-            </a:r>
-            <a:endParaRPr lang="en-US" altLang="ko-KR" sz="2400" dirty="0">
-              <a:latin typeface="나눔바른고딕" panose="020B0603020101020101" pitchFamily="50" charset="-127"/>
-              <a:ea typeface="나눔바른고딕" panose="020B0603020101020101" pitchFamily="50" charset="-127"/>
-            </a:endParaRPr>
-          </a:p>
-          <a:p>
-            <a:r>
-              <a:rPr lang="ko-KR" altLang="en-US" sz="2400" dirty="0">
-                <a:latin typeface="나눔바른고딕" panose="020B0603020101020101" pitchFamily="50" charset="-127"/>
-                <a:ea typeface="나눔바른고딕" panose="020B0603020101020101" pitchFamily="50" charset="-127"/>
-              </a:rPr>
-              <a:t>이제부터 게임을 하면 </a:t>
-            </a:r>
-            <a:r>
-              <a:rPr lang="en-US" altLang="ko-KR" sz="2400" dirty="0">
-                <a:latin typeface="나눔바른고딕" panose="020B0603020101020101" pitchFamily="50" charset="-127"/>
-                <a:ea typeface="나눔바른고딕" panose="020B0603020101020101" pitchFamily="50" charset="-127"/>
-              </a:rPr>
-              <a:t>“</a:t>
-            </a:r>
-            <a:r>
-              <a:rPr lang="ko-KR" altLang="en-US" sz="2400" dirty="0">
-                <a:latin typeface="나눔바른고딕" panose="020B0603020101020101" pitchFamily="50" charset="-127"/>
-                <a:ea typeface="나눔바른고딕" panose="020B0603020101020101" pitchFamily="50" charset="-127"/>
-              </a:rPr>
-              <a:t>컴퓨터를 부숴버릴 꺼야</a:t>
-            </a:r>
-            <a:r>
-              <a:rPr lang="en-US" altLang="ko-KR" sz="2400" dirty="0">
-                <a:latin typeface="나눔바른고딕" panose="020B0603020101020101" pitchFamily="50" charset="-127"/>
-                <a:ea typeface="나눔바른고딕" panose="020B0603020101020101" pitchFamily="50" charset="-127"/>
-              </a:rPr>
-              <a:t>!”</a:t>
-            </a:r>
-          </a:p>
-          <a:p>
-            <a:r>
-              <a:rPr lang="ko-KR" altLang="en-US" sz="2400" dirty="0" err="1">
-                <a:latin typeface="나눔바른고딕" panose="020B0603020101020101" pitchFamily="50" charset="-127"/>
-                <a:ea typeface="나눔바른고딕" panose="020B0603020101020101" pitchFamily="50" charset="-127"/>
-              </a:rPr>
-              <a:t>라고</a:t>
-            </a:r>
-            <a:r>
-              <a:rPr lang="ko-KR" altLang="en-US" sz="2400" dirty="0">
-                <a:latin typeface="나눔바른고딕" panose="020B0603020101020101" pitchFamily="50" charset="-127"/>
-                <a:ea typeface="나눔바른고딕" panose="020B0603020101020101" pitchFamily="50" charset="-127"/>
-              </a:rPr>
-              <a:t> 말씀하셨다</a:t>
-            </a:r>
-            <a:r>
-              <a:rPr lang="en-US" altLang="ko-KR" sz="2400" dirty="0">
-                <a:latin typeface="나눔바른고딕" panose="020B0603020101020101" pitchFamily="50" charset="-127"/>
-                <a:ea typeface="나눔바른고딕" panose="020B0603020101020101" pitchFamily="50" charset="-127"/>
-              </a:rPr>
-              <a:t>. </a:t>
-            </a:r>
-            <a:r>
-              <a:rPr lang="ko-KR" altLang="en-US" sz="2400" dirty="0">
-                <a:latin typeface="나눔바른고딕" panose="020B0603020101020101" pitchFamily="50" charset="-127"/>
-                <a:ea typeface="나눔바른고딕" panose="020B0603020101020101" pitchFamily="50" charset="-127"/>
-              </a:rPr>
-              <a:t>근데 오늘은 경험치 버프 주는 날인데</a:t>
-            </a:r>
-            <a:r>
-              <a:rPr lang="en-US" altLang="ko-KR" sz="2400" dirty="0">
-                <a:latin typeface="나눔바른고딕" panose="020B0603020101020101" pitchFamily="50" charset="-127"/>
-                <a:ea typeface="나눔바른고딕" panose="020B0603020101020101" pitchFamily="50" charset="-127"/>
-              </a:rPr>
-              <a:t>..</a:t>
-            </a:r>
-          </a:p>
-          <a:p>
-            <a:r>
-              <a:rPr lang="en-US" altLang="ko-KR" sz="2400" dirty="0">
-                <a:latin typeface="나눔바른고딕" panose="020B0603020101020101" pitchFamily="50" charset="-127"/>
-                <a:ea typeface="나눔바른고딕" panose="020B0603020101020101" pitchFamily="50" charset="-127"/>
-              </a:rPr>
-              <a:t>“CCTV</a:t>
-            </a:r>
-            <a:r>
-              <a:rPr lang="ko-KR" altLang="en-US" sz="2400" dirty="0">
-                <a:latin typeface="나눔바른고딕" panose="020B0603020101020101" pitchFamily="50" charset="-127"/>
-                <a:ea typeface="나눔바른고딕" panose="020B0603020101020101" pitchFamily="50" charset="-127"/>
-              </a:rPr>
-              <a:t>도 없는데 설마 </a:t>
-            </a:r>
-            <a:r>
-              <a:rPr lang="ko-KR" altLang="en-US" sz="2400" dirty="0" err="1">
-                <a:latin typeface="나눔바른고딕" panose="020B0603020101020101" pitchFamily="50" charset="-127"/>
-                <a:ea typeface="나눔바른고딕" panose="020B0603020101020101" pitchFamily="50" charset="-127"/>
-              </a:rPr>
-              <a:t>아시겠어</a:t>
-            </a:r>
-            <a:r>
-              <a:rPr lang="en-US" altLang="ko-KR" sz="2400" dirty="0">
-                <a:latin typeface="나눔바른고딕" panose="020B0603020101020101" pitchFamily="50" charset="-127"/>
-                <a:ea typeface="나눔바른고딕" panose="020B0603020101020101" pitchFamily="50" charset="-127"/>
-              </a:rPr>
-              <a:t>?” </a:t>
-            </a:r>
-            <a:r>
-              <a:rPr lang="ko-KR" altLang="en-US" sz="2400" dirty="0">
-                <a:latin typeface="나눔바른고딕" panose="020B0603020101020101" pitchFamily="50" charset="-127"/>
-                <a:ea typeface="나눔바른고딕" panose="020B0603020101020101" pitchFamily="50" charset="-127"/>
-              </a:rPr>
-              <a:t>라며 </a:t>
-            </a:r>
-            <a:r>
-              <a:rPr lang="ko-KR" altLang="en-US" sz="2400" dirty="0" smtClean="0">
-                <a:latin typeface="나눔바른고딕" panose="020B0603020101020101" pitchFamily="50" charset="-127"/>
-                <a:ea typeface="나눔바른고딕" panose="020B0603020101020101" pitchFamily="50" charset="-127"/>
-              </a:rPr>
-              <a:t>외출한</a:t>
-            </a:r>
-            <a:r>
-              <a:rPr lang="ko-KR" altLang="en-US" sz="2400" dirty="0" smtClean="0">
-                <a:latin typeface="나눔바른고딕" panose="020B0603020101020101" pitchFamily="50" charset="-127"/>
-                <a:ea typeface="나눔바른고딕" panose="020B0603020101020101" pitchFamily="50" charset="-127"/>
-              </a:rPr>
-              <a:t> </a:t>
-            </a:r>
-            <a:r>
-              <a:rPr lang="ko-KR" altLang="en-US" sz="2400" dirty="0" smtClean="0">
-                <a:latin typeface="나눔바른고딕" panose="020B0603020101020101" pitchFamily="50" charset="-127"/>
-                <a:ea typeface="나눔바른고딕" panose="020B0603020101020101" pitchFamily="50" charset="-127"/>
-              </a:rPr>
-              <a:t>사이</a:t>
-            </a:r>
-            <a:r>
-              <a:rPr lang="en-US" altLang="ko-KR" sz="2400" dirty="0" smtClean="0">
-                <a:latin typeface="나눔바른고딕" panose="020B0603020101020101" pitchFamily="50" charset="-127"/>
-                <a:ea typeface="나눔바른고딕" panose="020B0603020101020101" pitchFamily="50" charset="-127"/>
-              </a:rPr>
-              <a:t> </a:t>
-            </a:r>
-            <a:r>
-              <a:rPr lang="ko-KR" altLang="en-US" sz="2400" dirty="0">
-                <a:latin typeface="나눔바른고딕" panose="020B0603020101020101" pitchFamily="50" charset="-127"/>
-                <a:ea typeface="나눔바른고딕" panose="020B0603020101020101" pitchFamily="50" charset="-127"/>
-              </a:rPr>
-              <a:t>게임을 </a:t>
-            </a:r>
-            <a:endParaRPr lang="en-US" altLang="ko-KR" sz="2400" dirty="0">
-              <a:latin typeface="나눔바른고딕" panose="020B0603020101020101" pitchFamily="50" charset="-127"/>
-              <a:ea typeface="나눔바른고딕" panose="020B0603020101020101" pitchFamily="50" charset="-127"/>
-            </a:endParaRPr>
-          </a:p>
-          <a:p>
-            <a:r>
-              <a:rPr lang="ko-KR" altLang="en-US" sz="2400" dirty="0" smtClean="0">
-                <a:latin typeface="나눔바른고딕" panose="020B0603020101020101" pitchFamily="50" charset="-127"/>
-                <a:ea typeface="나눔바른고딕" panose="020B0603020101020101" pitchFamily="50" charset="-127"/>
-              </a:rPr>
-              <a:t>하고</a:t>
-            </a:r>
-            <a:r>
-              <a:rPr lang="ko-KR" altLang="en-US" sz="2400" dirty="0" smtClean="0">
-                <a:latin typeface="나눔바른고딕" panose="020B0603020101020101" pitchFamily="50" charset="-127"/>
-                <a:ea typeface="나눔바른고딕" panose="020B0603020101020101" pitchFamily="50" charset="-127"/>
-              </a:rPr>
-              <a:t> </a:t>
-            </a:r>
-            <a:r>
-              <a:rPr lang="ko-KR" altLang="en-US" sz="2400" dirty="0" smtClean="0">
-                <a:latin typeface="나눔바른고딕" panose="020B0603020101020101" pitchFamily="50" charset="-127"/>
-                <a:ea typeface="나눔바른고딕" panose="020B0603020101020101" pitchFamily="50" charset="-127"/>
-              </a:rPr>
-              <a:t>난 </a:t>
-            </a:r>
-            <a:r>
-              <a:rPr lang="ko-KR" altLang="en-US" sz="2400" dirty="0">
-                <a:latin typeface="나눔바른고딕" panose="020B0603020101020101" pitchFamily="50" charset="-127"/>
-                <a:ea typeface="나눔바른고딕" panose="020B0603020101020101" pitchFamily="50" charset="-127"/>
-              </a:rPr>
-              <a:t>뒤</a:t>
-            </a:r>
-            <a:r>
-              <a:rPr lang="en-US" altLang="ko-KR" sz="2400" dirty="0">
-                <a:latin typeface="나눔바른고딕" panose="020B0603020101020101" pitchFamily="50" charset="-127"/>
-                <a:ea typeface="나눔바른고딕" panose="020B0603020101020101" pitchFamily="50" charset="-127"/>
-              </a:rPr>
-              <a:t>..</a:t>
-            </a:r>
-            <a:r>
-              <a:rPr lang="ko-KR" altLang="en-US" sz="2400" dirty="0">
-                <a:latin typeface="나눔바른고딕" panose="020B0603020101020101" pitchFamily="50" charset="-127"/>
-                <a:ea typeface="나눔바른고딕" panose="020B0603020101020101" pitchFamily="50" charset="-127"/>
-              </a:rPr>
-              <a:t>부모님이 돌아오셔서 </a:t>
-            </a:r>
-            <a:r>
-              <a:rPr lang="ko-KR" altLang="en-US" sz="2400" dirty="0" smtClean="0">
-                <a:latin typeface="나눔바른고딕" panose="020B0603020101020101" pitchFamily="50" charset="-127"/>
-                <a:ea typeface="나눔바른고딕" panose="020B0603020101020101" pitchFamily="50" charset="-127"/>
-              </a:rPr>
-              <a:t>내가 게임하던 시간까지</a:t>
-            </a:r>
-          </a:p>
-          <a:p>
-            <a:r>
-              <a:rPr lang="ko-KR" altLang="en-US" sz="2400" dirty="0" smtClean="0">
-                <a:latin typeface="나눔바른고딕" panose="020B0603020101020101" pitchFamily="50" charset="-127"/>
-                <a:ea typeface="나눔바른고딕" panose="020B0603020101020101" pitchFamily="50" charset="-127"/>
-              </a:rPr>
-              <a:t>초단위로 </a:t>
-            </a:r>
-            <a:r>
-              <a:rPr lang="ko-KR" altLang="en-US" sz="2400" dirty="0" smtClean="0">
-                <a:latin typeface="나눔바른고딕" panose="020B0603020101020101" pitchFamily="50" charset="-127"/>
-                <a:ea typeface="나눔바른고딕" panose="020B0603020101020101" pitchFamily="50" charset="-127"/>
-              </a:rPr>
-              <a:t>찾으셨다</a:t>
-            </a:r>
-            <a:r>
-              <a:rPr lang="mr-IN" altLang="ko-KR" sz="2400" dirty="0" smtClean="0">
-                <a:latin typeface="나눔바른고딕" panose="020B0603020101020101" pitchFamily="50" charset="-127"/>
-                <a:ea typeface="나눔바른고딕" panose="020B0603020101020101" pitchFamily="50" charset="-127"/>
-              </a:rPr>
-              <a:t>…</a:t>
-            </a:r>
-            <a:r>
-              <a:rPr lang="en-US" altLang="ko-KR" sz="2400" dirty="0" smtClean="0">
-                <a:latin typeface="나눔바른고딕" panose="020B0603020101020101" pitchFamily="50" charset="-127"/>
-                <a:ea typeface="나눔바른고딕" panose="020B0603020101020101" pitchFamily="50" charset="-127"/>
-              </a:rPr>
-              <a:t>?</a:t>
-            </a:r>
-            <a:endParaRPr lang="en-US" altLang="ko-KR" sz="2400" dirty="0">
-              <a:latin typeface="나눔바른고딕" panose="020B0603020101020101" pitchFamily="50" charset="-127"/>
-              <a:ea typeface="나눔바른고딕" panose="020B0603020101020101" pitchFamily="50" charset="-127"/>
-            </a:endParaRPr>
-          </a:p>
-        </p:txBody>
-      </p:sp>
-      <p:sp>
-        <p:nvSpPr>
-          <p:cNvPr id="10" name="직사각형 9">
-            <a:extLst>
-              <a:ext uri="{FF2B5EF4-FFF2-40B4-BE49-F238E27FC236}">
-                <a16:creationId xmlns:a16="http://schemas.microsoft.com/office/drawing/2014/main" xmlns="" id="{3731728A-EDED-4E39-B617-9746BB2A1F3C}"/>
-              </a:ext>
-            </a:extLst>
-          </p:cNvPr>
-          <p:cNvSpPr/>
-          <p:nvPr/>
-        </p:nvSpPr>
-        <p:spPr>
-          <a:xfrm>
-            <a:off x="611560" y="369472"/>
-            <a:ext cx="2428415" cy="307777"/>
-          </a:xfrm>
-          <a:prstGeom prst="rect">
-            <a:avLst/>
-          </a:prstGeom>
-          <a:solidFill>
-            <a:schemeClr val="bg1"/>
-          </a:solidFill>
-          <a:ln>
-            <a:solidFill>
-              <a:schemeClr val="bg1"/>
-            </a:solidFill>
-          </a:ln>
-        </p:spPr>
-        <p:style>
-          <a:lnRef idx="2">
-            <a:schemeClr val="accent1">
-              <a:shade val="50000"/>
-            </a:schemeClr>
-          </a:lnRef>
-          <a:fillRef idx="1">
-            <a:schemeClr val="accent1"/>
-          </a:fillRef>
-          <a:effectRef idx="0">
-            <a:schemeClr val="accent1"/>
-          </a:effectRef>
-          <a:fontRef idx="minor">
-            <a:schemeClr val="lt1"/>
-          </a:fontRef>
-        </p:style>
-        <p:txBody>
-          <a:bodyPr rtlCol="0" anchor="ctr"/>
-          <a:lstStyle/>
-          <a:p>
-            <a:pPr algn="ctr"/>
-            <a:endParaRPr lang="ko-KR" altLang="en-US"/>
-          </a:p>
-        </p:txBody>
-      </p:sp>
-      <p:grpSp>
-        <p:nvGrpSpPr>
-          <p:cNvPr id="11" name="그룹 10">
-            <a:extLst>
-              <a:ext uri="{FF2B5EF4-FFF2-40B4-BE49-F238E27FC236}">
-                <a16:creationId xmlns:a16="http://schemas.microsoft.com/office/drawing/2014/main" xmlns="" id="{809988EA-98FC-48AA-9930-2E9FE06771B8}"/>
-              </a:ext>
-            </a:extLst>
-          </p:cNvPr>
-          <p:cNvGrpSpPr/>
-          <p:nvPr/>
-        </p:nvGrpSpPr>
-        <p:grpSpPr>
-          <a:xfrm>
-            <a:off x="674529" y="293089"/>
-            <a:ext cx="584109" cy="384161"/>
-            <a:chOff x="767992" y="293986"/>
-            <a:chExt cx="797039" cy="503549"/>
-          </a:xfrm>
-        </p:grpSpPr>
-        <p:sp>
-          <p:nvSpPr>
-            <p:cNvPr id="12" name="자유형 139">
-              <a:extLst>
-                <a:ext uri="{FF2B5EF4-FFF2-40B4-BE49-F238E27FC236}">
-                  <a16:creationId xmlns:a16="http://schemas.microsoft.com/office/drawing/2014/main" xmlns="" id="{398DE578-E284-4250-B3D1-52D4AE7B821B}"/>
-                </a:ext>
-              </a:extLst>
-            </p:cNvPr>
-            <p:cNvSpPr/>
-            <p:nvPr/>
-          </p:nvSpPr>
-          <p:spPr>
-            <a:xfrm>
-              <a:off x="767992" y="293986"/>
-              <a:ext cx="797039" cy="442723"/>
-            </a:xfrm>
-            <a:custGeom>
-              <a:avLst/>
-              <a:gdLst>
-                <a:gd name="connsiteX0" fmla="*/ 1906329 w 3145074"/>
-                <a:gd name="connsiteY0" fmla="*/ 0 h 1746961"/>
-                <a:gd name="connsiteX1" fmla="*/ 2543211 w 3145074"/>
-                <a:gd name="connsiteY1" fmla="*/ 519074 h 1746961"/>
-                <a:gd name="connsiteX2" fmla="*/ 2550041 w 3145074"/>
-                <a:gd name="connsiteY2" fmla="*/ 586822 h 1746961"/>
-                <a:gd name="connsiteX3" fmla="*/ 2626000 w 3145074"/>
-                <a:gd name="connsiteY3" fmla="*/ 594480 h 1746961"/>
-                <a:gd name="connsiteX4" fmla="*/ 3145074 w 3145074"/>
-                <a:gd name="connsiteY4" fmla="*/ 1231362 h 1746961"/>
-                <a:gd name="connsiteX5" fmla="*/ 2954667 w 3145074"/>
-                <a:gd name="connsiteY5" fmla="*/ 1691045 h 1746961"/>
-                <a:gd name="connsiteX6" fmla="*/ 2886897 w 3145074"/>
-                <a:gd name="connsiteY6" fmla="*/ 1746961 h 1746961"/>
-                <a:gd name="connsiteX7" fmla="*/ 328154 w 3145074"/>
-                <a:gd name="connsiteY7" fmla="*/ 1746961 h 1746961"/>
-                <a:gd name="connsiteX8" fmla="*/ 311080 w 3145074"/>
-                <a:gd name="connsiteY8" fmla="*/ 1741661 h 1746961"/>
-                <a:gd name="connsiteX9" fmla="*/ 0 w 3145074"/>
-                <a:gd name="connsiteY9" fmla="*/ 1272350 h 1746961"/>
-                <a:gd name="connsiteX10" fmla="*/ 406688 w 3145074"/>
-                <a:gd name="connsiteY10" fmla="*/ 773361 h 1746961"/>
-                <a:gd name="connsiteX11" fmla="*/ 471248 w 3145074"/>
-                <a:gd name="connsiteY11" fmla="*/ 766853 h 1746961"/>
-                <a:gd name="connsiteX12" fmla="*/ 478693 w 3145074"/>
-                <a:gd name="connsiteY12" fmla="*/ 742871 h 1746961"/>
-                <a:gd name="connsiteX13" fmla="*/ 1049392 w 3145074"/>
-                <a:gd name="connsiteY13" fmla="*/ 364586 h 1746961"/>
-                <a:gd name="connsiteX14" fmla="*/ 1290480 w 3145074"/>
-                <a:gd name="connsiteY14" fmla="*/ 413260 h 1746961"/>
-                <a:gd name="connsiteX15" fmla="*/ 1300590 w 3145074"/>
-                <a:gd name="connsiteY15" fmla="*/ 418747 h 1746961"/>
-                <a:gd name="connsiteX16" fmla="*/ 1307327 w 3145074"/>
-                <a:gd name="connsiteY16" fmla="*/ 397046 h 1746961"/>
-                <a:gd name="connsiteX17" fmla="*/ 1906329 w 3145074"/>
-                <a:gd name="connsiteY17" fmla="*/ 0 h 1746961"/>
-              </a:gdLst>
-              <a:ahLst/>
-              <a:cxnLst>
-                <a:cxn ang="0">
-                  <a:pos x="connsiteX0" y="connsiteY0"/>
-                </a:cxn>
-                <a:cxn ang="0">
-                  <a:pos x="connsiteX1" y="connsiteY1"/>
-                </a:cxn>
-                <a:cxn ang="0">
-                  <a:pos x="connsiteX2" y="connsiteY2"/>
-                </a:cxn>
-                <a:cxn ang="0">
-                  <a:pos x="connsiteX3" y="connsiteY3"/>
-                </a:cxn>
-                <a:cxn ang="0">
-                  <a:pos x="connsiteX4" y="connsiteY4"/>
-                </a:cxn>
-                <a:cxn ang="0">
-                  <a:pos x="connsiteX5" y="connsiteY5"/>
-                </a:cxn>
-                <a:cxn ang="0">
-                  <a:pos x="connsiteX6" y="connsiteY6"/>
-                </a:cxn>
-                <a:cxn ang="0">
-                  <a:pos x="connsiteX7" y="connsiteY7"/>
-                </a:cxn>
-                <a:cxn ang="0">
-                  <a:pos x="connsiteX8" y="connsiteY8"/>
-                </a:cxn>
-                <a:cxn ang="0">
-                  <a:pos x="connsiteX9" y="connsiteY9"/>
-                </a:cxn>
-                <a:cxn ang="0">
-                  <a:pos x="connsiteX10" y="connsiteY10"/>
-                </a:cxn>
-                <a:cxn ang="0">
-                  <a:pos x="connsiteX11" y="connsiteY11"/>
-                </a:cxn>
-                <a:cxn ang="0">
-                  <a:pos x="connsiteX12" y="connsiteY12"/>
-                </a:cxn>
-                <a:cxn ang="0">
-                  <a:pos x="connsiteX13" y="connsiteY13"/>
-                </a:cxn>
-                <a:cxn ang="0">
-                  <a:pos x="connsiteX14" y="connsiteY14"/>
-                </a:cxn>
-                <a:cxn ang="0">
-                  <a:pos x="connsiteX15" y="connsiteY15"/>
-                </a:cxn>
-                <a:cxn ang="0">
-                  <a:pos x="connsiteX16" y="connsiteY16"/>
-                </a:cxn>
-                <a:cxn ang="0">
-                  <a:pos x="connsiteX17" y="connsiteY17"/>
-                </a:cxn>
-              </a:cxnLst>
-              <a:rect l="l" t="t" r="r" b="b"/>
-              <a:pathLst>
-                <a:path w="3145074" h="1746961">
-                  <a:moveTo>
-                    <a:pt x="1906329" y="0"/>
-                  </a:moveTo>
-                  <a:cubicBezTo>
-                    <a:pt x="2220485" y="0"/>
-                    <a:pt x="2482593" y="222839"/>
-                    <a:pt x="2543211" y="519074"/>
-                  </a:cubicBezTo>
-                  <a:lnTo>
-                    <a:pt x="2550041" y="586822"/>
-                  </a:lnTo>
-                  <a:lnTo>
-                    <a:pt x="2626000" y="594480"/>
-                  </a:lnTo>
-                  <a:cubicBezTo>
-                    <a:pt x="2922235" y="655098"/>
-                    <a:pt x="3145074" y="917206"/>
-                    <a:pt x="3145074" y="1231362"/>
-                  </a:cubicBezTo>
-                  <a:cubicBezTo>
-                    <a:pt x="3145074" y="1410880"/>
-                    <a:pt x="3072310" y="1573402"/>
-                    <a:pt x="2954667" y="1691045"/>
-                  </a:cubicBezTo>
-                  <a:lnTo>
-                    <a:pt x="2886897" y="1746961"/>
-                  </a:lnTo>
-                  <a:lnTo>
-                    <a:pt x="328154" y="1746961"/>
-                  </a:lnTo>
-                  <a:lnTo>
-                    <a:pt x="311080" y="1741661"/>
-                  </a:lnTo>
-                  <a:cubicBezTo>
-                    <a:pt x="128272" y="1664339"/>
-                    <a:pt x="0" y="1483324"/>
-                    <a:pt x="0" y="1272350"/>
-                  </a:cubicBezTo>
-                  <a:cubicBezTo>
-                    <a:pt x="0" y="1026213"/>
-                    <a:pt x="174592" y="820855"/>
-                    <a:pt x="406688" y="773361"/>
-                  </a:cubicBezTo>
-                  <a:lnTo>
-                    <a:pt x="471248" y="766853"/>
-                  </a:lnTo>
-                  <a:lnTo>
-                    <a:pt x="478693" y="742871"/>
-                  </a:lnTo>
-                  <a:cubicBezTo>
-                    <a:pt x="572719" y="520569"/>
-                    <a:pt x="792840" y="364586"/>
-                    <a:pt x="1049392" y="364586"/>
-                  </a:cubicBezTo>
-                  <a:cubicBezTo>
-                    <a:pt x="1134910" y="364586"/>
-                    <a:pt x="1216379" y="381918"/>
-                    <a:pt x="1290480" y="413260"/>
-                  </a:cubicBezTo>
-                  <a:lnTo>
-                    <a:pt x="1300590" y="418747"/>
-                  </a:lnTo>
-                  <a:lnTo>
-                    <a:pt x="1307327" y="397046"/>
-                  </a:lnTo>
-                  <a:cubicBezTo>
-                    <a:pt x="1406016" y="163719"/>
-                    <a:pt x="1637053" y="0"/>
-                    <a:pt x="1906329" y="0"/>
-                  </a:cubicBezTo>
-                  <a:close/>
-                </a:path>
-              </a:pathLst>
-            </a:custGeom>
-            <a:ln/>
-          </p:spPr>
-          <p:style>
-            <a:lnRef idx="2">
-              <a:schemeClr val="accent6">
-                <a:shade val="50000"/>
-              </a:schemeClr>
-            </a:lnRef>
-            <a:fillRef idx="1">
-              <a:schemeClr val="accent6"/>
-            </a:fillRef>
-            <a:effectRef idx="0">
-              <a:schemeClr val="accent6"/>
-            </a:effectRef>
-            <a:fontRef idx="minor">
-              <a:schemeClr val="lt1"/>
-            </a:fontRef>
-          </p:style>
-          <p:txBody>
-            <a:bodyPr wrap="square" rtlCol="0" anchor="ctr">
-              <a:noAutofit/>
-            </a:bodyPr>
-            <a:lstStyle/>
-            <a:p>
-              <a:pPr algn="ctr"/>
-              <a:endParaRPr lang="ko-KR" altLang="en-US" dirty="0"/>
-            </a:p>
-          </p:txBody>
-        </p:sp>
-        <p:sp>
-          <p:nvSpPr>
-            <p:cNvPr id="13" name="TextBox 12">
-              <a:extLst>
-                <a:ext uri="{FF2B5EF4-FFF2-40B4-BE49-F238E27FC236}">
-                  <a16:creationId xmlns:a16="http://schemas.microsoft.com/office/drawing/2014/main" xmlns="" id="{1DD5CED3-F8E9-47EA-A779-6BE39F840BB3}"/>
-                </a:ext>
-              </a:extLst>
-            </p:cNvPr>
-            <p:cNvSpPr txBox="1"/>
-            <p:nvPr/>
-          </p:nvSpPr>
-          <p:spPr>
-            <a:xfrm>
-              <a:off x="954118" y="313423"/>
-              <a:ext cx="424786" cy="484112"/>
-            </a:xfrm>
-            <a:prstGeom prst="rect">
-              <a:avLst/>
-            </a:prstGeom>
-            <a:noFill/>
-            <a:scene3d>
-              <a:camera prst="obliqueTopLeft"/>
-              <a:lightRig rig="threePt" dir="t"/>
-            </a:scene3d>
-          </p:spPr>
-          <p:txBody>
-            <a:bodyPr wrap="none" rtlCol="0">
-              <a:spAutoFit/>
-            </a:bodyPr>
-            <a:lstStyle/>
-            <a:p>
-              <a:r>
-                <a:rPr lang="en-US" altLang="ko-KR" dirty="0">
-                  <a:solidFill>
-                    <a:schemeClr val="bg1"/>
-                  </a:solidFill>
-                  <a:latin typeface="210 콤퓨타세탁 L" panose="02020603020101020101" pitchFamily="18" charset="-127"/>
-                  <a:ea typeface="210 콤퓨타세탁 L" panose="02020603020101020101" pitchFamily="18" charset="-127"/>
-                </a:rPr>
-                <a:t>5</a:t>
-              </a:r>
-              <a:endParaRPr lang="ko-KR" altLang="en-US" dirty="0">
-                <a:solidFill>
-                  <a:schemeClr val="bg1"/>
-                </a:solidFill>
-                <a:latin typeface="210 콤퓨타세탁 L" panose="02020603020101020101" pitchFamily="18" charset="-127"/>
-                <a:ea typeface="210 콤퓨타세탁 L" panose="02020603020101020101" pitchFamily="18" charset="-127"/>
-              </a:endParaRPr>
-            </a:p>
-          </p:txBody>
-        </p:sp>
-      </p:grpSp>
-      <p:sp>
-        <p:nvSpPr>
-          <p:cNvPr id="14" name="TextBox 13">
-            <a:extLst>
-              <a:ext uri="{FF2B5EF4-FFF2-40B4-BE49-F238E27FC236}">
-                <a16:creationId xmlns:a16="http://schemas.microsoft.com/office/drawing/2014/main" xmlns="" id="{DC843C33-41F0-4F14-BF9E-7446B892F0EC}"/>
-              </a:ext>
-            </a:extLst>
-          </p:cNvPr>
-          <p:cNvSpPr txBox="1"/>
-          <p:nvPr/>
-        </p:nvSpPr>
-        <p:spPr>
-          <a:xfrm>
-            <a:off x="1258638" y="325125"/>
-            <a:ext cx="2305250" cy="307777"/>
-          </a:xfrm>
-          <a:prstGeom prst="rect">
-            <a:avLst/>
-          </a:prstGeom>
-          <a:noFill/>
-          <a:scene3d>
-            <a:camera prst="obliqueTopLeft"/>
-            <a:lightRig rig="threePt" dir="t"/>
-          </a:scene3d>
-        </p:spPr>
-        <p:txBody>
-          <a:bodyPr wrap="square" rtlCol="0">
-            <a:spAutoFit/>
-          </a:bodyPr>
-          <a:lstStyle/>
-          <a:p>
-            <a:r>
-              <a:rPr lang="en-US" altLang="ko-KR" sz="1400" dirty="0">
-                <a:solidFill>
-                  <a:srgbClr val="565658"/>
-                </a:solidFill>
-                <a:latin typeface="210 콤퓨타세탁 L" panose="02020603020101020101" pitchFamily="18" charset="-127"/>
-                <a:ea typeface="210 콤퓨타세탁 L" panose="02020603020101020101" pitchFamily="18" charset="-127"/>
-              </a:rPr>
-              <a:t>What is Prefetch?</a:t>
-            </a:r>
-            <a:endParaRPr lang="ko-KR" altLang="en-US" sz="1400" dirty="0">
-              <a:solidFill>
-                <a:srgbClr val="565658"/>
-              </a:solidFill>
-              <a:latin typeface="210 콤퓨타세탁 L" panose="02020603020101020101" pitchFamily="18" charset="-127"/>
-              <a:ea typeface="210 콤퓨타세탁 L" panose="02020603020101020101" pitchFamily="18" charset="-127"/>
-            </a:endParaRPr>
-          </a:p>
-        </p:txBody>
-      </p:sp>
-      <p:pic>
-        <p:nvPicPr>
-          <p:cNvPr id="1026" name="Picture 2" descr="이미지: 텍스트">
-            <a:extLst>
-              <a:ext uri="{FF2B5EF4-FFF2-40B4-BE49-F238E27FC236}">
-                <a16:creationId xmlns:a16="http://schemas.microsoft.com/office/drawing/2014/main" xmlns="" id="{25A60D37-EBB7-4045-9808-B148E8946101}"/>
-              </a:ext>
-            </a:extLst>
-          </p:cNvPr>
-          <p:cNvPicPr>
-            <a:picLocks noChangeAspect="1" noChangeArrowheads="1"/>
-          </p:cNvPicPr>
-          <p:nvPr/>
-        </p:nvPicPr>
-        <p:blipFill>
-          <a:blip r:embed="rId3">
-            <a:extLst>
-              <a:ext uri="{28A0092B-C50C-407E-A947-70E740481C1C}">
-                <a14:useLocalDpi xmlns:a14="http://schemas.microsoft.com/office/drawing/2010/main" val="0"/>
-              </a:ext>
-            </a:extLst>
-          </a:blip>
-          <a:srcRect/>
-          <a:stretch>
-            <a:fillRect/>
-          </a:stretch>
-        </p:blipFill>
-        <p:spPr bwMode="auto">
-          <a:xfrm rot="20908471">
-            <a:off x="6764150" y="3378431"/>
-            <a:ext cx="2429243" cy="1658560"/>
-          </a:xfrm>
-          <a:prstGeom prst="rect">
-            <a:avLst/>
-          </a:prstGeom>
-          <a:noFill/>
-          <a:extLst>
-            <a:ext uri="{909E8E84-426E-40DD-AFC4-6F175D3DCCD1}">
-              <a14:hiddenFill xmlns:a14="http://schemas.microsoft.com/office/drawing/2010/main">
-                <a:solidFill>
-                  <a:srgbClr val="FFFFFF"/>
-                </a:solidFill>
-              </a14:hiddenFill>
-            </a:ext>
-          </a:extLst>
-        </p:spPr>
-      </p:pic>
-      <p:sp>
-        <p:nvSpPr>
-          <p:cNvPr id="4" name="직사각형 3">
-            <a:extLst>
-              <a:ext uri="{FF2B5EF4-FFF2-40B4-BE49-F238E27FC236}">
-                <a16:creationId xmlns:a16="http://schemas.microsoft.com/office/drawing/2014/main" xmlns="" id="{988E3032-4AFC-4EC8-9D41-A0FEDCD03BFC}"/>
-              </a:ext>
-            </a:extLst>
-          </p:cNvPr>
-          <p:cNvSpPr/>
-          <p:nvPr/>
-        </p:nvSpPr>
-        <p:spPr>
-          <a:xfrm rot="20828244">
-            <a:off x="7684691" y="4673709"/>
-            <a:ext cx="1296389" cy="334566"/>
-          </a:xfrm>
-          <a:prstGeom prst="rect">
-            <a:avLst/>
-          </a:prstGeom>
-          <a:solidFill>
-            <a:srgbClr val="E1E3DE"/>
-          </a:solidFill>
-          <a:ln>
-            <a:noFill/>
-          </a:ln>
-        </p:spPr>
-        <p:style>
-          <a:lnRef idx="2">
-            <a:schemeClr val="accent1">
-              <a:shade val="50000"/>
-            </a:schemeClr>
-          </a:lnRef>
-          <a:fillRef idx="1">
-            <a:schemeClr val="accent1"/>
-          </a:fillRef>
-          <a:effectRef idx="0">
-            <a:schemeClr val="accent1"/>
-          </a:effectRef>
-          <a:fontRef idx="minor">
-            <a:schemeClr val="lt1"/>
-          </a:fontRef>
-        </p:style>
-        <p:txBody>
-          <a:bodyPr rtlCol="0" anchor="ctr"/>
-          <a:lstStyle/>
-          <a:p>
-            <a:pPr algn="ctr"/>
-            <a:endParaRPr lang="ko-KR" altLang="en-US"/>
-          </a:p>
-        </p:txBody>
-      </p:sp>
-      <p:sp>
-        <p:nvSpPr>
-          <p:cNvPr id="2" name="TextBox 1">
-            <a:extLst>
-              <a:ext uri="{FF2B5EF4-FFF2-40B4-BE49-F238E27FC236}">
-                <a16:creationId xmlns:a16="http://schemas.microsoft.com/office/drawing/2014/main" xmlns="" id="{BC9EFA1F-08C7-44C8-A606-C6429C6AF3E0}"/>
-              </a:ext>
-            </a:extLst>
-          </p:cNvPr>
-          <p:cNvSpPr txBox="1"/>
-          <p:nvPr/>
-        </p:nvSpPr>
-        <p:spPr>
-          <a:xfrm rot="20828244">
-            <a:off x="7603712" y="4658612"/>
-            <a:ext cx="1459903" cy="230832"/>
-          </a:xfrm>
-          <a:prstGeom prst="rect">
-            <a:avLst/>
-          </a:prstGeom>
-          <a:noFill/>
-        </p:spPr>
-        <p:txBody>
-          <a:bodyPr wrap="square" rtlCol="0">
-            <a:spAutoFit/>
-          </a:bodyPr>
-          <a:lstStyle/>
-          <a:p>
-            <a:r>
-              <a:rPr lang="ko-KR" altLang="en-US" sz="900" dirty="0">
-                <a:solidFill>
-                  <a:srgbClr val="9F943F"/>
-                </a:solidFill>
-                <a:latin typeface="휴먼모음T" panose="02030504000101010101" pitchFamily="18" charset="-127"/>
-                <a:ea typeface="휴먼모음T" panose="02030504000101010101" pitchFamily="18" charset="-127"/>
-              </a:rPr>
-              <a:t>게임 할 수 </a:t>
-            </a:r>
-            <a:r>
-              <a:rPr lang="ko-KR" altLang="en-US" sz="900" dirty="0" err="1">
-                <a:solidFill>
-                  <a:srgbClr val="9F943F"/>
-                </a:solidFill>
-                <a:latin typeface="휴먼모음T" panose="02030504000101010101" pitchFamily="18" charset="-127"/>
-                <a:ea typeface="휴먼모음T" panose="02030504000101010101" pitchFamily="18" charset="-127"/>
-              </a:rPr>
-              <a:t>있는거지</a:t>
-            </a:r>
-            <a:r>
-              <a:rPr lang="en-US" altLang="ko-KR" sz="900" dirty="0">
-                <a:solidFill>
-                  <a:srgbClr val="9F943F"/>
-                </a:solidFill>
-                <a:latin typeface="휴먼모음T" panose="02030504000101010101" pitchFamily="18" charset="-127"/>
-                <a:ea typeface="휴먼모음T" panose="02030504000101010101" pitchFamily="18" charset="-127"/>
-              </a:rPr>
-              <a:t>???</a:t>
-            </a:r>
-          </a:p>
-        </p:txBody>
-      </p:sp>
-    </p:spTree>
-    <p:extLst>
-      <p:ext uri="{BB962C8B-B14F-4D97-AF65-F5344CB8AC3E}">
-        <p14:creationId xmlns:p14="http://schemas.microsoft.com/office/powerpoint/2010/main" val="2251061098"/>
-      </p:ext>
-    </p:extLst>
-  </p:cSld>
-  <p:clrMapOvr>
-    <a:masterClrMapping/>
-  </p:clrMapOvr>
-  <p:transition spd="slow">
-    <p:push dir="u"/>
-  </p:transition>
-  <p:timing>
-    <p:tnLst>
-      <p:par>
-        <p:cTn id="1" dur="indefinite" restart="never" nodeType="tmRoot"/>
-      </p:par>
-    </p:tnLst>
-  </p:timing>
-</p:sld>
-</file>
-
-<file path=ppt/slides/slide29.xml><?xml version="1.0" encoding="utf-8"?>
+<file path=ppt/slides/slide25.xml><?xml version="1.0" encoding="utf-8"?>
 <p:sld xmlns:a="http://schemas.openxmlformats.org/drawingml/2006/main" xmlns:r="http://schemas.openxmlformats.org/officeDocument/2006/relationships" xmlns:p="http://schemas.openxmlformats.org/presentationml/2006/main">
   <p:cSld>
     <p:spTree>
@@ -25195,578 +21908,7 @@
 </p:sld>
 </file>
 
-<file path=ppt/slides/slide3.xml><?xml version="1.0" encoding="utf-8"?>
-<p:sld xmlns:a="http://schemas.openxmlformats.org/drawingml/2006/main" xmlns:r="http://schemas.openxmlformats.org/officeDocument/2006/relationships" xmlns:p="http://schemas.openxmlformats.org/presentationml/2006/main">
-  <p:cSld>
-    <p:spTree>
-      <p:nvGrpSpPr>
-        <p:cNvPr id="1" name=""/>
-        <p:cNvGrpSpPr/>
-        <p:nvPr/>
-      </p:nvGrpSpPr>
-      <p:grpSpPr>
-        <a:xfrm>
-          <a:off x="0" y="0"/>
-          <a:ext cx="0" cy="0"/>
-          <a:chOff x="0" y="0"/>
-          <a:chExt cx="0" cy="0"/>
-        </a:xfrm>
-      </p:grpSpPr>
-      <p:sp>
-        <p:nvSpPr>
-          <p:cNvPr id="19" name="직사각형 18">
-            <a:extLst>
-              <a:ext uri="{FF2B5EF4-FFF2-40B4-BE49-F238E27FC236}">
-                <a16:creationId xmlns:a16="http://schemas.microsoft.com/office/drawing/2014/main" xmlns="" id="{18F23432-9C65-41A4-A80F-36BDC8CE29D3}"/>
-              </a:ext>
-            </a:extLst>
-          </p:cNvPr>
-          <p:cNvSpPr/>
-          <p:nvPr/>
-        </p:nvSpPr>
-        <p:spPr>
-          <a:xfrm>
-            <a:off x="426152" y="448236"/>
-            <a:ext cx="8291696" cy="4247028"/>
-          </a:xfrm>
-          <a:prstGeom prst="rect">
-            <a:avLst/>
-          </a:prstGeom>
-          <a:noFill/>
-          <a:ln w="25400">
-            <a:solidFill>
-              <a:schemeClr val="bg1">
-                <a:lumMod val="65000"/>
-              </a:schemeClr>
-            </a:solidFill>
-          </a:ln>
-          <a:effectLst/>
-        </p:spPr>
-        <p:style>
-          <a:lnRef idx="2">
-            <a:schemeClr val="accent1">
-              <a:shade val="50000"/>
-            </a:schemeClr>
-          </a:lnRef>
-          <a:fillRef idx="1">
-            <a:schemeClr val="accent1"/>
-          </a:fillRef>
-          <a:effectRef idx="0">
-            <a:schemeClr val="accent1"/>
-          </a:effectRef>
-          <a:fontRef idx="minor">
-            <a:schemeClr val="lt1"/>
-          </a:fontRef>
-        </p:style>
-        <p:txBody>
-          <a:bodyPr rtlCol="0" anchor="ctr"/>
-          <a:lstStyle/>
-          <a:p>
-            <a:pPr algn="ctr"/>
-            <a:endParaRPr lang="ko-KR" altLang="en-US"/>
-          </a:p>
-        </p:txBody>
-      </p:sp>
-      <p:sp>
-        <p:nvSpPr>
-          <p:cNvPr id="48" name="직사각형 47">
-            <a:extLst>
-              <a:ext uri="{FF2B5EF4-FFF2-40B4-BE49-F238E27FC236}">
-                <a16:creationId xmlns:a16="http://schemas.microsoft.com/office/drawing/2014/main" xmlns="" id="{B4C4836A-945D-4FD2-89EB-A4DD8DF96E10}"/>
-              </a:ext>
-            </a:extLst>
-          </p:cNvPr>
-          <p:cNvSpPr/>
-          <p:nvPr/>
-        </p:nvSpPr>
-        <p:spPr>
-          <a:xfrm>
-            <a:off x="611560" y="369472"/>
-            <a:ext cx="1656184" cy="307777"/>
-          </a:xfrm>
-          <a:prstGeom prst="rect">
-            <a:avLst/>
-          </a:prstGeom>
-          <a:solidFill>
-            <a:schemeClr val="bg1"/>
-          </a:solidFill>
-          <a:ln>
-            <a:solidFill>
-              <a:schemeClr val="bg1"/>
-            </a:solidFill>
-          </a:ln>
-        </p:spPr>
-        <p:style>
-          <a:lnRef idx="2">
-            <a:schemeClr val="accent1">
-              <a:shade val="50000"/>
-            </a:schemeClr>
-          </a:lnRef>
-          <a:fillRef idx="1">
-            <a:schemeClr val="accent1"/>
-          </a:fillRef>
-          <a:effectRef idx="0">
-            <a:schemeClr val="accent1"/>
-          </a:effectRef>
-          <a:fontRef idx="minor">
-            <a:schemeClr val="lt1"/>
-          </a:fontRef>
-        </p:style>
-        <p:txBody>
-          <a:bodyPr rtlCol="0" anchor="ctr"/>
-          <a:lstStyle/>
-          <a:p>
-            <a:pPr algn="ctr"/>
-            <a:endParaRPr lang="ko-KR" altLang="en-US"/>
-          </a:p>
-        </p:txBody>
-      </p:sp>
-      <p:sp>
-        <p:nvSpPr>
-          <p:cNvPr id="29" name="자유형 139">
-            <a:extLst>
-              <a:ext uri="{FF2B5EF4-FFF2-40B4-BE49-F238E27FC236}">
-                <a16:creationId xmlns:a16="http://schemas.microsoft.com/office/drawing/2014/main" xmlns="" id="{83FF1C62-0D25-4F39-AB70-F9E2FB3579B8}"/>
-              </a:ext>
-            </a:extLst>
-          </p:cNvPr>
-          <p:cNvSpPr/>
-          <p:nvPr/>
-        </p:nvSpPr>
-        <p:spPr>
-          <a:xfrm>
-            <a:off x="643045" y="252981"/>
-            <a:ext cx="584109" cy="337756"/>
-          </a:xfrm>
-          <a:custGeom>
-            <a:avLst/>
-            <a:gdLst>
-              <a:gd name="connsiteX0" fmla="*/ 1906329 w 3145074"/>
-              <a:gd name="connsiteY0" fmla="*/ 0 h 1746961"/>
-              <a:gd name="connsiteX1" fmla="*/ 2543211 w 3145074"/>
-              <a:gd name="connsiteY1" fmla="*/ 519074 h 1746961"/>
-              <a:gd name="connsiteX2" fmla="*/ 2550041 w 3145074"/>
-              <a:gd name="connsiteY2" fmla="*/ 586822 h 1746961"/>
-              <a:gd name="connsiteX3" fmla="*/ 2626000 w 3145074"/>
-              <a:gd name="connsiteY3" fmla="*/ 594480 h 1746961"/>
-              <a:gd name="connsiteX4" fmla="*/ 3145074 w 3145074"/>
-              <a:gd name="connsiteY4" fmla="*/ 1231362 h 1746961"/>
-              <a:gd name="connsiteX5" fmla="*/ 2954667 w 3145074"/>
-              <a:gd name="connsiteY5" fmla="*/ 1691045 h 1746961"/>
-              <a:gd name="connsiteX6" fmla="*/ 2886897 w 3145074"/>
-              <a:gd name="connsiteY6" fmla="*/ 1746961 h 1746961"/>
-              <a:gd name="connsiteX7" fmla="*/ 328154 w 3145074"/>
-              <a:gd name="connsiteY7" fmla="*/ 1746961 h 1746961"/>
-              <a:gd name="connsiteX8" fmla="*/ 311080 w 3145074"/>
-              <a:gd name="connsiteY8" fmla="*/ 1741661 h 1746961"/>
-              <a:gd name="connsiteX9" fmla="*/ 0 w 3145074"/>
-              <a:gd name="connsiteY9" fmla="*/ 1272350 h 1746961"/>
-              <a:gd name="connsiteX10" fmla="*/ 406688 w 3145074"/>
-              <a:gd name="connsiteY10" fmla="*/ 773361 h 1746961"/>
-              <a:gd name="connsiteX11" fmla="*/ 471248 w 3145074"/>
-              <a:gd name="connsiteY11" fmla="*/ 766853 h 1746961"/>
-              <a:gd name="connsiteX12" fmla="*/ 478693 w 3145074"/>
-              <a:gd name="connsiteY12" fmla="*/ 742871 h 1746961"/>
-              <a:gd name="connsiteX13" fmla="*/ 1049392 w 3145074"/>
-              <a:gd name="connsiteY13" fmla="*/ 364586 h 1746961"/>
-              <a:gd name="connsiteX14" fmla="*/ 1290480 w 3145074"/>
-              <a:gd name="connsiteY14" fmla="*/ 413260 h 1746961"/>
-              <a:gd name="connsiteX15" fmla="*/ 1300590 w 3145074"/>
-              <a:gd name="connsiteY15" fmla="*/ 418747 h 1746961"/>
-              <a:gd name="connsiteX16" fmla="*/ 1307327 w 3145074"/>
-              <a:gd name="connsiteY16" fmla="*/ 397046 h 1746961"/>
-              <a:gd name="connsiteX17" fmla="*/ 1906329 w 3145074"/>
-              <a:gd name="connsiteY17" fmla="*/ 0 h 1746961"/>
-            </a:gdLst>
-            <a:ahLst/>
-            <a:cxnLst>
-              <a:cxn ang="0">
-                <a:pos x="connsiteX0" y="connsiteY0"/>
-              </a:cxn>
-              <a:cxn ang="0">
-                <a:pos x="connsiteX1" y="connsiteY1"/>
-              </a:cxn>
-              <a:cxn ang="0">
-                <a:pos x="connsiteX2" y="connsiteY2"/>
-              </a:cxn>
-              <a:cxn ang="0">
-                <a:pos x="connsiteX3" y="connsiteY3"/>
-              </a:cxn>
-              <a:cxn ang="0">
-                <a:pos x="connsiteX4" y="connsiteY4"/>
-              </a:cxn>
-              <a:cxn ang="0">
-                <a:pos x="connsiteX5" y="connsiteY5"/>
-              </a:cxn>
-              <a:cxn ang="0">
-                <a:pos x="connsiteX6" y="connsiteY6"/>
-              </a:cxn>
-              <a:cxn ang="0">
-                <a:pos x="connsiteX7" y="connsiteY7"/>
-              </a:cxn>
-              <a:cxn ang="0">
-                <a:pos x="connsiteX8" y="connsiteY8"/>
-              </a:cxn>
-              <a:cxn ang="0">
-                <a:pos x="connsiteX9" y="connsiteY9"/>
-              </a:cxn>
-              <a:cxn ang="0">
-                <a:pos x="connsiteX10" y="connsiteY10"/>
-              </a:cxn>
-              <a:cxn ang="0">
-                <a:pos x="connsiteX11" y="connsiteY11"/>
-              </a:cxn>
-              <a:cxn ang="0">
-                <a:pos x="connsiteX12" y="connsiteY12"/>
-              </a:cxn>
-              <a:cxn ang="0">
-                <a:pos x="connsiteX13" y="connsiteY13"/>
-              </a:cxn>
-              <a:cxn ang="0">
-                <a:pos x="connsiteX14" y="connsiteY14"/>
-              </a:cxn>
-              <a:cxn ang="0">
-                <a:pos x="connsiteX15" y="connsiteY15"/>
-              </a:cxn>
-              <a:cxn ang="0">
-                <a:pos x="connsiteX16" y="connsiteY16"/>
-              </a:cxn>
-              <a:cxn ang="0">
-                <a:pos x="connsiteX17" y="connsiteY17"/>
-              </a:cxn>
-            </a:cxnLst>
-            <a:rect l="l" t="t" r="r" b="b"/>
-            <a:pathLst>
-              <a:path w="3145074" h="1746961">
-                <a:moveTo>
-                  <a:pt x="1906329" y="0"/>
-                </a:moveTo>
-                <a:cubicBezTo>
-                  <a:pt x="2220485" y="0"/>
-                  <a:pt x="2482593" y="222839"/>
-                  <a:pt x="2543211" y="519074"/>
-                </a:cubicBezTo>
-                <a:lnTo>
-                  <a:pt x="2550041" y="586822"/>
-                </a:lnTo>
-                <a:lnTo>
-                  <a:pt x="2626000" y="594480"/>
-                </a:lnTo>
-                <a:cubicBezTo>
-                  <a:pt x="2922235" y="655098"/>
-                  <a:pt x="3145074" y="917206"/>
-                  <a:pt x="3145074" y="1231362"/>
-                </a:cubicBezTo>
-                <a:cubicBezTo>
-                  <a:pt x="3145074" y="1410880"/>
-                  <a:pt x="3072310" y="1573402"/>
-                  <a:pt x="2954667" y="1691045"/>
-                </a:cubicBezTo>
-                <a:lnTo>
-                  <a:pt x="2886897" y="1746961"/>
-                </a:lnTo>
-                <a:lnTo>
-                  <a:pt x="328154" y="1746961"/>
-                </a:lnTo>
-                <a:lnTo>
-                  <a:pt x="311080" y="1741661"/>
-                </a:lnTo>
-                <a:cubicBezTo>
-                  <a:pt x="128272" y="1664339"/>
-                  <a:pt x="0" y="1483324"/>
-                  <a:pt x="0" y="1272350"/>
-                </a:cubicBezTo>
-                <a:cubicBezTo>
-                  <a:pt x="0" y="1026213"/>
-                  <a:pt x="174592" y="820855"/>
-                  <a:pt x="406688" y="773361"/>
-                </a:cubicBezTo>
-                <a:lnTo>
-                  <a:pt x="471248" y="766853"/>
-                </a:lnTo>
-                <a:lnTo>
-                  <a:pt x="478693" y="742871"/>
-                </a:lnTo>
-                <a:cubicBezTo>
-                  <a:pt x="572719" y="520569"/>
-                  <a:pt x="792840" y="364586"/>
-                  <a:pt x="1049392" y="364586"/>
-                </a:cubicBezTo>
-                <a:cubicBezTo>
-                  <a:pt x="1134910" y="364586"/>
-                  <a:pt x="1216379" y="381918"/>
-                  <a:pt x="1290480" y="413260"/>
-                </a:cubicBezTo>
-                <a:lnTo>
-                  <a:pt x="1300590" y="418747"/>
-                </a:lnTo>
-                <a:lnTo>
-                  <a:pt x="1307327" y="397046"/>
-                </a:lnTo>
-                <a:cubicBezTo>
-                  <a:pt x="1406016" y="163719"/>
-                  <a:pt x="1637053" y="0"/>
-                  <a:pt x="1906329" y="0"/>
-                </a:cubicBezTo>
-                <a:close/>
-              </a:path>
-            </a:pathLst>
-          </a:custGeom>
-          <a:solidFill>
-            <a:srgbClr val="DE6658"/>
-          </a:solidFill>
-          <a:ln>
-            <a:noFill/>
-          </a:ln>
-        </p:spPr>
-        <p:style>
-          <a:lnRef idx="2">
-            <a:schemeClr val="accent1">
-              <a:shade val="50000"/>
-            </a:schemeClr>
-          </a:lnRef>
-          <a:fillRef idx="1">
-            <a:schemeClr val="accent1"/>
-          </a:fillRef>
-          <a:effectRef idx="0">
-            <a:schemeClr val="accent1"/>
-          </a:effectRef>
-          <a:fontRef idx="minor">
-            <a:schemeClr val="lt1"/>
-          </a:fontRef>
-        </p:style>
-        <p:txBody>
-          <a:bodyPr wrap="square" rtlCol="0" anchor="ctr">
-            <a:noAutofit/>
-          </a:bodyPr>
-          <a:lstStyle/>
-          <a:p>
-            <a:pPr algn="ctr"/>
-            <a:endParaRPr lang="ko-KR" altLang="en-US"/>
-          </a:p>
-        </p:txBody>
-      </p:sp>
-      <p:sp>
-        <p:nvSpPr>
-          <p:cNvPr id="27" name="TextBox 26">
-            <a:extLst>
-              <a:ext uri="{FF2B5EF4-FFF2-40B4-BE49-F238E27FC236}">
-                <a16:creationId xmlns:a16="http://schemas.microsoft.com/office/drawing/2014/main" xmlns="" id="{ED189A95-0E17-48CB-8C40-4D67106D4BE9}"/>
-              </a:ext>
-            </a:extLst>
-          </p:cNvPr>
-          <p:cNvSpPr txBox="1"/>
-          <p:nvPr/>
-        </p:nvSpPr>
-        <p:spPr>
-          <a:xfrm>
-            <a:off x="1258638" y="325125"/>
-            <a:ext cx="1297138" cy="307777"/>
-          </a:xfrm>
-          <a:prstGeom prst="rect">
-            <a:avLst/>
-          </a:prstGeom>
-          <a:noFill/>
-          <a:scene3d>
-            <a:camera prst="obliqueTopLeft"/>
-            <a:lightRig rig="threePt" dir="t"/>
-          </a:scene3d>
-        </p:spPr>
-        <p:txBody>
-          <a:bodyPr wrap="square" rtlCol="0">
-            <a:spAutoFit/>
-          </a:bodyPr>
-          <a:lstStyle/>
-          <a:p>
-            <a:r>
-              <a:rPr lang="en-US" altLang="ko-KR" sz="1400" dirty="0">
-                <a:solidFill>
-                  <a:srgbClr val="565658"/>
-                </a:solidFill>
-                <a:latin typeface="210 콤퓨타세탁 L" panose="02020603020101020101" pitchFamily="18" charset="-127"/>
-                <a:ea typeface="210 콤퓨타세탁 L" panose="02020603020101020101" pitchFamily="18" charset="-127"/>
-              </a:rPr>
-              <a:t>Who am I?</a:t>
-            </a:r>
-            <a:endParaRPr lang="ko-KR" altLang="en-US" sz="1400" dirty="0">
-              <a:solidFill>
-                <a:srgbClr val="565658"/>
-              </a:solidFill>
-              <a:latin typeface="210 콤퓨타세탁 L" panose="02020603020101020101" pitchFamily="18" charset="-127"/>
-              <a:ea typeface="210 콤퓨타세탁 L" panose="02020603020101020101" pitchFamily="18" charset="-127"/>
-            </a:endParaRPr>
-          </a:p>
-        </p:txBody>
-      </p:sp>
-      <p:sp>
-        <p:nvSpPr>
-          <p:cNvPr id="49" name="TextBox 48">
-            <a:extLst>
-              <a:ext uri="{FF2B5EF4-FFF2-40B4-BE49-F238E27FC236}">
-                <a16:creationId xmlns:a16="http://schemas.microsoft.com/office/drawing/2014/main" xmlns="" id="{8E80EDAD-45C8-4859-8BC0-0A5C328DCA3B}"/>
-              </a:ext>
-            </a:extLst>
-          </p:cNvPr>
-          <p:cNvSpPr txBox="1"/>
-          <p:nvPr/>
-        </p:nvSpPr>
-        <p:spPr>
-          <a:xfrm>
-            <a:off x="3203848" y="1059582"/>
-            <a:ext cx="7601363" cy="3046988"/>
-          </a:xfrm>
-          <a:prstGeom prst="rect">
-            <a:avLst/>
-          </a:prstGeom>
-          <a:noFill/>
-        </p:spPr>
-        <p:txBody>
-          <a:bodyPr wrap="square" rtlCol="0">
-            <a:spAutoFit/>
-          </a:bodyPr>
-          <a:lstStyle/>
-          <a:p>
-            <a:r>
-              <a:rPr lang="ko-KR" altLang="en-US" sz="1600" b="1" dirty="0" err="1"/>
-              <a:t>한우영</a:t>
-            </a:r>
-            <a:r>
-              <a:rPr lang="ko-KR" altLang="en-US" sz="1600" b="1" dirty="0"/>
-              <a:t> </a:t>
-            </a:r>
-            <a:r>
-              <a:rPr lang="en-US" altLang="ko-KR" sz="1600" b="1" dirty="0"/>
-              <a:t>(H4NUKO0N)</a:t>
-            </a:r>
-          </a:p>
-          <a:p>
-            <a:endParaRPr lang="en-US" altLang="ko-KR" sz="1600" b="1" dirty="0"/>
-          </a:p>
-          <a:p>
-            <a:r>
-              <a:rPr lang="en-US" altLang="ko-KR" sz="1600" b="1" dirty="0"/>
-              <a:t>TeamH4C , </a:t>
-            </a:r>
-            <a:r>
-              <a:rPr lang="en-US" altLang="ko-KR" sz="1600" b="1" dirty="0" err="1" smtClean="0"/>
-              <a:t>MonoDoChi</a:t>
-            </a:r>
-            <a:endParaRPr lang="en-US" altLang="ko-KR" sz="1600" b="1" dirty="0" smtClean="0"/>
-          </a:p>
-          <a:p>
-            <a:endParaRPr lang="en-US" altLang="ko-KR" sz="1600" b="1" dirty="0"/>
-          </a:p>
-          <a:p>
-            <a:r>
-              <a:rPr lang="en-US" altLang="ko-KR" sz="1600" b="1" dirty="0"/>
-              <a:t>Forensic , </a:t>
-            </a:r>
-            <a:r>
-              <a:rPr lang="en-US" altLang="ko-KR" sz="1600" b="1" dirty="0" smtClean="0"/>
-              <a:t>Network , C#</a:t>
-            </a:r>
-            <a:endParaRPr lang="en-US" altLang="ko-KR" sz="1600" b="1" dirty="0"/>
-          </a:p>
-          <a:p>
-            <a:endParaRPr lang="en-US" altLang="ko-KR" sz="1600" b="1" dirty="0"/>
-          </a:p>
-          <a:p>
-            <a:r>
-              <a:rPr lang="en-US" altLang="ko-KR" sz="1600" b="1" dirty="0" smtClean="0"/>
-              <a:t>hwymaster01@gmail.com</a:t>
-            </a:r>
-            <a:endParaRPr lang="en-US" altLang="ko-KR" sz="1600" b="1" dirty="0"/>
-          </a:p>
-          <a:p>
-            <a:endParaRPr lang="en-US" altLang="ko-KR" sz="1600" b="1" dirty="0"/>
-          </a:p>
-          <a:p>
-            <a:r>
-              <a:rPr lang="en-US" altLang="ko-KR" sz="1600" b="1" dirty="0"/>
-              <a:t>https://hanukoon.com</a:t>
-            </a:r>
-          </a:p>
-          <a:p>
-            <a:r>
-              <a:rPr lang="en-US" altLang="ko-KR" sz="1600" b="1" dirty="0"/>
-              <a:t>https://github.com/cokia</a:t>
-            </a:r>
-            <a:r>
-              <a:rPr lang="en-US" altLang="ko-KR" sz="1600" b="1" dirty="0">
-                <a:hlinkClick r:id="rId3"/>
-              </a:rPr>
-              <a:t> </a:t>
-            </a:r>
-            <a:endParaRPr lang="en-US" altLang="ko-KR" sz="1600" b="1" dirty="0"/>
-          </a:p>
-          <a:p>
-            <a:endParaRPr lang="en-US" altLang="ko-KR" sz="1600" b="1" dirty="0"/>
-          </a:p>
-          <a:p>
-            <a:endParaRPr lang="en-US" altLang="ko-KR" sz="1600" b="1" dirty="0"/>
-          </a:p>
-        </p:txBody>
-      </p:sp>
-      <p:pic>
-        <p:nvPicPr>
-          <p:cNvPr id="52" name="그림 51">
-            <a:extLst>
-              <a:ext uri="{FF2B5EF4-FFF2-40B4-BE49-F238E27FC236}">
-                <a16:creationId xmlns:a16="http://schemas.microsoft.com/office/drawing/2014/main" xmlns="" id="{4D9258DC-9A82-4E69-9769-02A3DB3349EF}"/>
-              </a:ext>
-            </a:extLst>
-          </p:cNvPr>
-          <p:cNvPicPr>
-            <a:picLocks noChangeAspect="1"/>
-          </p:cNvPicPr>
-          <p:nvPr/>
-        </p:nvPicPr>
-        <p:blipFill>
-          <a:blip r:embed="rId4">
-            <a:extLst>
-              <a:ext uri="{28A0092B-C50C-407E-A947-70E740481C1C}">
-                <a14:useLocalDpi xmlns:a14="http://schemas.microsoft.com/office/drawing/2010/main" val="0"/>
-              </a:ext>
-            </a:extLst>
-          </a:blip>
-          <a:stretch>
-            <a:fillRect/>
-          </a:stretch>
-        </p:blipFill>
-        <p:spPr>
-          <a:xfrm>
-            <a:off x="805522" y="1053108"/>
-            <a:ext cx="2032749" cy="1954334"/>
-          </a:xfrm>
-          <a:prstGeom prst="rect">
-            <a:avLst/>
-          </a:prstGeom>
-        </p:spPr>
-      </p:pic>
-    </p:spTree>
-    <p:extLst>
-      <p:ext uri="{BB962C8B-B14F-4D97-AF65-F5344CB8AC3E}">
-        <p14:creationId xmlns:p14="http://schemas.microsoft.com/office/powerpoint/2010/main" val="2090594489"/>
-      </p:ext>
-    </p:extLst>
-  </p:cSld>
-  <p:clrMapOvr>
-    <a:masterClrMapping/>
-  </p:clrMapOvr>
-  <p:transition spd="slow">
-    <p:push dir="u"/>
-  </p:transition>
-  <p:timing>
-    <p:tnLst>
-      <p:par>
-        <p:cTn id="1" dur="indefinite" restart="never" nodeType="tmRoot"/>
-      </p:par>
-    </p:tnLst>
-  </p:timing>
-</p:sld>
-</file>
-
-<file path=ppt/slides/slide30.xml><?xml version="1.0" encoding="utf-8"?>
+<file path=ppt/slides/slide26.xml><?xml version="1.0" encoding="utf-8"?>
 <p:sld xmlns:a="http://schemas.openxmlformats.org/drawingml/2006/main" xmlns:r="http://schemas.openxmlformats.org/officeDocument/2006/relationships" xmlns:p="http://schemas.openxmlformats.org/presentationml/2006/main">
   <p:cSld>
     <p:spTree>
@@ -27022,7 +23164,7 @@
 </p:sld>
 </file>
 
-<file path=ppt/slides/slide31.xml><?xml version="1.0" encoding="utf-8"?>
+<file path=ppt/slides/slide27.xml><?xml version="1.0" encoding="utf-8"?>
 <p:sld xmlns:a="http://schemas.openxmlformats.org/drawingml/2006/main" xmlns:r="http://schemas.openxmlformats.org/officeDocument/2006/relationships" xmlns:p="http://schemas.openxmlformats.org/presentationml/2006/main">
   <p:cSld>
     <p:spTree>
@@ -27663,7 +23805,7 @@
 </p:sld>
 </file>
 
-<file path=ppt/slides/slide32.xml><?xml version="1.0" encoding="utf-8"?>
+<file path=ppt/slides/slide28.xml><?xml version="1.0" encoding="utf-8"?>
 <p:sld xmlns:a="http://schemas.openxmlformats.org/drawingml/2006/main" xmlns:r="http://schemas.openxmlformats.org/officeDocument/2006/relationships" xmlns:p="http://schemas.openxmlformats.org/presentationml/2006/main">
   <p:cSld>
     <p:spTree>
@@ -28473,7 +24615,7 @@
 </p:sld>
 </file>
 
-<file path=ppt/slides/slide33.xml><?xml version="1.0" encoding="utf-8"?>
+<file path=ppt/slides/slide29.xml><?xml version="1.0" encoding="utf-8"?>
 <p:sld xmlns:a="http://schemas.openxmlformats.org/drawingml/2006/main" xmlns:r="http://schemas.openxmlformats.org/officeDocument/2006/relationships" xmlns:p="http://schemas.openxmlformats.org/presentationml/2006/main">
   <p:cSld>
     <p:spTree>
@@ -29412,7 +25554,578 @@
 </p:sld>
 </file>
 
-<file path=ppt/slides/slide34.xml><?xml version="1.0" encoding="utf-8"?>
+<file path=ppt/slides/slide3.xml><?xml version="1.0" encoding="utf-8"?>
+<p:sld xmlns:a="http://schemas.openxmlformats.org/drawingml/2006/main" xmlns:r="http://schemas.openxmlformats.org/officeDocument/2006/relationships" xmlns:p="http://schemas.openxmlformats.org/presentationml/2006/main">
+  <p:cSld>
+    <p:spTree>
+      <p:nvGrpSpPr>
+        <p:cNvPr id="1" name=""/>
+        <p:cNvGrpSpPr/>
+        <p:nvPr/>
+      </p:nvGrpSpPr>
+      <p:grpSpPr>
+        <a:xfrm>
+          <a:off x="0" y="0"/>
+          <a:ext cx="0" cy="0"/>
+          <a:chOff x="0" y="0"/>
+          <a:chExt cx="0" cy="0"/>
+        </a:xfrm>
+      </p:grpSpPr>
+      <p:sp>
+        <p:nvSpPr>
+          <p:cNvPr id="19" name="직사각형 18">
+            <a:extLst>
+              <a:ext uri="{FF2B5EF4-FFF2-40B4-BE49-F238E27FC236}">
+                <a16:creationId xmlns:a16="http://schemas.microsoft.com/office/drawing/2014/main" xmlns="" id="{18F23432-9C65-41A4-A80F-36BDC8CE29D3}"/>
+              </a:ext>
+            </a:extLst>
+          </p:cNvPr>
+          <p:cNvSpPr/>
+          <p:nvPr/>
+        </p:nvSpPr>
+        <p:spPr>
+          <a:xfrm>
+            <a:off x="426152" y="448236"/>
+            <a:ext cx="8291696" cy="4247028"/>
+          </a:xfrm>
+          <a:prstGeom prst="rect">
+            <a:avLst/>
+          </a:prstGeom>
+          <a:noFill/>
+          <a:ln w="25400">
+            <a:solidFill>
+              <a:schemeClr val="bg1">
+                <a:lumMod val="65000"/>
+              </a:schemeClr>
+            </a:solidFill>
+          </a:ln>
+          <a:effectLst/>
+        </p:spPr>
+        <p:style>
+          <a:lnRef idx="2">
+            <a:schemeClr val="accent1">
+              <a:shade val="50000"/>
+            </a:schemeClr>
+          </a:lnRef>
+          <a:fillRef idx="1">
+            <a:schemeClr val="accent1"/>
+          </a:fillRef>
+          <a:effectRef idx="0">
+            <a:schemeClr val="accent1"/>
+          </a:effectRef>
+          <a:fontRef idx="minor">
+            <a:schemeClr val="lt1"/>
+          </a:fontRef>
+        </p:style>
+        <p:txBody>
+          <a:bodyPr rtlCol="0" anchor="ctr"/>
+          <a:lstStyle/>
+          <a:p>
+            <a:pPr algn="ctr"/>
+            <a:endParaRPr lang="ko-KR" altLang="en-US"/>
+          </a:p>
+        </p:txBody>
+      </p:sp>
+      <p:sp>
+        <p:nvSpPr>
+          <p:cNvPr id="48" name="직사각형 47">
+            <a:extLst>
+              <a:ext uri="{FF2B5EF4-FFF2-40B4-BE49-F238E27FC236}">
+                <a16:creationId xmlns:a16="http://schemas.microsoft.com/office/drawing/2014/main" xmlns="" id="{B4C4836A-945D-4FD2-89EB-A4DD8DF96E10}"/>
+              </a:ext>
+            </a:extLst>
+          </p:cNvPr>
+          <p:cNvSpPr/>
+          <p:nvPr/>
+        </p:nvSpPr>
+        <p:spPr>
+          <a:xfrm>
+            <a:off x="611560" y="369472"/>
+            <a:ext cx="1656184" cy="307777"/>
+          </a:xfrm>
+          <a:prstGeom prst="rect">
+            <a:avLst/>
+          </a:prstGeom>
+          <a:solidFill>
+            <a:schemeClr val="bg1"/>
+          </a:solidFill>
+          <a:ln>
+            <a:solidFill>
+              <a:schemeClr val="bg1"/>
+            </a:solidFill>
+          </a:ln>
+        </p:spPr>
+        <p:style>
+          <a:lnRef idx="2">
+            <a:schemeClr val="accent1">
+              <a:shade val="50000"/>
+            </a:schemeClr>
+          </a:lnRef>
+          <a:fillRef idx="1">
+            <a:schemeClr val="accent1"/>
+          </a:fillRef>
+          <a:effectRef idx="0">
+            <a:schemeClr val="accent1"/>
+          </a:effectRef>
+          <a:fontRef idx="minor">
+            <a:schemeClr val="lt1"/>
+          </a:fontRef>
+        </p:style>
+        <p:txBody>
+          <a:bodyPr rtlCol="0" anchor="ctr"/>
+          <a:lstStyle/>
+          <a:p>
+            <a:pPr algn="ctr"/>
+            <a:endParaRPr lang="ko-KR" altLang="en-US"/>
+          </a:p>
+        </p:txBody>
+      </p:sp>
+      <p:sp>
+        <p:nvSpPr>
+          <p:cNvPr id="29" name="자유형 139">
+            <a:extLst>
+              <a:ext uri="{FF2B5EF4-FFF2-40B4-BE49-F238E27FC236}">
+                <a16:creationId xmlns:a16="http://schemas.microsoft.com/office/drawing/2014/main" xmlns="" id="{83FF1C62-0D25-4F39-AB70-F9E2FB3579B8}"/>
+              </a:ext>
+            </a:extLst>
+          </p:cNvPr>
+          <p:cNvSpPr/>
+          <p:nvPr/>
+        </p:nvSpPr>
+        <p:spPr>
+          <a:xfrm>
+            <a:off x="643045" y="252981"/>
+            <a:ext cx="584109" cy="337756"/>
+          </a:xfrm>
+          <a:custGeom>
+            <a:avLst/>
+            <a:gdLst>
+              <a:gd name="connsiteX0" fmla="*/ 1906329 w 3145074"/>
+              <a:gd name="connsiteY0" fmla="*/ 0 h 1746961"/>
+              <a:gd name="connsiteX1" fmla="*/ 2543211 w 3145074"/>
+              <a:gd name="connsiteY1" fmla="*/ 519074 h 1746961"/>
+              <a:gd name="connsiteX2" fmla="*/ 2550041 w 3145074"/>
+              <a:gd name="connsiteY2" fmla="*/ 586822 h 1746961"/>
+              <a:gd name="connsiteX3" fmla="*/ 2626000 w 3145074"/>
+              <a:gd name="connsiteY3" fmla="*/ 594480 h 1746961"/>
+              <a:gd name="connsiteX4" fmla="*/ 3145074 w 3145074"/>
+              <a:gd name="connsiteY4" fmla="*/ 1231362 h 1746961"/>
+              <a:gd name="connsiteX5" fmla="*/ 2954667 w 3145074"/>
+              <a:gd name="connsiteY5" fmla="*/ 1691045 h 1746961"/>
+              <a:gd name="connsiteX6" fmla="*/ 2886897 w 3145074"/>
+              <a:gd name="connsiteY6" fmla="*/ 1746961 h 1746961"/>
+              <a:gd name="connsiteX7" fmla="*/ 328154 w 3145074"/>
+              <a:gd name="connsiteY7" fmla="*/ 1746961 h 1746961"/>
+              <a:gd name="connsiteX8" fmla="*/ 311080 w 3145074"/>
+              <a:gd name="connsiteY8" fmla="*/ 1741661 h 1746961"/>
+              <a:gd name="connsiteX9" fmla="*/ 0 w 3145074"/>
+              <a:gd name="connsiteY9" fmla="*/ 1272350 h 1746961"/>
+              <a:gd name="connsiteX10" fmla="*/ 406688 w 3145074"/>
+              <a:gd name="connsiteY10" fmla="*/ 773361 h 1746961"/>
+              <a:gd name="connsiteX11" fmla="*/ 471248 w 3145074"/>
+              <a:gd name="connsiteY11" fmla="*/ 766853 h 1746961"/>
+              <a:gd name="connsiteX12" fmla="*/ 478693 w 3145074"/>
+              <a:gd name="connsiteY12" fmla="*/ 742871 h 1746961"/>
+              <a:gd name="connsiteX13" fmla="*/ 1049392 w 3145074"/>
+              <a:gd name="connsiteY13" fmla="*/ 364586 h 1746961"/>
+              <a:gd name="connsiteX14" fmla="*/ 1290480 w 3145074"/>
+              <a:gd name="connsiteY14" fmla="*/ 413260 h 1746961"/>
+              <a:gd name="connsiteX15" fmla="*/ 1300590 w 3145074"/>
+              <a:gd name="connsiteY15" fmla="*/ 418747 h 1746961"/>
+              <a:gd name="connsiteX16" fmla="*/ 1307327 w 3145074"/>
+              <a:gd name="connsiteY16" fmla="*/ 397046 h 1746961"/>
+              <a:gd name="connsiteX17" fmla="*/ 1906329 w 3145074"/>
+              <a:gd name="connsiteY17" fmla="*/ 0 h 1746961"/>
+            </a:gdLst>
+            <a:ahLst/>
+            <a:cxnLst>
+              <a:cxn ang="0">
+                <a:pos x="connsiteX0" y="connsiteY0"/>
+              </a:cxn>
+              <a:cxn ang="0">
+                <a:pos x="connsiteX1" y="connsiteY1"/>
+              </a:cxn>
+              <a:cxn ang="0">
+                <a:pos x="connsiteX2" y="connsiteY2"/>
+              </a:cxn>
+              <a:cxn ang="0">
+                <a:pos x="connsiteX3" y="connsiteY3"/>
+              </a:cxn>
+              <a:cxn ang="0">
+                <a:pos x="connsiteX4" y="connsiteY4"/>
+              </a:cxn>
+              <a:cxn ang="0">
+                <a:pos x="connsiteX5" y="connsiteY5"/>
+              </a:cxn>
+              <a:cxn ang="0">
+                <a:pos x="connsiteX6" y="connsiteY6"/>
+              </a:cxn>
+              <a:cxn ang="0">
+                <a:pos x="connsiteX7" y="connsiteY7"/>
+              </a:cxn>
+              <a:cxn ang="0">
+                <a:pos x="connsiteX8" y="connsiteY8"/>
+              </a:cxn>
+              <a:cxn ang="0">
+                <a:pos x="connsiteX9" y="connsiteY9"/>
+              </a:cxn>
+              <a:cxn ang="0">
+                <a:pos x="connsiteX10" y="connsiteY10"/>
+              </a:cxn>
+              <a:cxn ang="0">
+                <a:pos x="connsiteX11" y="connsiteY11"/>
+              </a:cxn>
+              <a:cxn ang="0">
+                <a:pos x="connsiteX12" y="connsiteY12"/>
+              </a:cxn>
+              <a:cxn ang="0">
+                <a:pos x="connsiteX13" y="connsiteY13"/>
+              </a:cxn>
+              <a:cxn ang="0">
+                <a:pos x="connsiteX14" y="connsiteY14"/>
+              </a:cxn>
+              <a:cxn ang="0">
+                <a:pos x="connsiteX15" y="connsiteY15"/>
+              </a:cxn>
+              <a:cxn ang="0">
+                <a:pos x="connsiteX16" y="connsiteY16"/>
+              </a:cxn>
+              <a:cxn ang="0">
+                <a:pos x="connsiteX17" y="connsiteY17"/>
+              </a:cxn>
+            </a:cxnLst>
+            <a:rect l="l" t="t" r="r" b="b"/>
+            <a:pathLst>
+              <a:path w="3145074" h="1746961">
+                <a:moveTo>
+                  <a:pt x="1906329" y="0"/>
+                </a:moveTo>
+                <a:cubicBezTo>
+                  <a:pt x="2220485" y="0"/>
+                  <a:pt x="2482593" y="222839"/>
+                  <a:pt x="2543211" y="519074"/>
+                </a:cubicBezTo>
+                <a:lnTo>
+                  <a:pt x="2550041" y="586822"/>
+                </a:lnTo>
+                <a:lnTo>
+                  <a:pt x="2626000" y="594480"/>
+                </a:lnTo>
+                <a:cubicBezTo>
+                  <a:pt x="2922235" y="655098"/>
+                  <a:pt x="3145074" y="917206"/>
+                  <a:pt x="3145074" y="1231362"/>
+                </a:cubicBezTo>
+                <a:cubicBezTo>
+                  <a:pt x="3145074" y="1410880"/>
+                  <a:pt x="3072310" y="1573402"/>
+                  <a:pt x="2954667" y="1691045"/>
+                </a:cubicBezTo>
+                <a:lnTo>
+                  <a:pt x="2886897" y="1746961"/>
+                </a:lnTo>
+                <a:lnTo>
+                  <a:pt x="328154" y="1746961"/>
+                </a:lnTo>
+                <a:lnTo>
+                  <a:pt x="311080" y="1741661"/>
+                </a:lnTo>
+                <a:cubicBezTo>
+                  <a:pt x="128272" y="1664339"/>
+                  <a:pt x="0" y="1483324"/>
+                  <a:pt x="0" y="1272350"/>
+                </a:cubicBezTo>
+                <a:cubicBezTo>
+                  <a:pt x="0" y="1026213"/>
+                  <a:pt x="174592" y="820855"/>
+                  <a:pt x="406688" y="773361"/>
+                </a:cubicBezTo>
+                <a:lnTo>
+                  <a:pt x="471248" y="766853"/>
+                </a:lnTo>
+                <a:lnTo>
+                  <a:pt x="478693" y="742871"/>
+                </a:lnTo>
+                <a:cubicBezTo>
+                  <a:pt x="572719" y="520569"/>
+                  <a:pt x="792840" y="364586"/>
+                  <a:pt x="1049392" y="364586"/>
+                </a:cubicBezTo>
+                <a:cubicBezTo>
+                  <a:pt x="1134910" y="364586"/>
+                  <a:pt x="1216379" y="381918"/>
+                  <a:pt x="1290480" y="413260"/>
+                </a:cubicBezTo>
+                <a:lnTo>
+                  <a:pt x="1300590" y="418747"/>
+                </a:lnTo>
+                <a:lnTo>
+                  <a:pt x="1307327" y="397046"/>
+                </a:lnTo>
+                <a:cubicBezTo>
+                  <a:pt x="1406016" y="163719"/>
+                  <a:pt x="1637053" y="0"/>
+                  <a:pt x="1906329" y="0"/>
+                </a:cubicBezTo>
+                <a:close/>
+              </a:path>
+            </a:pathLst>
+          </a:custGeom>
+          <a:solidFill>
+            <a:srgbClr val="DE6658"/>
+          </a:solidFill>
+          <a:ln>
+            <a:noFill/>
+          </a:ln>
+        </p:spPr>
+        <p:style>
+          <a:lnRef idx="2">
+            <a:schemeClr val="accent1">
+              <a:shade val="50000"/>
+            </a:schemeClr>
+          </a:lnRef>
+          <a:fillRef idx="1">
+            <a:schemeClr val="accent1"/>
+          </a:fillRef>
+          <a:effectRef idx="0">
+            <a:schemeClr val="accent1"/>
+          </a:effectRef>
+          <a:fontRef idx="minor">
+            <a:schemeClr val="lt1"/>
+          </a:fontRef>
+        </p:style>
+        <p:txBody>
+          <a:bodyPr wrap="square" rtlCol="0" anchor="ctr">
+            <a:noAutofit/>
+          </a:bodyPr>
+          <a:lstStyle/>
+          <a:p>
+            <a:pPr algn="ctr"/>
+            <a:endParaRPr lang="ko-KR" altLang="en-US"/>
+          </a:p>
+        </p:txBody>
+      </p:sp>
+      <p:sp>
+        <p:nvSpPr>
+          <p:cNvPr id="27" name="TextBox 26">
+            <a:extLst>
+              <a:ext uri="{FF2B5EF4-FFF2-40B4-BE49-F238E27FC236}">
+                <a16:creationId xmlns:a16="http://schemas.microsoft.com/office/drawing/2014/main" xmlns="" id="{ED189A95-0E17-48CB-8C40-4D67106D4BE9}"/>
+              </a:ext>
+            </a:extLst>
+          </p:cNvPr>
+          <p:cNvSpPr txBox="1"/>
+          <p:nvPr/>
+        </p:nvSpPr>
+        <p:spPr>
+          <a:xfrm>
+            <a:off x="1258638" y="325125"/>
+            <a:ext cx="1297138" cy="307777"/>
+          </a:xfrm>
+          <a:prstGeom prst="rect">
+            <a:avLst/>
+          </a:prstGeom>
+          <a:noFill/>
+          <a:scene3d>
+            <a:camera prst="obliqueTopLeft"/>
+            <a:lightRig rig="threePt" dir="t"/>
+          </a:scene3d>
+        </p:spPr>
+        <p:txBody>
+          <a:bodyPr wrap="square" rtlCol="0">
+            <a:spAutoFit/>
+          </a:bodyPr>
+          <a:lstStyle/>
+          <a:p>
+            <a:r>
+              <a:rPr lang="en-US" altLang="ko-KR" sz="1400" dirty="0">
+                <a:solidFill>
+                  <a:srgbClr val="565658"/>
+                </a:solidFill>
+                <a:latin typeface="210 콤퓨타세탁 L" panose="02020603020101020101" pitchFamily="18" charset="-127"/>
+                <a:ea typeface="210 콤퓨타세탁 L" panose="02020603020101020101" pitchFamily="18" charset="-127"/>
+              </a:rPr>
+              <a:t>Who am I?</a:t>
+            </a:r>
+            <a:endParaRPr lang="ko-KR" altLang="en-US" sz="1400" dirty="0">
+              <a:solidFill>
+                <a:srgbClr val="565658"/>
+              </a:solidFill>
+              <a:latin typeface="210 콤퓨타세탁 L" panose="02020603020101020101" pitchFamily="18" charset="-127"/>
+              <a:ea typeface="210 콤퓨타세탁 L" panose="02020603020101020101" pitchFamily="18" charset="-127"/>
+            </a:endParaRPr>
+          </a:p>
+        </p:txBody>
+      </p:sp>
+      <p:sp>
+        <p:nvSpPr>
+          <p:cNvPr id="49" name="TextBox 48">
+            <a:extLst>
+              <a:ext uri="{FF2B5EF4-FFF2-40B4-BE49-F238E27FC236}">
+                <a16:creationId xmlns:a16="http://schemas.microsoft.com/office/drawing/2014/main" xmlns="" id="{8E80EDAD-45C8-4859-8BC0-0A5C328DCA3B}"/>
+              </a:ext>
+            </a:extLst>
+          </p:cNvPr>
+          <p:cNvSpPr txBox="1"/>
+          <p:nvPr/>
+        </p:nvSpPr>
+        <p:spPr>
+          <a:xfrm>
+            <a:off x="3203848" y="1059582"/>
+            <a:ext cx="7601363" cy="3046988"/>
+          </a:xfrm>
+          <a:prstGeom prst="rect">
+            <a:avLst/>
+          </a:prstGeom>
+          <a:noFill/>
+        </p:spPr>
+        <p:txBody>
+          <a:bodyPr wrap="square" rtlCol="0">
+            <a:spAutoFit/>
+          </a:bodyPr>
+          <a:lstStyle/>
+          <a:p>
+            <a:r>
+              <a:rPr lang="ko-KR" altLang="en-US" sz="1600" b="1" dirty="0" err="1"/>
+              <a:t>한우영</a:t>
+            </a:r>
+            <a:r>
+              <a:rPr lang="ko-KR" altLang="en-US" sz="1600" b="1" dirty="0"/>
+              <a:t> </a:t>
+            </a:r>
+            <a:r>
+              <a:rPr lang="en-US" altLang="ko-KR" sz="1600" b="1" dirty="0"/>
+              <a:t>(H4NUKO0N)</a:t>
+            </a:r>
+          </a:p>
+          <a:p>
+            <a:endParaRPr lang="en-US" altLang="ko-KR" sz="1600" b="1" dirty="0"/>
+          </a:p>
+          <a:p>
+            <a:r>
+              <a:rPr lang="en-US" altLang="ko-KR" sz="1600" b="1" dirty="0"/>
+              <a:t>TeamH4C , </a:t>
+            </a:r>
+            <a:r>
+              <a:rPr lang="en-US" altLang="ko-KR" sz="1600" b="1" dirty="0" err="1" smtClean="0"/>
+              <a:t>MonoDoChi</a:t>
+            </a:r>
+            <a:endParaRPr lang="en-US" altLang="ko-KR" sz="1600" b="1" dirty="0" smtClean="0"/>
+          </a:p>
+          <a:p>
+            <a:endParaRPr lang="en-US" altLang="ko-KR" sz="1600" b="1" dirty="0"/>
+          </a:p>
+          <a:p>
+            <a:r>
+              <a:rPr lang="en-US" altLang="ko-KR" sz="1600" b="1" dirty="0"/>
+              <a:t>Forensic , </a:t>
+            </a:r>
+            <a:r>
+              <a:rPr lang="en-US" altLang="ko-KR" sz="1600" b="1" dirty="0" smtClean="0"/>
+              <a:t>Network , C#</a:t>
+            </a:r>
+            <a:endParaRPr lang="en-US" altLang="ko-KR" sz="1600" b="1" dirty="0"/>
+          </a:p>
+          <a:p>
+            <a:endParaRPr lang="en-US" altLang="ko-KR" sz="1600" b="1" dirty="0"/>
+          </a:p>
+          <a:p>
+            <a:r>
+              <a:rPr lang="en-US" altLang="ko-KR" sz="1600" b="1" dirty="0" smtClean="0"/>
+              <a:t>hwymaster01@gmail.com</a:t>
+            </a:r>
+            <a:endParaRPr lang="en-US" altLang="ko-KR" sz="1600" b="1" dirty="0"/>
+          </a:p>
+          <a:p>
+            <a:endParaRPr lang="en-US" altLang="ko-KR" sz="1600" b="1" dirty="0"/>
+          </a:p>
+          <a:p>
+            <a:r>
+              <a:rPr lang="en-US" altLang="ko-KR" sz="1600" b="1" dirty="0"/>
+              <a:t>https://hanukoon.com</a:t>
+            </a:r>
+          </a:p>
+          <a:p>
+            <a:r>
+              <a:rPr lang="en-US" altLang="ko-KR" sz="1600" b="1" dirty="0"/>
+              <a:t>https://github.com/cokia</a:t>
+            </a:r>
+            <a:r>
+              <a:rPr lang="en-US" altLang="ko-KR" sz="1600" b="1" dirty="0">
+                <a:hlinkClick r:id="rId3"/>
+              </a:rPr>
+              <a:t> </a:t>
+            </a:r>
+            <a:endParaRPr lang="en-US" altLang="ko-KR" sz="1600" b="1" dirty="0"/>
+          </a:p>
+          <a:p>
+            <a:endParaRPr lang="en-US" altLang="ko-KR" sz="1600" b="1" dirty="0"/>
+          </a:p>
+          <a:p>
+            <a:endParaRPr lang="en-US" altLang="ko-KR" sz="1600" b="1" dirty="0"/>
+          </a:p>
+        </p:txBody>
+      </p:sp>
+      <p:pic>
+        <p:nvPicPr>
+          <p:cNvPr id="52" name="그림 51">
+            <a:extLst>
+              <a:ext uri="{FF2B5EF4-FFF2-40B4-BE49-F238E27FC236}">
+                <a16:creationId xmlns:a16="http://schemas.microsoft.com/office/drawing/2014/main" xmlns="" id="{4D9258DC-9A82-4E69-9769-02A3DB3349EF}"/>
+              </a:ext>
+            </a:extLst>
+          </p:cNvPr>
+          <p:cNvPicPr>
+            <a:picLocks noChangeAspect="1"/>
+          </p:cNvPicPr>
+          <p:nvPr/>
+        </p:nvPicPr>
+        <p:blipFill>
+          <a:blip r:embed="rId4">
+            <a:extLst>
+              <a:ext uri="{28A0092B-C50C-407E-A947-70E740481C1C}">
+                <a14:useLocalDpi xmlns:a14="http://schemas.microsoft.com/office/drawing/2010/main" val="0"/>
+              </a:ext>
+            </a:extLst>
+          </a:blip>
+          <a:stretch>
+            <a:fillRect/>
+          </a:stretch>
+        </p:blipFill>
+        <p:spPr>
+          <a:xfrm>
+            <a:off x="805522" y="1053108"/>
+            <a:ext cx="2032749" cy="1954334"/>
+          </a:xfrm>
+          <a:prstGeom prst="rect">
+            <a:avLst/>
+          </a:prstGeom>
+        </p:spPr>
+      </p:pic>
+    </p:spTree>
+    <p:extLst>
+      <p:ext uri="{BB962C8B-B14F-4D97-AF65-F5344CB8AC3E}">
+        <p14:creationId xmlns:p14="http://schemas.microsoft.com/office/powerpoint/2010/main" val="2090594489"/>
+      </p:ext>
+    </p:extLst>
+  </p:cSld>
+  <p:clrMapOvr>
+    <a:masterClrMapping/>
+  </p:clrMapOvr>
+  <p:transition spd="slow">
+    <p:push dir="u"/>
+  </p:transition>
+  <p:timing>
+    <p:tnLst>
+      <p:par>
+        <p:cTn id="1" dur="indefinite" restart="never" nodeType="tmRoot"/>
+      </p:par>
+    </p:tnLst>
+  </p:timing>
+</p:sld>
+</file>
+
+<file path=ppt/slides/slide30.xml><?xml version="1.0" encoding="utf-8"?>
 <p:sld xmlns:a="http://schemas.openxmlformats.org/drawingml/2006/main" xmlns:r="http://schemas.openxmlformats.org/officeDocument/2006/relationships" xmlns:p="http://schemas.openxmlformats.org/presentationml/2006/main">
   <p:cSld>
     <p:spTree>
@@ -30349,7 +27062,7 @@
 </p:sld>
 </file>
 
-<file path=ppt/slides/slide35.xml><?xml version="1.0" encoding="utf-8"?>
+<file path=ppt/slides/slide31.xml><?xml version="1.0" encoding="utf-8"?>
 <p:sld xmlns:a="http://schemas.openxmlformats.org/drawingml/2006/main" xmlns:r="http://schemas.openxmlformats.org/officeDocument/2006/relationships" xmlns:p="http://schemas.openxmlformats.org/presentationml/2006/main">
   <p:cSld>
     <p:spTree>
